--- a/docs/assets/project5-presentation.pptx
+++ b/docs/assets/project5-presentation.pptx
@@ -2,7 +2,7 @@
 <file path=ppt/presentation.xml><?xml version="1.0" encoding="utf-8"?>
 <p:presentation xmlns:a="http://schemas.openxmlformats.org/drawingml/2006/main" xmlns:r="http://schemas.openxmlformats.org/officeDocument/2006/relationships" xmlns:p="http://schemas.openxmlformats.org/presentationml/2006/main" saveSubsetFonts="1">
   <p:sldMasterIdLst>
-    <p:sldMasterId id="2147483660" r:id="rId1"/>
+    <p:sldMasterId id="2147483714" r:id="rId1"/>
   </p:sldMasterIdLst>
   <p:sldIdLst>
     <p:sldId id="256" r:id="rId2"/>
@@ -11,11 +11,10 @@
     <p:sldId id="263" r:id="rId5"/>
     <p:sldId id="259" r:id="rId6"/>
     <p:sldId id="260" r:id="rId7"/>
-    <p:sldId id="261" r:id="rId8"/>
-    <p:sldId id="264" r:id="rId9"/>
-    <p:sldId id="265" r:id="rId10"/>
+    <p:sldId id="265" r:id="rId8"/>
+    <p:sldId id="261" r:id="rId9"/>
+    <p:sldId id="264" r:id="rId10"/>
     <p:sldId id="266" r:id="rId11"/>
-    <p:sldId id="262" r:id="rId12"/>
   </p:sldIdLst>
   <p:sldSz cx="12192000" cy="6858000"/>
   <p:notesSz cx="6858000" cy="9144000"/>
@@ -122,2987 +121,6 @@
 </p:presentation>
 </file>
 
-<file path=ppt/diagrams/colors1.xml><?xml version="1.0" encoding="utf-8"?>
-<dgm:colorsDef xmlns:dgm="http://schemas.openxmlformats.org/drawingml/2006/diagram" xmlns:a="http://schemas.openxmlformats.org/drawingml/2006/main" uniqueId="urn:microsoft.com/office/officeart/2018/5/colors/Iconchunking_neutralicon_colorful1">
-  <dgm:title val=""/>
-  <dgm:desc val=""/>
-  <dgm:catLst>
-    <dgm:cat type="colorful" pri="10100"/>
-  </dgm:catLst>
-  <dgm:styleLbl name="node0">
-    <dgm:fillClrLst meth="repeat">
-      <a:schemeClr val="accent1"/>
-    </dgm:fillClrLst>
-    <dgm:linClrLst meth="repeat">
-      <a:schemeClr val="lt1"/>
-    </dgm:linClrLst>
-    <dgm:effectClrLst/>
-    <dgm:txLinClrLst/>
-    <dgm:txFillClrLst/>
-    <dgm:txEffectClrLst/>
-  </dgm:styleLbl>
-  <dgm:styleLbl name="node1">
-    <dgm:fillClrLst meth="repeat">
-      <a:schemeClr val="bg1"/>
-    </dgm:fillClrLst>
-    <dgm:linClrLst meth="repeat">
-      <a:schemeClr val="lt1">
-        <a:alpha val="0"/>
-      </a:schemeClr>
-    </dgm:linClrLst>
-    <dgm:effectClrLst/>
-    <dgm:txLinClrLst/>
-    <dgm:txFillClrLst meth="repeat">
-      <a:schemeClr val="dk1"/>
-    </dgm:txFillClrLst>
-    <dgm:txEffectClrLst/>
-  </dgm:styleLbl>
-  <dgm:styleLbl name="alignNode1">
-    <dgm:fillClrLst meth="repeat">
-      <a:schemeClr val="accent2"/>
-      <a:schemeClr val="accent3"/>
-      <a:schemeClr val="accent4"/>
-      <a:schemeClr val="accent5"/>
-      <a:schemeClr val="accent6"/>
-    </dgm:fillClrLst>
-    <dgm:linClrLst meth="repeat">
-      <a:schemeClr val="accent2"/>
-      <a:schemeClr val="accent3"/>
-      <a:schemeClr val="accent4"/>
-      <a:schemeClr val="accent5"/>
-      <a:schemeClr val="accent6"/>
-    </dgm:linClrLst>
-    <dgm:effectClrLst/>
-    <dgm:txLinClrLst/>
-    <dgm:txFillClrLst/>
-    <dgm:txEffectClrLst/>
-  </dgm:styleLbl>
-  <dgm:styleLbl name="lnNode1">
-    <dgm:fillClrLst meth="repeat">
-      <a:schemeClr val="accent2"/>
-      <a:schemeClr val="accent3"/>
-      <a:schemeClr val="accent4"/>
-      <a:schemeClr val="accent5"/>
-      <a:schemeClr val="accent6"/>
-    </dgm:fillClrLst>
-    <dgm:linClrLst meth="repeat">
-      <a:schemeClr val="lt1"/>
-    </dgm:linClrLst>
-    <dgm:effectClrLst/>
-    <dgm:txLinClrLst/>
-    <dgm:txFillClrLst/>
-    <dgm:txEffectClrLst/>
-  </dgm:styleLbl>
-  <dgm:styleLbl name="vennNode1">
-    <dgm:fillClrLst meth="repeat">
-      <a:schemeClr val="accent2">
-        <a:alpha val="50000"/>
-      </a:schemeClr>
-      <a:schemeClr val="accent3">
-        <a:alpha val="50000"/>
-      </a:schemeClr>
-      <a:schemeClr val="accent4">
-        <a:alpha val="50000"/>
-      </a:schemeClr>
-      <a:schemeClr val="accent5">
-        <a:alpha val="50000"/>
-      </a:schemeClr>
-      <a:schemeClr val="accent6">
-        <a:alpha val="50000"/>
-      </a:schemeClr>
-    </dgm:fillClrLst>
-    <dgm:linClrLst meth="repeat">
-      <a:schemeClr val="lt1"/>
-    </dgm:linClrLst>
-    <dgm:effectClrLst/>
-    <dgm:txLinClrLst/>
-    <dgm:txFillClrLst/>
-    <dgm:txEffectClrLst/>
-  </dgm:styleLbl>
-  <dgm:styleLbl name="node2">
-    <dgm:fillClrLst>
-      <a:schemeClr val="accent2"/>
-    </dgm:fillClrLst>
-    <dgm:linClrLst meth="repeat">
-      <a:schemeClr val="lt1"/>
-    </dgm:linClrLst>
-    <dgm:effectClrLst/>
-    <dgm:txLinClrLst/>
-    <dgm:txFillClrLst/>
-    <dgm:txEffectClrLst/>
-  </dgm:styleLbl>
-  <dgm:styleLbl name="node3">
-    <dgm:fillClrLst>
-      <a:schemeClr val="accent3"/>
-    </dgm:fillClrLst>
-    <dgm:linClrLst meth="repeat">
-      <a:schemeClr val="lt1"/>
-    </dgm:linClrLst>
-    <dgm:effectClrLst/>
-    <dgm:txLinClrLst/>
-    <dgm:txFillClrLst/>
-    <dgm:txEffectClrLst/>
-  </dgm:styleLbl>
-  <dgm:styleLbl name="node4">
-    <dgm:fillClrLst>
-      <a:schemeClr val="accent4"/>
-    </dgm:fillClrLst>
-    <dgm:linClrLst meth="repeat">
-      <a:schemeClr val="lt1"/>
-    </dgm:linClrLst>
-    <dgm:effectClrLst/>
-    <dgm:txLinClrLst/>
-    <dgm:txFillClrLst/>
-    <dgm:txEffectClrLst/>
-  </dgm:styleLbl>
-  <dgm:styleLbl name="fgImgPlace1">
-    <dgm:fillClrLst meth="repeat">
-      <a:schemeClr val="accent2">
-        <a:tint val="50000"/>
-      </a:schemeClr>
-      <a:schemeClr val="accent3">
-        <a:tint val="50000"/>
-      </a:schemeClr>
-      <a:schemeClr val="accent4">
-        <a:tint val="50000"/>
-      </a:schemeClr>
-      <a:schemeClr val="accent5">
-        <a:tint val="50000"/>
-      </a:schemeClr>
-      <a:schemeClr val="accent6">
-        <a:tint val="50000"/>
-      </a:schemeClr>
-    </dgm:fillClrLst>
-    <dgm:linClrLst meth="repeat">
-      <a:schemeClr val="lt1"/>
-    </dgm:linClrLst>
-    <dgm:effectClrLst/>
-    <dgm:txLinClrLst/>
-    <dgm:txFillClrLst meth="repeat">
-      <a:schemeClr val="lt1"/>
-    </dgm:txFillClrLst>
-    <dgm:txEffectClrLst/>
-  </dgm:styleLbl>
-  <dgm:styleLbl name="alignImgPlace1">
-    <dgm:fillClrLst>
-      <a:schemeClr val="accent1">
-        <a:tint val="50000"/>
-      </a:schemeClr>
-      <a:schemeClr val="accent2">
-        <a:tint val="20000"/>
-      </a:schemeClr>
-    </dgm:fillClrLst>
-    <dgm:linClrLst meth="repeat">
-      <a:schemeClr val="lt1"/>
-    </dgm:linClrLst>
-    <dgm:effectClrLst/>
-    <dgm:txLinClrLst/>
-    <dgm:txFillClrLst meth="repeat">
-      <a:schemeClr val="lt1"/>
-    </dgm:txFillClrLst>
-    <dgm:txEffectClrLst/>
-  </dgm:styleLbl>
-  <dgm:styleLbl name="bgImgPlace1">
-    <dgm:fillClrLst>
-      <a:schemeClr val="accent1">
-        <a:tint val="50000"/>
-      </a:schemeClr>
-      <a:schemeClr val="accent2">
-        <a:tint val="20000"/>
-      </a:schemeClr>
-    </dgm:fillClrLst>
-    <dgm:linClrLst meth="repeat">
-      <a:schemeClr val="lt1"/>
-    </dgm:linClrLst>
-    <dgm:effectClrLst/>
-    <dgm:txLinClrLst/>
-    <dgm:txFillClrLst meth="repeat">
-      <a:schemeClr val="lt1"/>
-    </dgm:txFillClrLst>
-    <dgm:txEffectClrLst/>
-  </dgm:styleLbl>
-  <dgm:styleLbl name="sibTrans2D1">
-    <dgm:fillClrLst meth="repeat">
-      <a:schemeClr val="accent2"/>
-      <a:schemeClr val="accent3"/>
-      <a:schemeClr val="accent4"/>
-      <a:schemeClr val="accent5"/>
-      <a:schemeClr val="accent6"/>
-    </dgm:fillClrLst>
-    <dgm:linClrLst meth="cycle">
-      <a:schemeClr val="lt1"/>
-    </dgm:linClrLst>
-    <dgm:effectClrLst/>
-    <dgm:txLinClrLst/>
-    <dgm:txFillClrLst/>
-    <dgm:txEffectClrLst/>
-  </dgm:styleLbl>
-  <dgm:styleLbl name="fgSibTrans2D1">
-    <dgm:fillClrLst meth="repeat">
-      <a:schemeClr val="accent2"/>
-      <a:schemeClr val="accent3"/>
-      <a:schemeClr val="accent4"/>
-      <a:schemeClr val="accent5"/>
-      <a:schemeClr val="accent6"/>
-    </dgm:fillClrLst>
-    <dgm:linClrLst meth="cycle">
-      <a:schemeClr val="lt1"/>
-    </dgm:linClrLst>
-    <dgm:effectClrLst/>
-    <dgm:txLinClrLst/>
-    <dgm:txFillClrLst meth="repeat">
-      <a:schemeClr val="lt1"/>
-    </dgm:txFillClrLst>
-    <dgm:txEffectClrLst/>
-  </dgm:styleLbl>
-  <dgm:styleLbl name="bgSibTrans2D1">
-    <dgm:fillClrLst meth="repeat">
-      <a:schemeClr val="accent2"/>
-      <a:schemeClr val="accent3"/>
-      <a:schemeClr val="accent4"/>
-      <a:schemeClr val="accent5"/>
-      <a:schemeClr val="accent6"/>
-    </dgm:fillClrLst>
-    <dgm:linClrLst meth="cycle">
-      <a:schemeClr val="lt1"/>
-    </dgm:linClrLst>
-    <dgm:effectClrLst/>
-    <dgm:txLinClrLst/>
-    <dgm:txFillClrLst meth="repeat">
-      <a:schemeClr val="lt1"/>
-    </dgm:txFillClrLst>
-    <dgm:txEffectClrLst/>
-  </dgm:styleLbl>
-  <dgm:styleLbl name="sibTrans1D1">
-    <dgm:fillClrLst meth="repeat">
-      <a:schemeClr val="accent2"/>
-      <a:schemeClr val="accent3"/>
-      <a:schemeClr val="accent4"/>
-      <a:schemeClr val="accent5"/>
-      <a:schemeClr val="accent6"/>
-    </dgm:fillClrLst>
-    <dgm:linClrLst meth="repeat">
-      <a:schemeClr val="accent2"/>
-      <a:schemeClr val="accent3"/>
-      <a:schemeClr val="accent4"/>
-      <a:schemeClr val="accent5"/>
-      <a:schemeClr val="accent6"/>
-    </dgm:linClrLst>
-    <dgm:effectClrLst/>
-    <dgm:txLinClrLst/>
-    <dgm:txFillClrLst meth="repeat">
-      <a:schemeClr val="tx1"/>
-    </dgm:txFillClrLst>
-    <dgm:txEffectClrLst/>
-  </dgm:styleLbl>
-  <dgm:styleLbl name="callout">
-    <dgm:fillClrLst meth="repeat">
-      <a:schemeClr val="accent2"/>
-    </dgm:fillClrLst>
-    <dgm:linClrLst meth="repeat">
-      <a:schemeClr val="accent2">
-        <a:tint val="50000"/>
-      </a:schemeClr>
-    </dgm:linClrLst>
-    <dgm:effectClrLst/>
-    <dgm:txLinClrLst/>
-    <dgm:txFillClrLst meth="repeat">
-      <a:schemeClr val="tx1"/>
-    </dgm:txFillClrLst>
-    <dgm:txEffectClrLst/>
-  </dgm:styleLbl>
-  <dgm:styleLbl name="asst0">
-    <dgm:fillClrLst meth="repeat">
-      <a:schemeClr val="accent1"/>
-    </dgm:fillClrLst>
-    <dgm:linClrLst meth="repeat">
-      <a:schemeClr val="lt1"/>
-    </dgm:linClrLst>
-    <dgm:effectClrLst/>
-    <dgm:txLinClrLst/>
-    <dgm:txFillClrLst/>
-    <dgm:txEffectClrLst/>
-  </dgm:styleLbl>
-  <dgm:styleLbl name="asst1">
-    <dgm:fillClrLst meth="repeat">
-      <a:schemeClr val="accent2"/>
-    </dgm:fillClrLst>
-    <dgm:linClrLst meth="repeat">
-      <a:schemeClr val="lt1"/>
-    </dgm:linClrLst>
-    <dgm:effectClrLst/>
-    <dgm:txLinClrLst/>
-    <dgm:txFillClrLst/>
-    <dgm:txEffectClrLst/>
-  </dgm:styleLbl>
-  <dgm:styleLbl name="asst2">
-    <dgm:fillClrLst>
-      <a:schemeClr val="accent3"/>
-    </dgm:fillClrLst>
-    <dgm:linClrLst meth="repeat">
-      <a:schemeClr val="lt1"/>
-    </dgm:linClrLst>
-    <dgm:effectClrLst/>
-    <dgm:txLinClrLst/>
-    <dgm:txFillClrLst/>
-    <dgm:txEffectClrLst/>
-  </dgm:styleLbl>
-  <dgm:styleLbl name="asst3">
-    <dgm:fillClrLst>
-      <a:schemeClr val="accent4"/>
-    </dgm:fillClrLst>
-    <dgm:linClrLst meth="repeat">
-      <a:schemeClr val="lt1"/>
-    </dgm:linClrLst>
-    <dgm:effectClrLst/>
-    <dgm:txLinClrLst/>
-    <dgm:txFillClrLst/>
-    <dgm:txEffectClrLst/>
-  </dgm:styleLbl>
-  <dgm:styleLbl name="asst4">
-    <dgm:fillClrLst>
-      <a:schemeClr val="accent5"/>
-    </dgm:fillClrLst>
-    <dgm:linClrLst meth="repeat">
-      <a:schemeClr val="lt1"/>
-    </dgm:linClrLst>
-    <dgm:effectClrLst/>
-    <dgm:txLinClrLst/>
-    <dgm:txFillClrLst/>
-    <dgm:txEffectClrLst/>
-  </dgm:styleLbl>
-  <dgm:styleLbl name="parChTrans2D1">
-    <dgm:fillClrLst meth="repeat">
-      <a:schemeClr val="accent2"/>
-    </dgm:fillClrLst>
-    <dgm:linClrLst meth="repeat">
-      <a:schemeClr val="lt1"/>
-    </dgm:linClrLst>
-    <dgm:effectClrLst/>
-    <dgm:txLinClrLst/>
-    <dgm:txFillClrLst meth="repeat">
-      <a:schemeClr val="lt1"/>
-    </dgm:txFillClrLst>
-    <dgm:txEffectClrLst/>
-  </dgm:styleLbl>
-  <dgm:styleLbl name="parChTrans2D2">
-    <dgm:fillClrLst meth="repeat">
-      <a:schemeClr val="accent3"/>
-    </dgm:fillClrLst>
-    <dgm:linClrLst meth="repeat">
-      <a:schemeClr val="lt1"/>
-    </dgm:linClrLst>
-    <dgm:effectClrLst/>
-    <dgm:txLinClrLst/>
-    <dgm:txFillClrLst/>
-    <dgm:txEffectClrLst/>
-  </dgm:styleLbl>
-  <dgm:styleLbl name="parChTrans2D3">
-    <dgm:fillClrLst meth="repeat">
-      <a:schemeClr val="accent4"/>
-    </dgm:fillClrLst>
-    <dgm:linClrLst meth="repeat">
-      <a:schemeClr val="lt1"/>
-    </dgm:linClrLst>
-    <dgm:effectClrLst/>
-    <dgm:txLinClrLst/>
-    <dgm:txFillClrLst/>
-    <dgm:txEffectClrLst/>
-  </dgm:styleLbl>
-  <dgm:styleLbl name="parChTrans2D4">
-    <dgm:fillClrLst meth="repeat">
-      <a:schemeClr val="accent5"/>
-    </dgm:fillClrLst>
-    <dgm:linClrLst meth="repeat">
-      <a:schemeClr val="lt1"/>
-    </dgm:linClrLst>
-    <dgm:effectClrLst/>
-    <dgm:txLinClrLst/>
-    <dgm:txFillClrLst meth="repeat">
-      <a:schemeClr val="lt1"/>
-    </dgm:txFillClrLst>
-    <dgm:txEffectClrLst/>
-  </dgm:styleLbl>
-  <dgm:styleLbl name="parChTrans1D1">
-    <dgm:fillClrLst meth="repeat">
-      <a:schemeClr val="accent2"/>
-    </dgm:fillClrLst>
-    <dgm:linClrLst meth="repeat">
-      <a:schemeClr val="accent1"/>
-    </dgm:linClrLst>
-    <dgm:effectClrLst/>
-    <dgm:txLinClrLst/>
-    <dgm:txFillClrLst meth="repeat">
-      <a:schemeClr val="tx1"/>
-    </dgm:txFillClrLst>
-    <dgm:txEffectClrLst/>
-  </dgm:styleLbl>
-  <dgm:styleLbl name="parChTrans1D2">
-    <dgm:fillClrLst meth="repeat">
-      <a:schemeClr val="accent3">
-        <a:tint val="90000"/>
-      </a:schemeClr>
-    </dgm:fillClrLst>
-    <dgm:linClrLst meth="repeat">
-      <a:schemeClr val="accent2"/>
-    </dgm:linClrLst>
-    <dgm:effectClrLst/>
-    <dgm:txLinClrLst/>
-    <dgm:txFillClrLst meth="repeat">
-      <a:schemeClr val="tx1"/>
-    </dgm:txFillClrLst>
-    <dgm:txEffectClrLst/>
-  </dgm:styleLbl>
-  <dgm:styleLbl name="parChTrans1D3">
-    <dgm:fillClrLst meth="repeat">
-      <a:schemeClr val="accent4">
-        <a:tint val="70000"/>
-      </a:schemeClr>
-    </dgm:fillClrLst>
-    <dgm:linClrLst meth="repeat">
-      <a:schemeClr val="accent3"/>
-    </dgm:linClrLst>
-    <dgm:effectClrLst/>
-    <dgm:txLinClrLst/>
-    <dgm:txFillClrLst meth="repeat">
-      <a:schemeClr val="tx1"/>
-    </dgm:txFillClrLst>
-    <dgm:txEffectClrLst/>
-  </dgm:styleLbl>
-  <dgm:styleLbl name="parChTrans1D4">
-    <dgm:fillClrLst meth="repeat">
-      <a:schemeClr val="accent5">
-        <a:tint val="50000"/>
-      </a:schemeClr>
-    </dgm:fillClrLst>
-    <dgm:linClrLst meth="repeat">
-      <a:schemeClr val="accent4"/>
-    </dgm:linClrLst>
-    <dgm:effectClrLst/>
-    <dgm:txLinClrLst/>
-    <dgm:txFillClrLst meth="repeat">
-      <a:schemeClr val="tx1"/>
-    </dgm:txFillClrLst>
-    <dgm:txEffectClrLst/>
-  </dgm:styleLbl>
-  <dgm:styleLbl name="fgAcc1">
-    <dgm:fillClrLst meth="repeat">
-      <a:schemeClr val="lt1">
-        <a:alpha val="90000"/>
-      </a:schemeClr>
-    </dgm:fillClrLst>
-    <dgm:linClrLst meth="repeat">
-      <a:schemeClr val="accent2"/>
-      <a:schemeClr val="accent3"/>
-      <a:schemeClr val="accent4"/>
-      <a:schemeClr val="accent5"/>
-      <a:schemeClr val="accent6"/>
-    </dgm:linClrLst>
-    <dgm:effectClrLst/>
-    <dgm:txLinClrLst/>
-    <dgm:txFillClrLst meth="repeat">
-      <a:schemeClr val="dk1"/>
-    </dgm:txFillClrLst>
-    <dgm:txEffectClrLst/>
-  </dgm:styleLbl>
-  <dgm:styleLbl name="conFgAcc1">
-    <dgm:fillClrLst meth="repeat">
-      <a:schemeClr val="lt1">
-        <a:alpha val="90000"/>
-      </a:schemeClr>
-    </dgm:fillClrLst>
-    <dgm:linClrLst meth="repeat">
-      <a:schemeClr val="accent2"/>
-      <a:schemeClr val="accent3"/>
-      <a:schemeClr val="accent4"/>
-      <a:schemeClr val="accent5"/>
-      <a:schemeClr val="accent6"/>
-    </dgm:linClrLst>
-    <dgm:effectClrLst/>
-    <dgm:txLinClrLst/>
-    <dgm:txFillClrLst meth="repeat">
-      <a:schemeClr val="dk1"/>
-    </dgm:txFillClrLst>
-    <dgm:txEffectClrLst/>
-  </dgm:styleLbl>
-  <dgm:styleLbl name="alignAcc1">
-    <dgm:fillClrLst meth="repeat">
-      <a:schemeClr val="lt1">
-        <a:alpha val="90000"/>
-      </a:schemeClr>
-    </dgm:fillClrLst>
-    <dgm:linClrLst meth="repeat">
-      <a:schemeClr val="accent2"/>
-      <a:schemeClr val="accent3"/>
-      <a:schemeClr val="accent4"/>
-      <a:schemeClr val="accent5"/>
-      <a:schemeClr val="accent6"/>
-    </dgm:linClrLst>
-    <dgm:effectClrLst/>
-    <dgm:txLinClrLst/>
-    <dgm:txFillClrLst meth="repeat">
-      <a:schemeClr val="dk1"/>
-    </dgm:txFillClrLst>
-    <dgm:txEffectClrLst/>
-  </dgm:styleLbl>
-  <dgm:styleLbl name="trAlignAcc1">
-    <dgm:fillClrLst meth="repeat">
-      <a:schemeClr val="lt1">
-        <a:alpha val="40000"/>
-      </a:schemeClr>
-    </dgm:fillClrLst>
-    <dgm:linClrLst meth="repeat">
-      <a:schemeClr val="accent1"/>
-    </dgm:linClrLst>
-    <dgm:effectClrLst/>
-    <dgm:txLinClrLst/>
-    <dgm:txFillClrLst meth="repeat">
-      <a:schemeClr val="dk1"/>
-    </dgm:txFillClrLst>
-    <dgm:txEffectClrLst/>
-  </dgm:styleLbl>
-  <dgm:styleLbl name="bgAcc1">
-    <dgm:fillClrLst meth="repeat">
-      <a:schemeClr val="lt1">
-        <a:alpha val="90000"/>
-      </a:schemeClr>
-    </dgm:fillClrLst>
-    <dgm:linClrLst meth="repeat">
-      <a:schemeClr val="accent2"/>
-      <a:schemeClr val="accent3"/>
-      <a:schemeClr val="accent4"/>
-      <a:schemeClr val="accent5"/>
-      <a:schemeClr val="accent6"/>
-    </dgm:linClrLst>
-    <dgm:effectClrLst/>
-    <dgm:txLinClrLst/>
-    <dgm:txFillClrLst meth="repeat">
-      <a:schemeClr val="dk1"/>
-    </dgm:txFillClrLst>
-    <dgm:txEffectClrLst/>
-  </dgm:styleLbl>
-  <dgm:styleLbl name="solidFgAcc1">
-    <dgm:fillClrLst meth="repeat">
-      <a:schemeClr val="lt1"/>
-    </dgm:fillClrLst>
-    <dgm:linClrLst meth="repeat">
-      <a:schemeClr val="accent2"/>
-      <a:schemeClr val="accent3"/>
-      <a:schemeClr val="accent4"/>
-      <a:schemeClr val="accent5"/>
-      <a:schemeClr val="accent6"/>
-    </dgm:linClrLst>
-    <dgm:effectClrLst/>
-    <dgm:txLinClrLst/>
-    <dgm:txFillClrLst meth="repeat">
-      <a:schemeClr val="dk1"/>
-    </dgm:txFillClrLst>
-    <dgm:txEffectClrLst/>
-  </dgm:styleLbl>
-  <dgm:styleLbl name="solidAlignAcc1">
-    <dgm:fillClrLst meth="repeat">
-      <a:schemeClr val="lt1"/>
-    </dgm:fillClrLst>
-    <dgm:linClrLst meth="repeat">
-      <a:schemeClr val="accent2"/>
-      <a:schemeClr val="accent3"/>
-      <a:schemeClr val="accent4"/>
-      <a:schemeClr val="accent5"/>
-      <a:schemeClr val="accent6"/>
-    </dgm:linClrLst>
-    <dgm:effectClrLst/>
-    <dgm:txLinClrLst/>
-    <dgm:txFillClrLst meth="repeat">
-      <a:schemeClr val="dk1"/>
-    </dgm:txFillClrLst>
-    <dgm:txEffectClrLst/>
-  </dgm:styleLbl>
-  <dgm:styleLbl name="solidBgAcc1">
-    <dgm:fillClrLst meth="repeat">
-      <a:schemeClr val="lt1"/>
-    </dgm:fillClrLst>
-    <dgm:linClrLst meth="repeat">
-      <a:schemeClr val="accent2"/>
-      <a:schemeClr val="accent3"/>
-      <a:schemeClr val="accent4"/>
-      <a:schemeClr val="accent5"/>
-      <a:schemeClr val="accent6"/>
-    </dgm:linClrLst>
-    <dgm:effectClrLst/>
-    <dgm:txLinClrLst/>
-    <dgm:txFillClrLst meth="repeat">
-      <a:schemeClr val="dk1"/>
-    </dgm:txFillClrLst>
-    <dgm:txEffectClrLst/>
-  </dgm:styleLbl>
-  <dgm:styleLbl name="fgAccFollowNode1">
-    <dgm:fillClrLst meth="repeat">
-      <a:schemeClr val="accent2">
-        <a:tint val="40000"/>
-        <a:alpha val="90000"/>
-      </a:schemeClr>
-      <a:schemeClr val="accent3">
-        <a:tint val="40000"/>
-        <a:alpha val="90000"/>
-      </a:schemeClr>
-      <a:schemeClr val="accent4">
-        <a:tint val="40000"/>
-        <a:alpha val="90000"/>
-      </a:schemeClr>
-      <a:schemeClr val="accent5">
-        <a:tint val="40000"/>
-        <a:alpha val="90000"/>
-      </a:schemeClr>
-      <a:schemeClr val="accent6">
-        <a:tint val="40000"/>
-        <a:alpha val="90000"/>
-      </a:schemeClr>
-    </dgm:fillClrLst>
-    <dgm:linClrLst meth="repeat">
-      <a:schemeClr val="accent2">
-        <a:tint val="40000"/>
-        <a:alpha val="90000"/>
-      </a:schemeClr>
-      <a:schemeClr val="accent3">
-        <a:tint val="40000"/>
-        <a:alpha val="90000"/>
-      </a:schemeClr>
-      <a:schemeClr val="accent4">
-        <a:tint val="40000"/>
-        <a:alpha val="90000"/>
-      </a:schemeClr>
-      <a:schemeClr val="accent5">
-        <a:tint val="40000"/>
-        <a:alpha val="90000"/>
-      </a:schemeClr>
-      <a:schemeClr val="accent6">
-        <a:tint val="40000"/>
-        <a:alpha val="90000"/>
-      </a:schemeClr>
-    </dgm:linClrLst>
-    <dgm:effectClrLst/>
-    <dgm:txLinClrLst/>
-    <dgm:txFillClrLst meth="repeat">
-      <a:schemeClr val="dk1"/>
-    </dgm:txFillClrLst>
-    <dgm:txEffectClrLst/>
-  </dgm:styleLbl>
-  <dgm:styleLbl name="alignAccFollowNode1">
-    <dgm:fillClrLst meth="repeat">
-      <a:schemeClr val="accent2">
-        <a:tint val="40000"/>
-        <a:alpha val="90000"/>
-      </a:schemeClr>
-      <a:schemeClr val="accent3">
-        <a:tint val="40000"/>
-        <a:alpha val="90000"/>
-      </a:schemeClr>
-      <a:schemeClr val="accent4">
-        <a:tint val="40000"/>
-        <a:alpha val="90000"/>
-      </a:schemeClr>
-      <a:schemeClr val="accent5">
-        <a:tint val="40000"/>
-        <a:alpha val="90000"/>
-      </a:schemeClr>
-      <a:schemeClr val="accent6">
-        <a:tint val="40000"/>
-        <a:alpha val="90000"/>
-      </a:schemeClr>
-    </dgm:fillClrLst>
-    <dgm:linClrLst meth="repeat">
-      <a:schemeClr val="accent2">
-        <a:tint val="40000"/>
-        <a:alpha val="90000"/>
-      </a:schemeClr>
-      <a:schemeClr val="accent3">
-        <a:tint val="40000"/>
-        <a:alpha val="90000"/>
-      </a:schemeClr>
-      <a:schemeClr val="accent4">
-        <a:tint val="40000"/>
-        <a:alpha val="90000"/>
-      </a:schemeClr>
-      <a:schemeClr val="accent5">
-        <a:tint val="40000"/>
-        <a:alpha val="90000"/>
-      </a:schemeClr>
-      <a:schemeClr val="accent6">
-        <a:tint val="40000"/>
-        <a:alpha val="90000"/>
-      </a:schemeClr>
-    </dgm:linClrLst>
-    <dgm:effectClrLst/>
-    <dgm:txLinClrLst/>
-    <dgm:txFillClrLst meth="repeat">
-      <a:schemeClr val="dk1"/>
-    </dgm:txFillClrLst>
-    <dgm:txEffectClrLst/>
-  </dgm:styleLbl>
-  <dgm:styleLbl name="bgAccFollowNode1">
-    <dgm:fillClrLst meth="repeat">
-      <a:schemeClr val="accent2">
-        <a:tint val="40000"/>
-        <a:alpha val="90000"/>
-      </a:schemeClr>
-      <a:schemeClr val="accent3">
-        <a:tint val="40000"/>
-        <a:alpha val="90000"/>
-      </a:schemeClr>
-      <a:schemeClr val="accent4">
-        <a:tint val="40000"/>
-        <a:alpha val="90000"/>
-      </a:schemeClr>
-      <a:schemeClr val="accent5">
-        <a:tint val="40000"/>
-        <a:alpha val="90000"/>
-      </a:schemeClr>
-      <a:schemeClr val="accent6">
-        <a:tint val="40000"/>
-        <a:alpha val="90000"/>
-      </a:schemeClr>
-    </dgm:fillClrLst>
-    <dgm:linClrLst meth="repeat">
-      <a:schemeClr val="accent2">
-        <a:tint val="40000"/>
-        <a:alpha val="90000"/>
-      </a:schemeClr>
-      <a:schemeClr val="accent3">
-        <a:tint val="40000"/>
-        <a:alpha val="90000"/>
-      </a:schemeClr>
-      <a:schemeClr val="accent4">
-        <a:tint val="40000"/>
-        <a:alpha val="90000"/>
-      </a:schemeClr>
-      <a:schemeClr val="accent5">
-        <a:tint val="40000"/>
-        <a:alpha val="90000"/>
-      </a:schemeClr>
-      <a:schemeClr val="accent6">
-        <a:tint val="40000"/>
-        <a:alpha val="90000"/>
-      </a:schemeClr>
-    </dgm:linClrLst>
-    <dgm:effectClrLst/>
-    <dgm:txLinClrLst/>
-    <dgm:txFillClrLst meth="repeat">
-      <a:schemeClr val="dk1"/>
-    </dgm:txFillClrLst>
-    <dgm:txEffectClrLst/>
-  </dgm:styleLbl>
-  <dgm:styleLbl name="fgAcc0">
-    <dgm:fillClrLst meth="repeat">
-      <a:schemeClr val="lt1">
-        <a:alpha val="90000"/>
-      </a:schemeClr>
-    </dgm:fillClrLst>
-    <dgm:linClrLst>
-      <a:schemeClr val="accent1"/>
-    </dgm:linClrLst>
-    <dgm:effectClrLst/>
-    <dgm:txLinClrLst/>
-    <dgm:txFillClrLst meth="repeat">
-      <a:schemeClr val="dk1"/>
-    </dgm:txFillClrLst>
-    <dgm:txEffectClrLst/>
-  </dgm:styleLbl>
-  <dgm:styleLbl name="fgAcc2">
-    <dgm:fillClrLst meth="repeat">
-      <a:schemeClr val="lt1">
-        <a:alpha val="90000"/>
-      </a:schemeClr>
-    </dgm:fillClrLst>
-    <dgm:linClrLst>
-      <a:schemeClr val="accent2"/>
-    </dgm:linClrLst>
-    <dgm:effectClrLst/>
-    <dgm:txLinClrLst/>
-    <dgm:txFillClrLst meth="repeat">
-      <a:schemeClr val="dk1"/>
-    </dgm:txFillClrLst>
-    <dgm:txEffectClrLst/>
-  </dgm:styleLbl>
-  <dgm:styleLbl name="fgAcc3">
-    <dgm:fillClrLst meth="repeat">
-      <a:schemeClr val="lt1">
-        <a:alpha val="90000"/>
-      </a:schemeClr>
-    </dgm:fillClrLst>
-    <dgm:linClrLst>
-      <a:schemeClr val="accent3"/>
-    </dgm:linClrLst>
-    <dgm:effectClrLst/>
-    <dgm:txLinClrLst/>
-    <dgm:txFillClrLst meth="repeat">
-      <a:schemeClr val="dk1"/>
-    </dgm:txFillClrLst>
-    <dgm:txEffectClrLst/>
-  </dgm:styleLbl>
-  <dgm:styleLbl name="fgAcc4">
-    <dgm:fillClrLst meth="repeat">
-      <a:schemeClr val="lt1">
-        <a:alpha val="90000"/>
-      </a:schemeClr>
-    </dgm:fillClrLst>
-    <dgm:linClrLst>
-      <a:schemeClr val="accent4"/>
-    </dgm:linClrLst>
-    <dgm:effectClrLst/>
-    <dgm:txLinClrLst/>
-    <dgm:txFillClrLst meth="repeat">
-      <a:schemeClr val="dk1"/>
-    </dgm:txFillClrLst>
-    <dgm:txEffectClrLst/>
-  </dgm:styleLbl>
-  <dgm:styleLbl name="bgShp">
-    <dgm:fillClrLst meth="repeat">
-      <a:schemeClr val="accent2"/>
-      <a:schemeClr val="accent3"/>
-      <a:schemeClr val="accent4"/>
-      <a:schemeClr val="accent5"/>
-      <a:schemeClr val="accent6"/>
-    </dgm:fillClrLst>
-    <dgm:linClrLst meth="repeat">
-      <a:schemeClr val="lt1">
-        <a:alpha val="0"/>
-      </a:schemeClr>
-    </dgm:linClrLst>
-    <dgm:effectClrLst/>
-    <dgm:txLinClrLst/>
-    <dgm:txFillClrLst/>
-    <dgm:txEffectClrLst/>
-  </dgm:styleLbl>
-  <dgm:styleLbl name="dkBgShp">
-    <dgm:fillClrLst meth="repeat">
-      <a:schemeClr val="accent2">
-        <a:shade val="90000"/>
-      </a:schemeClr>
-    </dgm:fillClrLst>
-    <dgm:linClrLst meth="repeat">
-      <a:schemeClr val="dk1"/>
-    </dgm:linClrLst>
-    <dgm:effectClrLst/>
-    <dgm:txLinClrLst/>
-    <dgm:txFillClrLst meth="repeat">
-      <a:schemeClr val="lt1"/>
-    </dgm:txFillClrLst>
-    <dgm:txEffectClrLst/>
-  </dgm:styleLbl>
-  <dgm:styleLbl name="trBgShp">
-    <dgm:fillClrLst meth="repeat">
-      <a:schemeClr val="accent1">
-        <a:tint val="50000"/>
-        <a:alpha val="40000"/>
-      </a:schemeClr>
-    </dgm:fillClrLst>
-    <dgm:linClrLst meth="repeat">
-      <a:schemeClr val="accent2"/>
-    </dgm:linClrLst>
-    <dgm:effectClrLst/>
-    <dgm:txLinClrLst/>
-    <dgm:txFillClrLst meth="repeat">
-      <a:schemeClr val="lt1"/>
-    </dgm:txFillClrLst>
-    <dgm:txEffectClrLst/>
-  </dgm:styleLbl>
-  <dgm:styleLbl name="fgShp">
-    <dgm:fillClrLst meth="repeat">
-      <a:schemeClr val="accent2">
-        <a:tint val="40000"/>
-      </a:schemeClr>
-    </dgm:fillClrLst>
-    <dgm:linClrLst meth="repeat">
-      <a:schemeClr val="lt1"/>
-    </dgm:linClrLst>
-    <dgm:effectClrLst/>
-    <dgm:txLinClrLst/>
-    <dgm:txFillClrLst meth="repeat">
-      <a:schemeClr val="dk1"/>
-    </dgm:txFillClrLst>
-    <dgm:txEffectClrLst/>
-  </dgm:styleLbl>
-  <dgm:styleLbl name="revTx">
-    <dgm:fillClrLst meth="repeat">
-      <a:schemeClr val="lt1">
-        <a:alpha val="0"/>
-      </a:schemeClr>
-    </dgm:fillClrLst>
-    <dgm:linClrLst meth="repeat">
-      <a:schemeClr val="dk1">
-        <a:alpha val="0"/>
-      </a:schemeClr>
-    </dgm:linClrLst>
-    <dgm:effectClrLst/>
-    <dgm:txLinClrLst/>
-    <dgm:txFillClrLst meth="repeat">
-      <a:schemeClr val="tx1"/>
-    </dgm:txFillClrLst>
-    <dgm:txEffectClrLst/>
-  </dgm:styleLbl>
-</dgm:colorsDef>
-</file>
-
-<file path=ppt/diagrams/data1.xml><?xml version="1.0" encoding="utf-8"?>
-<dgm:dataModel xmlns:dgm="http://schemas.openxmlformats.org/drawingml/2006/diagram" xmlns:a="http://schemas.openxmlformats.org/drawingml/2006/main">
-  <dgm:ptLst>
-    <dgm:pt modelId="{2CEE324B-2B63-46F9-B28F-5810C72C2F75}" type="doc">
-      <dgm:prSet loTypeId="urn:microsoft.com/office/officeart/2018/5/layout/IconCircleLabelList" loCatId="icon" qsTypeId="urn:microsoft.com/office/officeart/2005/8/quickstyle/simple1" qsCatId="simple" csTypeId="urn:microsoft.com/office/officeart/2018/5/colors/Iconchunking_neutralicon_colorful1" csCatId="colorful" phldr="1"/>
-      <dgm:spPr/>
-      <dgm:t>
-        <a:bodyPr/>
-        <a:lstStyle/>
-        <a:p>
-          <a:endParaRPr lang="en-US"/>
-        </a:p>
-      </dgm:t>
-    </dgm:pt>
-    <dgm:pt modelId="{C25C94C3-3ED7-4BF6-A9C9-D78E9D9434A8}">
-      <dgm:prSet/>
-      <dgm:spPr/>
-      <dgm:t>
-        <a:bodyPr/>
-        <a:lstStyle/>
-        <a:p>
-          <a:pPr>
-            <a:defRPr cap="all"/>
-          </a:pPr>
-          <a:r>
-            <a:rPr lang="en-US" dirty="0"/>
-            <a:t>- Multi MSP system operating over serial communication</a:t>
-          </a:r>
-        </a:p>
-      </dgm:t>
-    </dgm:pt>
-    <dgm:pt modelId="{EAA1E55B-1E7E-49F5-BD85-B6E9AAC94323}" type="parTrans" cxnId="{6F30A071-B510-47C4-8866-21461B96B270}">
-      <dgm:prSet/>
-      <dgm:spPr/>
-      <dgm:t>
-        <a:bodyPr/>
-        <a:lstStyle/>
-        <a:p>
-          <a:endParaRPr lang="en-US"/>
-        </a:p>
-      </dgm:t>
-    </dgm:pt>
-    <dgm:pt modelId="{DB675191-74EA-4E2B-9FF7-F9DD634165C4}" type="sibTrans" cxnId="{6F30A071-B510-47C4-8866-21461B96B270}">
-      <dgm:prSet/>
-      <dgm:spPr/>
-      <dgm:t>
-        <a:bodyPr/>
-        <a:lstStyle/>
-        <a:p>
-          <a:endParaRPr lang="en-US"/>
-        </a:p>
-      </dgm:t>
-    </dgm:pt>
-    <dgm:pt modelId="{355E411A-E182-431C-A143-D04E523E6755}">
-      <dgm:prSet/>
-      <dgm:spPr/>
-      <dgm:t>
-        <a:bodyPr/>
-        <a:lstStyle/>
-        <a:p>
-          <a:pPr>
-            <a:defRPr cap="all"/>
-          </a:pPr>
-          <a:r>
-            <a:rPr lang="en-US" dirty="0"/>
-            <a:t>- LCD and LED Bar driven from I2C</a:t>
-          </a:r>
-        </a:p>
-      </dgm:t>
-    </dgm:pt>
-    <dgm:pt modelId="{836B1F56-6B4B-46B5-ACEA-817678A81BB4}" type="parTrans" cxnId="{9D9F9DDF-D9B6-40C3-B904-B40F0E249231}">
-      <dgm:prSet/>
-      <dgm:spPr/>
-      <dgm:t>
-        <a:bodyPr/>
-        <a:lstStyle/>
-        <a:p>
-          <a:endParaRPr lang="en-US"/>
-        </a:p>
-      </dgm:t>
-    </dgm:pt>
-    <dgm:pt modelId="{517BAA33-4D56-4DCE-9D40-9F91471F0ECD}" type="sibTrans" cxnId="{9D9F9DDF-D9B6-40C3-B904-B40F0E249231}">
-      <dgm:prSet/>
-      <dgm:spPr/>
-      <dgm:t>
-        <a:bodyPr/>
-        <a:lstStyle/>
-        <a:p>
-          <a:endParaRPr lang="en-US"/>
-        </a:p>
-      </dgm:t>
-    </dgm:pt>
-    <dgm:pt modelId="{4D33C3F7-A449-448B-AE60-DD9808D9D9E2}">
-      <dgm:prSet/>
-      <dgm:spPr/>
-      <dgm:t>
-        <a:bodyPr/>
-        <a:lstStyle/>
-        <a:p>
-          <a:pPr rtl="0">
-            <a:defRPr cap="all"/>
-          </a:pPr>
-          <a:r>
-            <a:rPr lang="en-US" dirty="0"/>
-            <a:t>- </a:t>
-          </a:r>
-          <a:r>
-            <a:rPr lang="en-US" b="1" dirty="0">
-              <a:latin typeface="Calibri Light" panose="020F0302020204030204"/>
-            </a:rPr>
-            <a:t>Can be</a:t>
-          </a:r>
-          <a:r>
-            <a:rPr lang="en-US" dirty="0"/>
-            <a:t> implemented within a more complex system</a:t>
-          </a:r>
-        </a:p>
-      </dgm:t>
-    </dgm:pt>
-    <dgm:pt modelId="{85DABCA4-FDDE-4724-A607-F4054648E3E4}" type="parTrans" cxnId="{A95C0488-A62D-4E8C-9E0A-230B90F46342}">
-      <dgm:prSet/>
-      <dgm:spPr/>
-      <dgm:t>
-        <a:bodyPr/>
-        <a:lstStyle/>
-        <a:p>
-          <a:endParaRPr lang="en-US"/>
-        </a:p>
-      </dgm:t>
-    </dgm:pt>
-    <dgm:pt modelId="{65BEAEE6-A4C4-43A8-81B8-D21B0069E08D}" type="sibTrans" cxnId="{A95C0488-A62D-4E8C-9E0A-230B90F46342}">
-      <dgm:prSet/>
-      <dgm:spPr/>
-      <dgm:t>
-        <a:bodyPr/>
-        <a:lstStyle/>
-        <a:p>
-          <a:endParaRPr lang="en-US"/>
-        </a:p>
-      </dgm:t>
-    </dgm:pt>
-    <dgm:pt modelId="{79BE8484-A2BB-4335-9A9E-E2E355CF62B8}" type="pres">
-      <dgm:prSet presAssocID="{2CEE324B-2B63-46F9-B28F-5810C72C2F75}" presName="root" presStyleCnt="0">
-        <dgm:presLayoutVars>
-          <dgm:dir/>
-          <dgm:resizeHandles val="exact"/>
-        </dgm:presLayoutVars>
-      </dgm:prSet>
-      <dgm:spPr/>
-    </dgm:pt>
-    <dgm:pt modelId="{1329ACC2-B648-4F9C-83ED-558A22F60591}" type="pres">
-      <dgm:prSet presAssocID="{C25C94C3-3ED7-4BF6-A9C9-D78E9D9434A8}" presName="compNode" presStyleCnt="0"/>
-      <dgm:spPr/>
-    </dgm:pt>
-    <dgm:pt modelId="{E5C3DF1B-7B66-4BF6-B54D-0B34BCBAB7AB}" type="pres">
-      <dgm:prSet presAssocID="{C25C94C3-3ED7-4BF6-A9C9-D78E9D9434A8}" presName="iconBgRect" presStyleLbl="bgShp" presStyleIdx="0" presStyleCnt="3"/>
-      <dgm:spPr/>
-    </dgm:pt>
-    <dgm:pt modelId="{3C981EC1-8CDF-4CE2-A7C8-D64819A262C3}" type="pres">
-      <dgm:prSet presAssocID="{C25C94C3-3ED7-4BF6-A9C9-D78E9D9434A8}" presName="iconRect" presStyleLbl="node1" presStyleIdx="0" presStyleCnt="3"/>
-      <dgm:spPr>
-        <a:blipFill>
-          <a:blip xmlns:r="http://schemas.openxmlformats.org/officeDocument/2006/relationships" r:embed="rId1">
-            <a:extLst>
-              <a:ext uri="{28A0092B-C50C-407E-A947-70E740481C1C}">
-                <a14:useLocalDpi xmlns:a14="http://schemas.microsoft.com/office/drawing/2010/main" val="0"/>
-              </a:ext>
-              <a:ext uri="{96DAC541-7B7A-43D3-8B79-37D633B846F1}">
-                <asvg:svgBlip xmlns:asvg="http://schemas.microsoft.com/office/drawing/2016/SVG/main" r:embed="rId2"/>
-              </a:ext>
-            </a:extLst>
-          </a:blip>
-          <a:stretch>
-            <a:fillRect/>
-          </a:stretch>
-        </a:blipFill>
-        <a:ln>
-          <a:noFill/>
-        </a:ln>
-      </dgm:spPr>
-      <dgm:extLst>
-        <a:ext uri="{E40237B7-FDA0-4F09-8148-C483321AD2D9}">
-          <dgm14:cNvPr xmlns:dgm14="http://schemas.microsoft.com/office/drawing/2010/diagram" id="0" name="" descr="Computer"/>
-        </a:ext>
-      </dgm:extLst>
-    </dgm:pt>
-    <dgm:pt modelId="{14D3C960-5A54-4D11-92DD-F0E5C059DCD0}" type="pres">
-      <dgm:prSet presAssocID="{C25C94C3-3ED7-4BF6-A9C9-D78E9D9434A8}" presName="spaceRect" presStyleCnt="0"/>
-      <dgm:spPr/>
-    </dgm:pt>
-    <dgm:pt modelId="{C01EF339-D3E4-4CD9-9371-DBAC8EDAB3BC}" type="pres">
-      <dgm:prSet presAssocID="{C25C94C3-3ED7-4BF6-A9C9-D78E9D9434A8}" presName="textRect" presStyleLbl="revTx" presStyleIdx="0" presStyleCnt="3">
-        <dgm:presLayoutVars>
-          <dgm:chMax val="1"/>
-          <dgm:chPref val="1"/>
-        </dgm:presLayoutVars>
-      </dgm:prSet>
-      <dgm:spPr/>
-    </dgm:pt>
-    <dgm:pt modelId="{1F04E52A-D9EB-4ADA-8122-B58F9A307B5E}" type="pres">
-      <dgm:prSet presAssocID="{DB675191-74EA-4E2B-9FF7-F9DD634165C4}" presName="sibTrans" presStyleCnt="0"/>
-      <dgm:spPr/>
-    </dgm:pt>
-    <dgm:pt modelId="{23C0503A-73CD-4160-93F4-3BAF83FEB7C6}" type="pres">
-      <dgm:prSet presAssocID="{355E411A-E182-431C-A143-D04E523E6755}" presName="compNode" presStyleCnt="0"/>
-      <dgm:spPr/>
-    </dgm:pt>
-    <dgm:pt modelId="{CD4E6F88-75EF-4F3F-8036-337465032B84}" type="pres">
-      <dgm:prSet presAssocID="{355E411A-E182-431C-A143-D04E523E6755}" presName="iconBgRect" presStyleLbl="bgShp" presStyleIdx="1" presStyleCnt="3"/>
-      <dgm:spPr/>
-    </dgm:pt>
-    <dgm:pt modelId="{5A0ECCBA-8AC3-47EE-AE12-42A054C4AA3E}" type="pres">
-      <dgm:prSet presAssocID="{355E411A-E182-431C-A143-D04E523E6755}" presName="iconRect" presStyleLbl="node1" presStyleIdx="1" presStyleCnt="3"/>
-      <dgm:spPr>
-        <a:blipFill>
-          <a:blip xmlns:r="http://schemas.openxmlformats.org/officeDocument/2006/relationships" r:embed="rId3">
-            <a:extLst>
-              <a:ext uri="{28A0092B-C50C-407E-A947-70E740481C1C}">
-                <a14:useLocalDpi xmlns:a14="http://schemas.microsoft.com/office/drawing/2010/main" val="0"/>
-              </a:ext>
-              <a:ext uri="{96DAC541-7B7A-43D3-8B79-37D633B846F1}">
-                <asvg:svgBlip xmlns:asvg="http://schemas.microsoft.com/office/drawing/2016/SVG/main" r:embed="rId4"/>
-              </a:ext>
-            </a:extLst>
-          </a:blip>
-          <a:stretch>
-            <a:fillRect/>
-          </a:stretch>
-        </a:blipFill>
-        <a:ln>
-          <a:noFill/>
-        </a:ln>
-      </dgm:spPr>
-      <dgm:extLst>
-        <a:ext uri="{E40237B7-FDA0-4F09-8148-C483321AD2D9}">
-          <dgm14:cNvPr xmlns:dgm14="http://schemas.microsoft.com/office/drawing/2010/diagram" id="0" name="" descr="Projector screen"/>
-        </a:ext>
-      </dgm:extLst>
-    </dgm:pt>
-    <dgm:pt modelId="{27DEB73B-EAF1-4FCB-8418-3D3BAA0B4A7C}" type="pres">
-      <dgm:prSet presAssocID="{355E411A-E182-431C-A143-D04E523E6755}" presName="spaceRect" presStyleCnt="0"/>
-      <dgm:spPr/>
-    </dgm:pt>
-    <dgm:pt modelId="{483A42A0-454C-4F84-AD64-D4C3E66D3259}" type="pres">
-      <dgm:prSet presAssocID="{355E411A-E182-431C-A143-D04E523E6755}" presName="textRect" presStyleLbl="revTx" presStyleIdx="1" presStyleCnt="3">
-        <dgm:presLayoutVars>
-          <dgm:chMax val="1"/>
-          <dgm:chPref val="1"/>
-        </dgm:presLayoutVars>
-      </dgm:prSet>
-      <dgm:spPr/>
-    </dgm:pt>
-    <dgm:pt modelId="{5D99AF85-ECDA-485A-BFE8-C5E1F9BBC412}" type="pres">
-      <dgm:prSet presAssocID="{517BAA33-4D56-4DCE-9D40-9F91471F0ECD}" presName="sibTrans" presStyleCnt="0"/>
-      <dgm:spPr/>
-    </dgm:pt>
-    <dgm:pt modelId="{79DC7CC2-F4A9-406E-974F-68E166CB58C1}" type="pres">
-      <dgm:prSet presAssocID="{4D33C3F7-A449-448B-AE60-DD9808D9D9E2}" presName="compNode" presStyleCnt="0"/>
-      <dgm:spPr/>
-    </dgm:pt>
-    <dgm:pt modelId="{705AD631-79A3-4C2D-ABDA-5D10EC41261B}" type="pres">
-      <dgm:prSet presAssocID="{4D33C3F7-A449-448B-AE60-DD9808D9D9E2}" presName="iconBgRect" presStyleLbl="bgShp" presStyleIdx="2" presStyleCnt="3"/>
-      <dgm:spPr/>
-    </dgm:pt>
-    <dgm:pt modelId="{F51BC950-0BE8-463B-90B2-04F358EEC84F}" type="pres">
-      <dgm:prSet presAssocID="{4D33C3F7-A449-448B-AE60-DD9808D9D9E2}" presName="iconRect" presStyleLbl="node1" presStyleIdx="2" presStyleCnt="3"/>
-      <dgm:spPr>
-        <a:blipFill>
-          <a:blip xmlns:r="http://schemas.openxmlformats.org/officeDocument/2006/relationships" r:embed="rId5">
-            <a:extLst>
-              <a:ext uri="{28A0092B-C50C-407E-A947-70E740481C1C}">
-                <a14:useLocalDpi xmlns:a14="http://schemas.microsoft.com/office/drawing/2010/main" val="0"/>
-              </a:ext>
-              <a:ext uri="{96DAC541-7B7A-43D3-8B79-37D633B846F1}">
-                <asvg:svgBlip xmlns:asvg="http://schemas.microsoft.com/office/drawing/2016/SVG/main" r:embed="rId6"/>
-              </a:ext>
-            </a:extLst>
-          </a:blip>
-          <a:stretch>
-            <a:fillRect/>
-          </a:stretch>
-        </a:blipFill>
-        <a:ln>
-          <a:noFill/>
-        </a:ln>
-      </dgm:spPr>
-      <dgm:extLst>
-        <a:ext uri="{E40237B7-FDA0-4F09-8148-C483321AD2D9}">
-          <dgm14:cNvPr xmlns:dgm14="http://schemas.microsoft.com/office/drawing/2010/diagram" id="0" name="" descr="Maze"/>
-        </a:ext>
-      </dgm:extLst>
-    </dgm:pt>
-    <dgm:pt modelId="{6867B537-3A68-456B-B0AC-D363F90B9F6C}" type="pres">
-      <dgm:prSet presAssocID="{4D33C3F7-A449-448B-AE60-DD9808D9D9E2}" presName="spaceRect" presStyleCnt="0"/>
-      <dgm:spPr/>
-    </dgm:pt>
-    <dgm:pt modelId="{8A8B6E11-9117-4645-8F02-1DD88010051F}" type="pres">
-      <dgm:prSet presAssocID="{4D33C3F7-A449-448B-AE60-DD9808D9D9E2}" presName="textRect" presStyleLbl="revTx" presStyleIdx="2" presStyleCnt="3">
-        <dgm:presLayoutVars>
-          <dgm:chMax val="1"/>
-          <dgm:chPref val="1"/>
-        </dgm:presLayoutVars>
-      </dgm:prSet>
-      <dgm:spPr/>
-    </dgm:pt>
-  </dgm:ptLst>
-  <dgm:cxnLst>
-    <dgm:cxn modelId="{E48B080A-9A15-42E1-A38A-922AF24D3EB8}" type="presOf" srcId="{C25C94C3-3ED7-4BF6-A9C9-D78E9D9434A8}" destId="{C01EF339-D3E4-4CD9-9371-DBAC8EDAB3BC}" srcOrd="0" destOrd="0" presId="urn:microsoft.com/office/officeart/2018/5/layout/IconCircleLabelList"/>
-    <dgm:cxn modelId="{50A76A1F-1278-4F83-A513-522BBF025F65}" type="presOf" srcId="{355E411A-E182-431C-A143-D04E523E6755}" destId="{483A42A0-454C-4F84-AD64-D4C3E66D3259}" srcOrd="0" destOrd="0" presId="urn:microsoft.com/office/officeart/2018/5/layout/IconCircleLabelList"/>
-    <dgm:cxn modelId="{8168DA3F-E4A0-430E-B96A-FD4B9364F08F}" type="presOf" srcId="{4D33C3F7-A449-448B-AE60-DD9808D9D9E2}" destId="{8A8B6E11-9117-4645-8F02-1DD88010051F}" srcOrd="0" destOrd="0" presId="urn:microsoft.com/office/officeart/2018/5/layout/IconCircleLabelList"/>
-    <dgm:cxn modelId="{6F30A071-B510-47C4-8866-21461B96B270}" srcId="{2CEE324B-2B63-46F9-B28F-5810C72C2F75}" destId="{C25C94C3-3ED7-4BF6-A9C9-D78E9D9434A8}" srcOrd="0" destOrd="0" parTransId="{EAA1E55B-1E7E-49F5-BD85-B6E9AAC94323}" sibTransId="{DB675191-74EA-4E2B-9FF7-F9DD634165C4}"/>
-    <dgm:cxn modelId="{A95C0488-A62D-4E8C-9E0A-230B90F46342}" srcId="{2CEE324B-2B63-46F9-B28F-5810C72C2F75}" destId="{4D33C3F7-A449-448B-AE60-DD9808D9D9E2}" srcOrd="2" destOrd="0" parTransId="{85DABCA4-FDDE-4724-A607-F4054648E3E4}" sibTransId="{65BEAEE6-A4C4-43A8-81B8-D21B0069E08D}"/>
-    <dgm:cxn modelId="{1F2AD089-8CC8-4DE1-BE30-1A05C0F63199}" type="presOf" srcId="{2CEE324B-2B63-46F9-B28F-5810C72C2F75}" destId="{79BE8484-A2BB-4335-9A9E-E2E355CF62B8}" srcOrd="0" destOrd="0" presId="urn:microsoft.com/office/officeart/2018/5/layout/IconCircleLabelList"/>
-    <dgm:cxn modelId="{9D9F9DDF-D9B6-40C3-B904-B40F0E249231}" srcId="{2CEE324B-2B63-46F9-B28F-5810C72C2F75}" destId="{355E411A-E182-431C-A143-D04E523E6755}" srcOrd="1" destOrd="0" parTransId="{836B1F56-6B4B-46B5-ACEA-817678A81BB4}" sibTransId="{517BAA33-4D56-4DCE-9D40-9F91471F0ECD}"/>
-    <dgm:cxn modelId="{58505061-DE37-4FDB-AD5A-752E2EE64F99}" type="presParOf" srcId="{79BE8484-A2BB-4335-9A9E-E2E355CF62B8}" destId="{1329ACC2-B648-4F9C-83ED-558A22F60591}" srcOrd="0" destOrd="0" presId="urn:microsoft.com/office/officeart/2018/5/layout/IconCircleLabelList"/>
-    <dgm:cxn modelId="{406E3449-DFC1-4034-A60F-FA4390762585}" type="presParOf" srcId="{1329ACC2-B648-4F9C-83ED-558A22F60591}" destId="{E5C3DF1B-7B66-4BF6-B54D-0B34BCBAB7AB}" srcOrd="0" destOrd="0" presId="urn:microsoft.com/office/officeart/2018/5/layout/IconCircleLabelList"/>
-    <dgm:cxn modelId="{DBBB91E5-D5A9-4CB7-87C4-CE65B6EC9400}" type="presParOf" srcId="{1329ACC2-B648-4F9C-83ED-558A22F60591}" destId="{3C981EC1-8CDF-4CE2-A7C8-D64819A262C3}" srcOrd="1" destOrd="0" presId="urn:microsoft.com/office/officeart/2018/5/layout/IconCircleLabelList"/>
-    <dgm:cxn modelId="{5EB163E5-3B58-46E1-9CE8-FFCA81BDC207}" type="presParOf" srcId="{1329ACC2-B648-4F9C-83ED-558A22F60591}" destId="{14D3C960-5A54-4D11-92DD-F0E5C059DCD0}" srcOrd="2" destOrd="0" presId="urn:microsoft.com/office/officeart/2018/5/layout/IconCircleLabelList"/>
-    <dgm:cxn modelId="{DEFD2EDB-CB47-4712-9D6C-A4172D1BA2B8}" type="presParOf" srcId="{1329ACC2-B648-4F9C-83ED-558A22F60591}" destId="{C01EF339-D3E4-4CD9-9371-DBAC8EDAB3BC}" srcOrd="3" destOrd="0" presId="urn:microsoft.com/office/officeart/2018/5/layout/IconCircleLabelList"/>
-    <dgm:cxn modelId="{9FB3FFFE-C07C-4477-B7D8-1447463AB269}" type="presParOf" srcId="{79BE8484-A2BB-4335-9A9E-E2E355CF62B8}" destId="{1F04E52A-D9EB-4ADA-8122-B58F9A307B5E}" srcOrd="1" destOrd="0" presId="urn:microsoft.com/office/officeart/2018/5/layout/IconCircleLabelList"/>
-    <dgm:cxn modelId="{BD7E8E6A-E721-4DB9-AF3A-2A93423093A7}" type="presParOf" srcId="{79BE8484-A2BB-4335-9A9E-E2E355CF62B8}" destId="{23C0503A-73CD-4160-93F4-3BAF83FEB7C6}" srcOrd="2" destOrd="0" presId="urn:microsoft.com/office/officeart/2018/5/layout/IconCircleLabelList"/>
-    <dgm:cxn modelId="{83739F61-CB6B-4D7F-9A66-2499114E13D7}" type="presParOf" srcId="{23C0503A-73CD-4160-93F4-3BAF83FEB7C6}" destId="{CD4E6F88-75EF-4F3F-8036-337465032B84}" srcOrd="0" destOrd="0" presId="urn:microsoft.com/office/officeart/2018/5/layout/IconCircleLabelList"/>
-    <dgm:cxn modelId="{15B89DA6-4F23-448F-8C7E-A5829BB47DC4}" type="presParOf" srcId="{23C0503A-73CD-4160-93F4-3BAF83FEB7C6}" destId="{5A0ECCBA-8AC3-47EE-AE12-42A054C4AA3E}" srcOrd="1" destOrd="0" presId="urn:microsoft.com/office/officeart/2018/5/layout/IconCircleLabelList"/>
-    <dgm:cxn modelId="{0E7D90FA-ED03-44EB-896F-3D248749B6D8}" type="presParOf" srcId="{23C0503A-73CD-4160-93F4-3BAF83FEB7C6}" destId="{27DEB73B-EAF1-4FCB-8418-3D3BAA0B4A7C}" srcOrd="2" destOrd="0" presId="urn:microsoft.com/office/officeart/2018/5/layout/IconCircleLabelList"/>
-    <dgm:cxn modelId="{3E37DC90-12D4-4929-AD73-CE84A8BACF5E}" type="presParOf" srcId="{23C0503A-73CD-4160-93F4-3BAF83FEB7C6}" destId="{483A42A0-454C-4F84-AD64-D4C3E66D3259}" srcOrd="3" destOrd="0" presId="urn:microsoft.com/office/officeart/2018/5/layout/IconCircleLabelList"/>
-    <dgm:cxn modelId="{27EFD781-B7DA-4DBD-A748-CDF2F9A653E9}" type="presParOf" srcId="{79BE8484-A2BB-4335-9A9E-E2E355CF62B8}" destId="{5D99AF85-ECDA-485A-BFE8-C5E1F9BBC412}" srcOrd="3" destOrd="0" presId="urn:microsoft.com/office/officeart/2018/5/layout/IconCircleLabelList"/>
-    <dgm:cxn modelId="{F3206CBD-EC62-4F69-8A96-5241AD991A05}" type="presParOf" srcId="{79BE8484-A2BB-4335-9A9E-E2E355CF62B8}" destId="{79DC7CC2-F4A9-406E-974F-68E166CB58C1}" srcOrd="4" destOrd="0" presId="urn:microsoft.com/office/officeart/2018/5/layout/IconCircleLabelList"/>
-    <dgm:cxn modelId="{4E200C19-A0C5-43D6-93F7-9B6E846E0369}" type="presParOf" srcId="{79DC7CC2-F4A9-406E-974F-68E166CB58C1}" destId="{705AD631-79A3-4C2D-ABDA-5D10EC41261B}" srcOrd="0" destOrd="0" presId="urn:microsoft.com/office/officeart/2018/5/layout/IconCircleLabelList"/>
-    <dgm:cxn modelId="{7F1A0F06-00D7-4B6F-8085-845E38CD4072}" type="presParOf" srcId="{79DC7CC2-F4A9-406E-974F-68E166CB58C1}" destId="{F51BC950-0BE8-463B-90B2-04F358EEC84F}" srcOrd="1" destOrd="0" presId="urn:microsoft.com/office/officeart/2018/5/layout/IconCircleLabelList"/>
-    <dgm:cxn modelId="{F670F2CE-351C-44CE-94E4-28A92164997D}" type="presParOf" srcId="{79DC7CC2-F4A9-406E-974F-68E166CB58C1}" destId="{6867B537-3A68-456B-B0AC-D363F90B9F6C}" srcOrd="2" destOrd="0" presId="urn:microsoft.com/office/officeart/2018/5/layout/IconCircleLabelList"/>
-    <dgm:cxn modelId="{92B71259-ED33-4DC5-BB78-0CED83B72011}" type="presParOf" srcId="{79DC7CC2-F4A9-406E-974F-68E166CB58C1}" destId="{8A8B6E11-9117-4645-8F02-1DD88010051F}" srcOrd="3" destOrd="0" presId="urn:microsoft.com/office/officeart/2018/5/layout/IconCircleLabelList"/>
-  </dgm:cxnLst>
-  <dgm:bg/>
-  <dgm:whole/>
-  <dgm:extLst>
-    <a:ext uri="http://schemas.microsoft.com/office/drawing/2008/diagram">
-      <dsp:dataModelExt xmlns:dsp="http://schemas.microsoft.com/office/drawing/2008/diagram" relId="rId6" minVer="http://schemas.openxmlformats.org/drawingml/2006/diagram"/>
-    </a:ext>
-  </dgm:extLst>
-</dgm:dataModel>
-</file>
-
-<file path=ppt/diagrams/drawing1.xml><?xml version="1.0" encoding="utf-8"?>
-<dsp:drawing xmlns:dgm="http://schemas.openxmlformats.org/drawingml/2006/diagram" xmlns:dsp="http://schemas.microsoft.com/office/drawing/2008/diagram" xmlns:a="http://schemas.openxmlformats.org/drawingml/2006/main">
-  <dsp:spTree>
-    <dsp:nvGrpSpPr>
-      <dsp:cNvPr id="0" name=""/>
-      <dsp:cNvGrpSpPr/>
-    </dsp:nvGrpSpPr>
-    <dsp:grpSpPr/>
-    <dsp:sp modelId="{E5C3DF1B-7B66-4BF6-B54D-0B34BCBAB7AB}">
-      <dsp:nvSpPr>
-        <dsp:cNvPr id="0" name=""/>
-        <dsp:cNvSpPr/>
-      </dsp:nvSpPr>
-      <dsp:spPr>
-        <a:xfrm>
-          <a:off x="616949" y="340539"/>
-          <a:ext cx="1818562" cy="1818562"/>
-        </a:xfrm>
-        <a:prstGeom prst="ellipse">
-          <a:avLst/>
-        </a:prstGeom>
-        <a:solidFill>
-          <a:schemeClr val="accent2">
-            <a:hueOff val="0"/>
-            <a:satOff val="0"/>
-            <a:lumOff val="0"/>
-            <a:alphaOff val="0"/>
-          </a:schemeClr>
-        </a:solidFill>
-        <a:ln>
-          <a:noFill/>
-        </a:ln>
-        <a:effectLst/>
-      </dsp:spPr>
-      <dsp:style>
-        <a:lnRef idx="0">
-          <a:scrgbClr r="0" g="0" b="0"/>
-        </a:lnRef>
-        <a:fillRef idx="1">
-          <a:scrgbClr r="0" g="0" b="0"/>
-        </a:fillRef>
-        <a:effectRef idx="0">
-          <a:scrgbClr r="0" g="0" b="0"/>
-        </a:effectRef>
-        <a:fontRef idx="minor"/>
-      </dsp:style>
-    </dsp:sp>
-    <dsp:sp modelId="{3C981EC1-8CDF-4CE2-A7C8-D64819A262C3}">
-      <dsp:nvSpPr>
-        <dsp:cNvPr id="0" name=""/>
-        <dsp:cNvSpPr/>
-      </dsp:nvSpPr>
-      <dsp:spPr>
-        <a:xfrm>
-          <a:off x="1004512" y="728102"/>
-          <a:ext cx="1043437" cy="1043437"/>
-        </a:xfrm>
-        <a:prstGeom prst="rect">
-          <a:avLst/>
-        </a:prstGeom>
-        <a:blipFill>
-          <a:blip xmlns:r="http://schemas.openxmlformats.org/officeDocument/2006/relationships" r:embed="rId1">
-            <a:extLst>
-              <a:ext uri="{28A0092B-C50C-407E-A947-70E740481C1C}">
-                <a14:useLocalDpi xmlns:a14="http://schemas.microsoft.com/office/drawing/2010/main" val="0"/>
-              </a:ext>
-              <a:ext uri="{96DAC541-7B7A-43D3-8B79-37D633B846F1}">
-                <asvg:svgBlip xmlns:asvg="http://schemas.microsoft.com/office/drawing/2016/SVG/main" r:embed="rId2"/>
-              </a:ext>
-            </a:extLst>
-          </a:blip>
-          <a:stretch>
-            <a:fillRect/>
-          </a:stretch>
-        </a:blipFill>
-        <a:ln w="15875" cap="flat" cmpd="sng" algn="ctr">
-          <a:noFill/>
-          <a:prstDash val="solid"/>
-        </a:ln>
-        <a:effectLst/>
-      </dsp:spPr>
-      <dsp:style>
-        <a:lnRef idx="2">
-          <a:scrgbClr r="0" g="0" b="0"/>
-        </a:lnRef>
-        <a:fillRef idx="1">
-          <a:scrgbClr r="0" g="0" b="0"/>
-        </a:fillRef>
-        <a:effectRef idx="0">
-          <a:scrgbClr r="0" g="0" b="0"/>
-        </a:effectRef>
-        <a:fontRef idx="minor">
-          <a:schemeClr val="lt1"/>
-        </a:fontRef>
-      </dsp:style>
-    </dsp:sp>
-    <dsp:sp modelId="{C01EF339-D3E4-4CD9-9371-DBAC8EDAB3BC}">
-      <dsp:nvSpPr>
-        <dsp:cNvPr id="0" name=""/>
-        <dsp:cNvSpPr/>
-      </dsp:nvSpPr>
-      <dsp:spPr>
-        <a:xfrm>
-          <a:off x="35606" y="2725540"/>
-          <a:ext cx="2981250" cy="720000"/>
-        </a:xfrm>
-        <a:prstGeom prst="rect">
-          <a:avLst/>
-        </a:prstGeom>
-        <a:noFill/>
-        <a:ln>
-          <a:noFill/>
-        </a:ln>
-        <a:effectLst/>
-      </dsp:spPr>
-      <dsp:style>
-        <a:lnRef idx="0">
-          <a:scrgbClr r="0" g="0" b="0"/>
-        </a:lnRef>
-        <a:fillRef idx="0">
-          <a:scrgbClr r="0" g="0" b="0"/>
-        </a:fillRef>
-        <a:effectRef idx="0">
-          <a:scrgbClr r="0" g="0" b="0"/>
-        </a:effectRef>
-        <a:fontRef idx="minor"/>
-      </dsp:style>
-      <dsp:txBody>
-        <a:bodyPr spcFirstLastPara="0" vert="horz" wrap="square" lIns="0" tIns="0" rIns="0" bIns="0" numCol="1" spcCol="1270" anchor="t" anchorCtr="0">
-          <a:noAutofit/>
-        </a:bodyPr>
-        <a:lstStyle/>
-        <a:p>
-          <a:pPr marL="0" lvl="0" indent="0" algn="ctr" defTabSz="755650">
-            <a:lnSpc>
-              <a:spcPct val="90000"/>
-            </a:lnSpc>
-            <a:spcBef>
-              <a:spcPct val="0"/>
-            </a:spcBef>
-            <a:spcAft>
-              <a:spcPct val="35000"/>
-            </a:spcAft>
-            <a:buNone/>
-            <a:defRPr cap="all"/>
-          </a:pPr>
-          <a:r>
-            <a:rPr lang="en-US" sz="1700" kern="1200" dirty="0"/>
-            <a:t>- Multi MSP system operating over serial communication</a:t>
-          </a:r>
-        </a:p>
-      </dsp:txBody>
-      <dsp:txXfrm>
-        <a:off x="35606" y="2725540"/>
-        <a:ext cx="2981250" cy="720000"/>
-      </dsp:txXfrm>
-    </dsp:sp>
-    <dsp:sp modelId="{CD4E6F88-75EF-4F3F-8036-337465032B84}">
-      <dsp:nvSpPr>
-        <dsp:cNvPr id="0" name=""/>
-        <dsp:cNvSpPr/>
-      </dsp:nvSpPr>
-      <dsp:spPr>
-        <a:xfrm>
-          <a:off x="4119918" y="340539"/>
-          <a:ext cx="1818562" cy="1818562"/>
-        </a:xfrm>
-        <a:prstGeom prst="ellipse">
-          <a:avLst/>
-        </a:prstGeom>
-        <a:solidFill>
-          <a:schemeClr val="accent3">
-            <a:hueOff val="0"/>
-            <a:satOff val="0"/>
-            <a:lumOff val="0"/>
-            <a:alphaOff val="0"/>
-          </a:schemeClr>
-        </a:solidFill>
-        <a:ln>
-          <a:noFill/>
-        </a:ln>
-        <a:effectLst/>
-      </dsp:spPr>
-      <dsp:style>
-        <a:lnRef idx="0">
-          <a:scrgbClr r="0" g="0" b="0"/>
-        </a:lnRef>
-        <a:fillRef idx="1">
-          <a:scrgbClr r="0" g="0" b="0"/>
-        </a:fillRef>
-        <a:effectRef idx="0">
-          <a:scrgbClr r="0" g="0" b="0"/>
-        </a:effectRef>
-        <a:fontRef idx="minor"/>
-      </dsp:style>
-    </dsp:sp>
-    <dsp:sp modelId="{5A0ECCBA-8AC3-47EE-AE12-42A054C4AA3E}">
-      <dsp:nvSpPr>
-        <dsp:cNvPr id="0" name=""/>
-        <dsp:cNvSpPr/>
-      </dsp:nvSpPr>
-      <dsp:spPr>
-        <a:xfrm>
-          <a:off x="4507481" y="728102"/>
-          <a:ext cx="1043437" cy="1043437"/>
-        </a:xfrm>
-        <a:prstGeom prst="rect">
-          <a:avLst/>
-        </a:prstGeom>
-        <a:blipFill>
-          <a:blip xmlns:r="http://schemas.openxmlformats.org/officeDocument/2006/relationships" r:embed="rId3">
-            <a:extLst>
-              <a:ext uri="{28A0092B-C50C-407E-A947-70E740481C1C}">
-                <a14:useLocalDpi xmlns:a14="http://schemas.microsoft.com/office/drawing/2010/main" val="0"/>
-              </a:ext>
-              <a:ext uri="{96DAC541-7B7A-43D3-8B79-37D633B846F1}">
-                <asvg:svgBlip xmlns:asvg="http://schemas.microsoft.com/office/drawing/2016/SVG/main" r:embed="rId4"/>
-              </a:ext>
-            </a:extLst>
-          </a:blip>
-          <a:stretch>
-            <a:fillRect/>
-          </a:stretch>
-        </a:blipFill>
-        <a:ln w="15875" cap="flat" cmpd="sng" algn="ctr">
-          <a:noFill/>
-          <a:prstDash val="solid"/>
-        </a:ln>
-        <a:effectLst/>
-      </dsp:spPr>
-      <dsp:style>
-        <a:lnRef idx="2">
-          <a:scrgbClr r="0" g="0" b="0"/>
-        </a:lnRef>
-        <a:fillRef idx="1">
-          <a:scrgbClr r="0" g="0" b="0"/>
-        </a:fillRef>
-        <a:effectRef idx="0">
-          <a:scrgbClr r="0" g="0" b="0"/>
-        </a:effectRef>
-        <a:fontRef idx="minor">
-          <a:schemeClr val="lt1"/>
-        </a:fontRef>
-      </dsp:style>
-    </dsp:sp>
-    <dsp:sp modelId="{483A42A0-454C-4F84-AD64-D4C3E66D3259}">
-      <dsp:nvSpPr>
-        <dsp:cNvPr id="0" name=""/>
-        <dsp:cNvSpPr/>
-      </dsp:nvSpPr>
-      <dsp:spPr>
-        <a:xfrm>
-          <a:off x="3538574" y="2725540"/>
-          <a:ext cx="2981250" cy="720000"/>
-        </a:xfrm>
-        <a:prstGeom prst="rect">
-          <a:avLst/>
-        </a:prstGeom>
-        <a:noFill/>
-        <a:ln>
-          <a:noFill/>
-        </a:ln>
-        <a:effectLst/>
-      </dsp:spPr>
-      <dsp:style>
-        <a:lnRef idx="0">
-          <a:scrgbClr r="0" g="0" b="0"/>
-        </a:lnRef>
-        <a:fillRef idx="0">
-          <a:scrgbClr r="0" g="0" b="0"/>
-        </a:fillRef>
-        <a:effectRef idx="0">
-          <a:scrgbClr r="0" g="0" b="0"/>
-        </a:effectRef>
-        <a:fontRef idx="minor"/>
-      </dsp:style>
-      <dsp:txBody>
-        <a:bodyPr spcFirstLastPara="0" vert="horz" wrap="square" lIns="0" tIns="0" rIns="0" bIns="0" numCol="1" spcCol="1270" anchor="t" anchorCtr="0">
-          <a:noAutofit/>
-        </a:bodyPr>
-        <a:lstStyle/>
-        <a:p>
-          <a:pPr marL="0" lvl="0" indent="0" algn="ctr" defTabSz="755650">
-            <a:lnSpc>
-              <a:spcPct val="90000"/>
-            </a:lnSpc>
-            <a:spcBef>
-              <a:spcPct val="0"/>
-            </a:spcBef>
-            <a:spcAft>
-              <a:spcPct val="35000"/>
-            </a:spcAft>
-            <a:buNone/>
-            <a:defRPr cap="all"/>
-          </a:pPr>
-          <a:r>
-            <a:rPr lang="en-US" sz="1700" kern="1200" dirty="0"/>
-            <a:t>- LCD and LED Bar driven from I2C</a:t>
-          </a:r>
-        </a:p>
-      </dsp:txBody>
-      <dsp:txXfrm>
-        <a:off x="3538574" y="2725540"/>
-        <a:ext cx="2981250" cy="720000"/>
-      </dsp:txXfrm>
-    </dsp:sp>
-    <dsp:sp modelId="{705AD631-79A3-4C2D-ABDA-5D10EC41261B}">
-      <dsp:nvSpPr>
-        <dsp:cNvPr id="0" name=""/>
-        <dsp:cNvSpPr/>
-      </dsp:nvSpPr>
-      <dsp:spPr>
-        <a:xfrm>
-          <a:off x="7622887" y="340539"/>
-          <a:ext cx="1818562" cy="1818562"/>
-        </a:xfrm>
-        <a:prstGeom prst="ellipse">
-          <a:avLst/>
-        </a:prstGeom>
-        <a:solidFill>
-          <a:schemeClr val="accent4">
-            <a:hueOff val="0"/>
-            <a:satOff val="0"/>
-            <a:lumOff val="0"/>
-            <a:alphaOff val="0"/>
-          </a:schemeClr>
-        </a:solidFill>
-        <a:ln>
-          <a:noFill/>
-        </a:ln>
-        <a:effectLst/>
-      </dsp:spPr>
-      <dsp:style>
-        <a:lnRef idx="0">
-          <a:scrgbClr r="0" g="0" b="0"/>
-        </a:lnRef>
-        <a:fillRef idx="1">
-          <a:scrgbClr r="0" g="0" b="0"/>
-        </a:fillRef>
-        <a:effectRef idx="0">
-          <a:scrgbClr r="0" g="0" b="0"/>
-        </a:effectRef>
-        <a:fontRef idx="minor"/>
-      </dsp:style>
-    </dsp:sp>
-    <dsp:sp modelId="{F51BC950-0BE8-463B-90B2-04F358EEC84F}">
-      <dsp:nvSpPr>
-        <dsp:cNvPr id="0" name=""/>
-        <dsp:cNvSpPr/>
-      </dsp:nvSpPr>
-      <dsp:spPr>
-        <a:xfrm>
-          <a:off x="8010450" y="728102"/>
-          <a:ext cx="1043437" cy="1043437"/>
-        </a:xfrm>
-        <a:prstGeom prst="rect">
-          <a:avLst/>
-        </a:prstGeom>
-        <a:blipFill>
-          <a:blip xmlns:r="http://schemas.openxmlformats.org/officeDocument/2006/relationships" r:embed="rId5">
-            <a:extLst>
-              <a:ext uri="{28A0092B-C50C-407E-A947-70E740481C1C}">
-                <a14:useLocalDpi xmlns:a14="http://schemas.microsoft.com/office/drawing/2010/main" val="0"/>
-              </a:ext>
-              <a:ext uri="{96DAC541-7B7A-43D3-8B79-37D633B846F1}">
-                <asvg:svgBlip xmlns:asvg="http://schemas.microsoft.com/office/drawing/2016/SVG/main" r:embed="rId6"/>
-              </a:ext>
-            </a:extLst>
-          </a:blip>
-          <a:stretch>
-            <a:fillRect/>
-          </a:stretch>
-        </a:blipFill>
-        <a:ln w="15875" cap="flat" cmpd="sng" algn="ctr">
-          <a:noFill/>
-          <a:prstDash val="solid"/>
-        </a:ln>
-        <a:effectLst/>
-      </dsp:spPr>
-      <dsp:style>
-        <a:lnRef idx="2">
-          <a:scrgbClr r="0" g="0" b="0"/>
-        </a:lnRef>
-        <a:fillRef idx="1">
-          <a:scrgbClr r="0" g="0" b="0"/>
-        </a:fillRef>
-        <a:effectRef idx="0">
-          <a:scrgbClr r="0" g="0" b="0"/>
-        </a:effectRef>
-        <a:fontRef idx="minor">
-          <a:schemeClr val="lt1"/>
-        </a:fontRef>
-      </dsp:style>
-    </dsp:sp>
-    <dsp:sp modelId="{8A8B6E11-9117-4645-8F02-1DD88010051F}">
-      <dsp:nvSpPr>
-        <dsp:cNvPr id="0" name=""/>
-        <dsp:cNvSpPr/>
-      </dsp:nvSpPr>
-      <dsp:spPr>
-        <a:xfrm>
-          <a:off x="7041543" y="2725540"/>
-          <a:ext cx="2981250" cy="720000"/>
-        </a:xfrm>
-        <a:prstGeom prst="rect">
-          <a:avLst/>
-        </a:prstGeom>
-        <a:noFill/>
-        <a:ln>
-          <a:noFill/>
-        </a:ln>
-        <a:effectLst/>
-      </dsp:spPr>
-      <dsp:style>
-        <a:lnRef idx="0">
-          <a:scrgbClr r="0" g="0" b="0"/>
-        </a:lnRef>
-        <a:fillRef idx="0">
-          <a:scrgbClr r="0" g="0" b="0"/>
-        </a:fillRef>
-        <a:effectRef idx="0">
-          <a:scrgbClr r="0" g="0" b="0"/>
-        </a:effectRef>
-        <a:fontRef idx="minor"/>
-      </dsp:style>
-      <dsp:txBody>
-        <a:bodyPr spcFirstLastPara="0" vert="horz" wrap="square" lIns="0" tIns="0" rIns="0" bIns="0" numCol="1" spcCol="1270" anchor="t" anchorCtr="0">
-          <a:noAutofit/>
-        </a:bodyPr>
-        <a:lstStyle/>
-        <a:p>
-          <a:pPr marL="0" lvl="0" indent="0" algn="ctr" defTabSz="755650" rtl="0">
-            <a:lnSpc>
-              <a:spcPct val="90000"/>
-            </a:lnSpc>
-            <a:spcBef>
-              <a:spcPct val="0"/>
-            </a:spcBef>
-            <a:spcAft>
-              <a:spcPct val="35000"/>
-            </a:spcAft>
-            <a:buNone/>
-            <a:defRPr cap="all"/>
-          </a:pPr>
-          <a:r>
-            <a:rPr lang="en-US" sz="1700" kern="1200" dirty="0"/>
-            <a:t>- </a:t>
-          </a:r>
-          <a:r>
-            <a:rPr lang="en-US" sz="1700" b="1" kern="1200" dirty="0">
-              <a:latin typeface="Calibri Light" panose="020F0302020204030204"/>
-            </a:rPr>
-            <a:t>Can be</a:t>
-          </a:r>
-          <a:r>
-            <a:rPr lang="en-US" sz="1700" kern="1200" dirty="0"/>
-            <a:t> implemented within a more complex system</a:t>
-          </a:r>
-        </a:p>
-      </dsp:txBody>
-      <dsp:txXfrm>
-        <a:off x="7041543" y="2725540"/>
-        <a:ext cx="2981250" cy="720000"/>
-      </dsp:txXfrm>
-    </dsp:sp>
-  </dsp:spTree>
-</dsp:drawing>
-</file>
-
-<file path=ppt/diagrams/layout1.xml><?xml version="1.0" encoding="utf-8"?>
-<dgm:layoutDef xmlns:dgm="http://schemas.openxmlformats.org/drawingml/2006/diagram" xmlns:a="http://schemas.openxmlformats.org/drawingml/2006/main" uniqueId="urn:microsoft.com/office/officeart/2018/5/layout/IconCircleLabelList">
-  <dgm:title val="Icon Circle Label List"/>
-  <dgm:desc val="Use to show non-sequential or grouped chunks of information accompanied by a related visuals. Works best with icons or small pictures with short text captions."/>
-  <dgm:catLst>
-    <dgm:cat type="icon" pri="500"/>
-  </dgm:catLst>
-  <dgm:sampData useDef="1">
-    <dgm:dataModel>
-      <dgm:ptLst/>
-      <dgm:bg/>
-      <dgm:whole/>
-    </dgm:dataModel>
-  </dgm:sampData>
-  <dgm:styleData useDef="1">
-    <dgm:dataModel>
-      <dgm:ptLst/>
-      <dgm:bg/>
-      <dgm:whole/>
-    </dgm:dataModel>
-  </dgm:styleData>
-  <dgm:clrData useDef="1">
-    <dgm:dataModel>
-      <dgm:ptLst/>
-      <dgm:bg/>
-      <dgm:whole/>
-    </dgm:dataModel>
-  </dgm:clrData>
-  <dgm:layoutNode name="root">
-    <dgm:varLst>
-      <dgm:dir/>
-      <dgm:resizeHandles val="exact"/>
-    </dgm:varLst>
-    <dgm:choose name="Name0">
-      <dgm:if name="Name1" axis="self" func="var" arg="dir" op="equ" val="norm">
-        <dgm:alg type="snake">
-          <dgm:param type="grDir" val="tL"/>
-          <dgm:param type="flowDir" val="row"/>
-          <dgm:param type="contDir" val="sameDir"/>
-          <dgm:param type="off" val="ctr"/>
-          <dgm:param type="vertAlign" val="mid"/>
-          <dgm:param type="horzAlign" val="ctr"/>
-        </dgm:alg>
-      </dgm:if>
-      <dgm:else name="Name2">
-        <dgm:alg type="snake">
-          <dgm:param type="grDir" val="tR"/>
-          <dgm:param type="flowDir" val="row"/>
-          <dgm:param type="contDir" val="sameDir"/>
-          <dgm:param type="off" val="ctr"/>
-          <dgm:param type="vertAlign" val="mid"/>
-          <dgm:param type="horzAlign" val="ctr"/>
-        </dgm:alg>
-      </dgm:else>
-    </dgm:choose>
-    <dgm:shape xmlns:r="http://schemas.openxmlformats.org/officeDocument/2006/relationships" r:blip="">
-      <dgm:adjLst/>
-    </dgm:shape>
-    <dgm:presOf/>
-    <dgm:choose name="Name3">
-      <dgm:if name="Name4" axis="ch" ptType="node" func="cnt" op="lte" val="2">
-        <dgm:constrLst>
-          <dgm:constr type="h" for="ch" forName="compNode" refType="h" fact="0.4"/>
-          <dgm:constr type="w" for="ch" forName="compNode" val="100"/>
-          <dgm:constr type="w" for="ch" forName="sibTrans" refType="w" refFor="ch" refForName="compNode" fact="0.175"/>
-          <dgm:constr type="sp" refType="w" refFor="ch" refForName="compNode" op="equ" fact="0.25"/>
-          <dgm:constr type="primFontSz" for="des" ptType="node" op="equ" val="44"/>
-          <dgm:constr type="h" for="des" forName="compNode" op="equ"/>
-          <dgm:constr type="h" for="des" forName="textRect" op="equ"/>
-        </dgm:constrLst>
-      </dgm:if>
-      <dgm:if name="Name5" axis="ch" ptType="node" func="cnt" op="lte" val="3">
-        <dgm:constrLst>
-          <dgm:constr type="h" for="ch" forName="compNode" refType="h" fact="0.4"/>
-          <dgm:constr type="w" for="ch" forName="compNode" val="100"/>
-          <dgm:constr type="w" for="ch" forName="sibTrans" refType="w" refFor="ch" refForName="compNode" fact="0.175"/>
-          <dgm:constr type="sp" refType="w" refFor="ch" refForName="compNode" op="equ" fact="0.25"/>
-          <dgm:constr type="primFontSz" for="des" ptType="node" op="equ" val="40"/>
-          <dgm:constr type="h" for="des" forName="compNode" op="equ"/>
-          <dgm:constr type="h" for="des" forName="textRect" op="equ"/>
-        </dgm:constrLst>
-      </dgm:if>
-      <dgm:if name="Name6" axis="ch" ptType="node" func="cnt" op="lte" val="4">
-        <dgm:constrLst>
-          <dgm:constr type="h" for="ch" forName="compNode" refType="h" fact="0.4"/>
-          <dgm:constr type="w" for="ch" forName="compNode" refType="w"/>
-          <dgm:constr type="w" for="ch" forName="sibTrans" refType="w" refFor="ch" refForName="compNode" fact="0.175"/>
-          <dgm:constr type="sp" refType="w" refFor="ch" refForName="compNode" op="equ" fact="0.25"/>
-          <dgm:constr type="primFontSz" for="des" ptType="node" op="equ" val="32"/>
-          <dgm:constr type="h" for="des" forName="compNode" op="equ"/>
-          <dgm:constr type="h" for="des" forName="textRect" op="equ"/>
-        </dgm:constrLst>
-      </dgm:if>
-      <dgm:else name="Name7">
-        <dgm:constrLst>
-          <dgm:constr type="h" for="ch" forName="compNode" refType="h" fact="0.4"/>
-          <dgm:constr type="w" for="ch" forName="compNode" refType="w"/>
-          <dgm:constr type="w" for="ch" forName="sibTrans" refType="w" refFor="ch" refForName="compNode" fact="0.175"/>
-          <dgm:constr type="sp" refType="w" refFor="ch" refForName="compNode" op="equ" fact="0.25"/>
-          <dgm:constr type="primFontSz" for="des" ptType="node" op="equ" val="24"/>
-          <dgm:constr type="h" for="des" forName="compNode" op="equ"/>
-          <dgm:constr type="h" for="des" forName="textRect" op="equ"/>
-        </dgm:constrLst>
-      </dgm:else>
-    </dgm:choose>
-    <dgm:ruleLst>
-      <dgm:rule type="w" for="ch" forName="compNode" val="50" fact="NaN" max="NaN"/>
-    </dgm:ruleLst>
-    <dgm:forEach name="Name8" axis="ch" ptType="node">
-      <dgm:layoutNode name="compNode">
-        <dgm:alg type="composite"/>
-        <dgm:shape xmlns:r="http://schemas.openxmlformats.org/officeDocument/2006/relationships" r:blip="">
-          <dgm:adjLst/>
-        </dgm:shape>
-        <dgm:presOf axis="self"/>
-        <dgm:constrLst>
-          <dgm:constr type="w" for="ch" forName="iconBgRect" refType="w" fact="0.61"/>
-          <dgm:constr type="h" for="ch" forName="iconBgRect" refType="w" refFor="ch" refForName="iconBgRect"/>
-          <dgm:constr type="t" for="ch" forName="iconBgRect"/>
-          <dgm:constr type="ctrX" for="ch" forName="iconBgRect" refType="w" fact="0.5"/>
-          <dgm:constr type="w" for="ch" forName="iconRect" refType="w" fact="0.35"/>
-          <dgm:constr type="h" for="ch" forName="iconRect" refType="w" refFor="ch" refForName="iconRect"/>
-          <dgm:constr type="ctrX" for="ch" forName="iconRect" refType="ctrX" refFor="ch" refForName="iconBgRect"/>
-          <dgm:constr type="ctrY" for="ch" forName="iconRect" refType="ctrY" refFor="ch" refForName="iconBgRect"/>
-          <dgm:constr type="h" for="ch" forName="spaceRect" refType="w" fact="0.19"/>
-          <dgm:constr type="w" for="ch" forName="spaceRect" refType="w"/>
-          <dgm:constr type="l" for="ch" forName="spaceRect"/>
-          <dgm:constr type="t" for="ch" forName="spaceRect" refType="b" refFor="ch" refForName="iconBgRect"/>
-          <dgm:constr type="h" for="ch" forName="textRect" val="20"/>
-          <dgm:constr type="w" for="ch" forName="textRect" refType="w"/>
-          <dgm:constr type="l" for="ch" forName="textRect"/>
-          <dgm:constr type="t" for="ch" forName="textRect" refType="b" refFor="ch" refForName="spaceRect"/>
-        </dgm:constrLst>
-        <dgm:ruleLst>
-          <dgm:rule type="h" val="INF" fact="NaN" max="NaN"/>
-        </dgm:ruleLst>
-        <dgm:layoutNode name="iconBgRect" styleLbl="bgShp">
-          <dgm:alg type="sp"/>
-          <dgm:shape xmlns:r="http://schemas.openxmlformats.org/officeDocument/2006/relationships" type="ellipse" r:blip="">
-            <dgm:adjLst/>
-          </dgm:shape>
-          <dgm:presOf/>
-          <dgm:constrLst/>
-          <dgm:ruleLst/>
-        </dgm:layoutNode>
-        <dgm:layoutNode name="iconRect" styleLbl="node1">
-          <dgm:alg type="sp"/>
-          <dgm:shape xmlns:r="http://schemas.openxmlformats.org/officeDocument/2006/relationships" type="rect" r:blip="" blipPhldr="1">
-            <dgm:adjLst/>
-          </dgm:shape>
-          <dgm:presOf/>
-          <dgm:constrLst/>
-          <dgm:ruleLst/>
-        </dgm:layoutNode>
-        <dgm:layoutNode name="spaceRect">
-          <dgm:alg type="sp"/>
-          <dgm:shape xmlns:r="http://schemas.openxmlformats.org/officeDocument/2006/relationships" r:blip="">
-            <dgm:adjLst/>
-          </dgm:shape>
-          <dgm:presOf/>
-          <dgm:constrLst/>
-          <dgm:ruleLst/>
-        </dgm:layoutNode>
-        <dgm:layoutNode name="textRect" styleLbl="revTx">
-          <dgm:varLst>
-            <dgm:chMax val="1"/>
-            <dgm:chPref val="1"/>
-          </dgm:varLst>
-          <dgm:alg type="tx">
-            <dgm:param type="txAnchorVert" val="t"/>
-          </dgm:alg>
-          <dgm:shape xmlns:r="http://schemas.openxmlformats.org/officeDocument/2006/relationships" type="rect" r:blip="">
-            <dgm:adjLst/>
-          </dgm:shape>
-          <dgm:presOf axis="self" ptType="node"/>
-          <dgm:constrLst>
-            <dgm:constr type="lMarg"/>
-            <dgm:constr type="rMarg"/>
-            <dgm:constr type="tMarg"/>
-            <dgm:constr type="bMarg"/>
-          </dgm:constrLst>
-          <dgm:ruleLst>
-            <dgm:rule type="primFontSz" val="11" fact="NaN" max="NaN"/>
-            <dgm:rule type="h" val="INF" fact="NaN" max="NaN"/>
-          </dgm:ruleLst>
-        </dgm:layoutNode>
-      </dgm:layoutNode>
-      <dgm:forEach name="Name9" axis="followSib" ptType="sibTrans" cnt="1">
-        <dgm:layoutNode name="sibTrans">
-          <dgm:alg type="sp"/>
-          <dgm:shape xmlns:r="http://schemas.openxmlformats.org/officeDocument/2006/relationships" r:blip="">
-            <dgm:adjLst/>
-          </dgm:shape>
-          <dgm:presOf axis="self"/>
-          <dgm:constrLst/>
-          <dgm:ruleLst/>
-        </dgm:layoutNode>
-      </dgm:forEach>
-    </dgm:forEach>
-  </dgm:layoutNode>
-  <dgm:extLst>
-    <a:ext uri="{68A01E43-0DF5-4B5B-8FA6-DAF915123BFB}">
-      <dgm1612:lstStyle xmlns:dgm1612="http://schemas.microsoft.com/office/drawing/2016/12/diagram">
-        <a:lvl1pPr>
-          <a:lnSpc>
-            <a:spcPct val="100000"/>
-          </a:lnSpc>
-          <a:defRPr cap="all"/>
-        </a:lvl1pPr>
-      </dgm1612:lstStyle>
-    </a:ext>
-  </dgm:extLst>
-</dgm:layoutDef>
-</file>
-
-<file path=ppt/diagrams/quickStyle1.xml><?xml version="1.0" encoding="utf-8"?>
-<dgm:styleDef xmlns:dgm="http://schemas.openxmlformats.org/drawingml/2006/diagram" xmlns:a="http://schemas.openxmlformats.org/drawingml/2006/main" uniqueId="urn:microsoft.com/office/officeart/2005/8/quickstyle/simple1">
-  <dgm:title val=""/>
-  <dgm:desc val=""/>
-  <dgm:catLst>
-    <dgm:cat type="simple" pri="10100"/>
-  </dgm:catLst>
-  <dgm:scene3d>
-    <a:camera prst="orthographicFront"/>
-    <a:lightRig rig="threePt" dir="t"/>
-  </dgm:scene3d>
-  <dgm:styleLbl name="node0">
-    <dgm:scene3d>
-      <a:camera prst="orthographicFront"/>
-      <a:lightRig rig="threePt" dir="t"/>
-    </dgm:scene3d>
-    <dgm:sp3d/>
-    <dgm:txPr/>
-    <dgm:style>
-      <a:lnRef idx="2">
-        <a:scrgbClr r="0" g="0" b="0"/>
-      </a:lnRef>
-      <a:fillRef idx="1">
-        <a:scrgbClr r="0" g="0" b="0"/>
-      </a:fillRef>
-      <a:effectRef idx="0">
-        <a:scrgbClr r="0" g="0" b="0"/>
-      </a:effectRef>
-      <a:fontRef idx="minor">
-        <a:schemeClr val="lt1"/>
-      </a:fontRef>
-    </dgm:style>
-  </dgm:styleLbl>
-  <dgm:styleLbl name="lnNode1">
-    <dgm:scene3d>
-      <a:camera prst="orthographicFront"/>
-      <a:lightRig rig="threePt" dir="t"/>
-    </dgm:scene3d>
-    <dgm:sp3d/>
-    <dgm:txPr/>
-    <dgm:style>
-      <a:lnRef idx="2">
-        <a:scrgbClr r="0" g="0" b="0"/>
-      </a:lnRef>
-      <a:fillRef idx="1">
-        <a:scrgbClr r="0" g="0" b="0"/>
-      </a:fillRef>
-      <a:effectRef idx="0">
-        <a:scrgbClr r="0" g="0" b="0"/>
-      </a:effectRef>
-      <a:fontRef idx="minor">
-        <a:schemeClr val="lt1"/>
-      </a:fontRef>
-    </dgm:style>
-  </dgm:styleLbl>
-  <dgm:styleLbl name="vennNode1">
-    <dgm:scene3d>
-      <a:camera prst="orthographicFront"/>
-      <a:lightRig rig="threePt" dir="t"/>
-    </dgm:scene3d>
-    <dgm:sp3d/>
-    <dgm:txPr/>
-    <dgm:style>
-      <a:lnRef idx="2">
-        <a:scrgbClr r="0" g="0" b="0"/>
-      </a:lnRef>
-      <a:fillRef idx="1">
-        <a:scrgbClr r="0" g="0" b="0"/>
-      </a:fillRef>
-      <a:effectRef idx="0">
-        <a:scrgbClr r="0" g="0" b="0"/>
-      </a:effectRef>
-      <a:fontRef idx="minor">
-        <a:schemeClr val="tx1"/>
-      </a:fontRef>
-    </dgm:style>
-  </dgm:styleLbl>
-  <dgm:styleLbl name="alignNode1">
-    <dgm:scene3d>
-      <a:camera prst="orthographicFront"/>
-      <a:lightRig rig="threePt" dir="t"/>
-    </dgm:scene3d>
-    <dgm:sp3d/>
-    <dgm:txPr/>
-    <dgm:style>
-      <a:lnRef idx="2">
-        <a:scrgbClr r="0" g="0" b="0"/>
-      </a:lnRef>
-      <a:fillRef idx="1">
-        <a:scrgbClr r="0" g="0" b="0"/>
-      </a:fillRef>
-      <a:effectRef idx="0">
-        <a:scrgbClr r="0" g="0" b="0"/>
-      </a:effectRef>
-      <a:fontRef idx="minor">
-        <a:schemeClr val="lt1"/>
-      </a:fontRef>
-    </dgm:style>
-  </dgm:styleLbl>
-  <dgm:styleLbl name="node1">
-    <dgm:scene3d>
-      <a:camera prst="orthographicFront"/>
-      <a:lightRig rig="threePt" dir="t"/>
-    </dgm:scene3d>
-    <dgm:sp3d/>
-    <dgm:txPr/>
-    <dgm:style>
-      <a:lnRef idx="2">
-        <a:scrgbClr r="0" g="0" b="0"/>
-      </a:lnRef>
-      <a:fillRef idx="1">
-        <a:scrgbClr r="0" g="0" b="0"/>
-      </a:fillRef>
-      <a:effectRef idx="0">
-        <a:scrgbClr r="0" g="0" b="0"/>
-      </a:effectRef>
-      <a:fontRef idx="minor">
-        <a:schemeClr val="lt1"/>
-      </a:fontRef>
-    </dgm:style>
-  </dgm:styleLbl>
-  <dgm:styleLbl name="node2">
-    <dgm:scene3d>
-      <a:camera prst="orthographicFront"/>
-      <a:lightRig rig="threePt" dir="t"/>
-    </dgm:scene3d>
-    <dgm:sp3d/>
-    <dgm:txPr/>
-    <dgm:style>
-      <a:lnRef idx="2">
-        <a:scrgbClr r="0" g="0" b="0"/>
-      </a:lnRef>
-      <a:fillRef idx="1">
-        <a:scrgbClr r="0" g="0" b="0"/>
-      </a:fillRef>
-      <a:effectRef idx="0">
-        <a:scrgbClr r="0" g="0" b="0"/>
-      </a:effectRef>
-      <a:fontRef idx="minor">
-        <a:schemeClr val="lt1"/>
-      </a:fontRef>
-    </dgm:style>
-  </dgm:styleLbl>
-  <dgm:styleLbl name="node3">
-    <dgm:scene3d>
-      <a:camera prst="orthographicFront"/>
-      <a:lightRig rig="threePt" dir="t"/>
-    </dgm:scene3d>
-    <dgm:sp3d/>
-    <dgm:txPr/>
-    <dgm:style>
-      <a:lnRef idx="2">
-        <a:scrgbClr r="0" g="0" b="0"/>
-      </a:lnRef>
-      <a:fillRef idx="1">
-        <a:scrgbClr r="0" g="0" b="0"/>
-      </a:fillRef>
-      <a:effectRef idx="0">
-        <a:scrgbClr r="0" g="0" b="0"/>
-      </a:effectRef>
-      <a:fontRef idx="minor">
-        <a:schemeClr val="lt1"/>
-      </a:fontRef>
-    </dgm:style>
-  </dgm:styleLbl>
-  <dgm:styleLbl name="node4">
-    <dgm:scene3d>
-      <a:camera prst="orthographicFront"/>
-      <a:lightRig rig="threePt" dir="t"/>
-    </dgm:scene3d>
-    <dgm:sp3d/>
-    <dgm:txPr/>
-    <dgm:style>
-      <a:lnRef idx="2">
-        <a:scrgbClr r="0" g="0" b="0"/>
-      </a:lnRef>
-      <a:fillRef idx="1">
-        <a:scrgbClr r="0" g="0" b="0"/>
-      </a:fillRef>
-      <a:effectRef idx="0">
-        <a:scrgbClr r="0" g="0" b="0"/>
-      </a:effectRef>
-      <a:fontRef idx="minor">
-        <a:schemeClr val="lt1"/>
-      </a:fontRef>
-    </dgm:style>
-  </dgm:styleLbl>
-  <dgm:styleLbl name="fgImgPlace1">
-    <dgm:scene3d>
-      <a:camera prst="orthographicFront"/>
-      <a:lightRig rig="threePt" dir="t"/>
-    </dgm:scene3d>
-    <dgm:sp3d/>
-    <dgm:txPr/>
-    <dgm:style>
-      <a:lnRef idx="2">
-        <a:scrgbClr r="0" g="0" b="0"/>
-      </a:lnRef>
-      <a:fillRef idx="1">
-        <a:scrgbClr r="0" g="0" b="0"/>
-      </a:fillRef>
-      <a:effectRef idx="0">
-        <a:scrgbClr r="0" g="0" b="0"/>
-      </a:effectRef>
-      <a:fontRef idx="minor"/>
-    </dgm:style>
-  </dgm:styleLbl>
-  <dgm:styleLbl name="alignImgPlace1">
-    <dgm:scene3d>
-      <a:camera prst="orthographicFront"/>
-      <a:lightRig rig="threePt" dir="t"/>
-    </dgm:scene3d>
-    <dgm:sp3d/>
-    <dgm:txPr/>
-    <dgm:style>
-      <a:lnRef idx="2">
-        <a:scrgbClr r="0" g="0" b="0"/>
-      </a:lnRef>
-      <a:fillRef idx="1">
-        <a:scrgbClr r="0" g="0" b="0"/>
-      </a:fillRef>
-      <a:effectRef idx="0">
-        <a:scrgbClr r="0" g="0" b="0"/>
-      </a:effectRef>
-      <a:fontRef idx="minor"/>
-    </dgm:style>
-  </dgm:styleLbl>
-  <dgm:styleLbl name="bgImgPlace1">
-    <dgm:scene3d>
-      <a:camera prst="orthographicFront"/>
-      <a:lightRig rig="threePt" dir="t"/>
-    </dgm:scene3d>
-    <dgm:sp3d/>
-    <dgm:txPr/>
-    <dgm:style>
-      <a:lnRef idx="2">
-        <a:scrgbClr r="0" g="0" b="0"/>
-      </a:lnRef>
-      <a:fillRef idx="1">
-        <a:scrgbClr r="0" g="0" b="0"/>
-      </a:fillRef>
-      <a:effectRef idx="0">
-        <a:scrgbClr r="0" g="0" b="0"/>
-      </a:effectRef>
-      <a:fontRef idx="minor"/>
-    </dgm:style>
-  </dgm:styleLbl>
-  <dgm:styleLbl name="sibTrans2D1">
-    <dgm:scene3d>
-      <a:camera prst="orthographicFront"/>
-      <a:lightRig rig="threePt" dir="t"/>
-    </dgm:scene3d>
-    <dgm:sp3d/>
-    <dgm:txPr/>
-    <dgm:style>
-      <a:lnRef idx="0">
-        <a:scrgbClr r="0" g="0" b="0"/>
-      </a:lnRef>
-      <a:fillRef idx="1">
-        <a:scrgbClr r="0" g="0" b="0"/>
-      </a:fillRef>
-      <a:effectRef idx="0">
-        <a:scrgbClr r="0" g="0" b="0"/>
-      </a:effectRef>
-      <a:fontRef idx="minor">
-        <a:schemeClr val="lt1"/>
-      </a:fontRef>
-    </dgm:style>
-  </dgm:styleLbl>
-  <dgm:styleLbl name="fgSibTrans2D1">
-    <dgm:scene3d>
-      <a:camera prst="orthographicFront"/>
-      <a:lightRig rig="threePt" dir="t"/>
-    </dgm:scene3d>
-    <dgm:sp3d/>
-    <dgm:txPr/>
-    <dgm:style>
-      <a:lnRef idx="0">
-        <a:scrgbClr r="0" g="0" b="0"/>
-      </a:lnRef>
-      <a:fillRef idx="1">
-        <a:scrgbClr r="0" g="0" b="0"/>
-      </a:fillRef>
-      <a:effectRef idx="0">
-        <a:scrgbClr r="0" g="0" b="0"/>
-      </a:effectRef>
-      <a:fontRef idx="minor">
-        <a:schemeClr val="lt1"/>
-      </a:fontRef>
-    </dgm:style>
-  </dgm:styleLbl>
-  <dgm:styleLbl name="bgSibTrans2D1">
-    <dgm:scene3d>
-      <a:camera prst="orthographicFront"/>
-      <a:lightRig rig="threePt" dir="t"/>
-    </dgm:scene3d>
-    <dgm:sp3d/>
-    <dgm:txPr/>
-    <dgm:style>
-      <a:lnRef idx="0">
-        <a:scrgbClr r="0" g="0" b="0"/>
-      </a:lnRef>
-      <a:fillRef idx="1">
-        <a:scrgbClr r="0" g="0" b="0"/>
-      </a:fillRef>
-      <a:effectRef idx="0">
-        <a:scrgbClr r="0" g="0" b="0"/>
-      </a:effectRef>
-      <a:fontRef idx="minor">
-        <a:schemeClr val="lt1"/>
-      </a:fontRef>
-    </dgm:style>
-  </dgm:styleLbl>
-  <dgm:styleLbl name="sibTrans1D1">
-    <dgm:scene3d>
-      <a:camera prst="orthographicFront"/>
-      <a:lightRig rig="threePt" dir="t"/>
-    </dgm:scene3d>
-    <dgm:sp3d/>
-    <dgm:txPr/>
-    <dgm:style>
-      <a:lnRef idx="1">
-        <a:scrgbClr r="0" g="0" b="0"/>
-      </a:lnRef>
-      <a:fillRef idx="0">
-        <a:scrgbClr r="0" g="0" b="0"/>
-      </a:fillRef>
-      <a:effectRef idx="0">
-        <a:scrgbClr r="0" g="0" b="0"/>
-      </a:effectRef>
-      <a:fontRef idx="minor"/>
-    </dgm:style>
-  </dgm:styleLbl>
-  <dgm:styleLbl name="callout">
-    <dgm:scene3d>
-      <a:camera prst="orthographicFront"/>
-      <a:lightRig rig="threePt" dir="t"/>
-    </dgm:scene3d>
-    <dgm:sp3d/>
-    <dgm:txPr/>
-    <dgm:style>
-      <a:lnRef idx="2">
-        <a:scrgbClr r="0" g="0" b="0"/>
-      </a:lnRef>
-      <a:fillRef idx="1">
-        <a:scrgbClr r="0" g="0" b="0"/>
-      </a:fillRef>
-      <a:effectRef idx="0">
-        <a:scrgbClr r="0" g="0" b="0"/>
-      </a:effectRef>
-      <a:fontRef idx="minor"/>
-    </dgm:style>
-  </dgm:styleLbl>
-  <dgm:styleLbl name="asst0">
-    <dgm:scene3d>
-      <a:camera prst="orthographicFront"/>
-      <a:lightRig rig="threePt" dir="t"/>
-    </dgm:scene3d>
-    <dgm:sp3d/>
-    <dgm:txPr/>
-    <dgm:style>
-      <a:lnRef idx="2">
-        <a:scrgbClr r="0" g="0" b="0"/>
-      </a:lnRef>
-      <a:fillRef idx="1">
-        <a:scrgbClr r="0" g="0" b="0"/>
-      </a:fillRef>
-      <a:effectRef idx="0">
-        <a:scrgbClr r="0" g="0" b="0"/>
-      </a:effectRef>
-      <a:fontRef idx="minor">
-        <a:schemeClr val="lt1"/>
-      </a:fontRef>
-    </dgm:style>
-  </dgm:styleLbl>
-  <dgm:styleLbl name="asst1">
-    <dgm:scene3d>
-      <a:camera prst="orthographicFront"/>
-      <a:lightRig rig="threePt" dir="t"/>
-    </dgm:scene3d>
-    <dgm:sp3d/>
-    <dgm:txPr/>
-    <dgm:style>
-      <a:lnRef idx="2">
-        <a:scrgbClr r="0" g="0" b="0"/>
-      </a:lnRef>
-      <a:fillRef idx="1">
-        <a:scrgbClr r="0" g="0" b="0"/>
-      </a:fillRef>
-      <a:effectRef idx="0">
-        <a:scrgbClr r="0" g="0" b="0"/>
-      </a:effectRef>
-      <a:fontRef idx="minor">
-        <a:schemeClr val="lt1"/>
-      </a:fontRef>
-    </dgm:style>
-  </dgm:styleLbl>
-  <dgm:styleLbl name="asst2">
-    <dgm:scene3d>
-      <a:camera prst="orthographicFront"/>
-      <a:lightRig rig="threePt" dir="t"/>
-    </dgm:scene3d>
-    <dgm:sp3d/>
-    <dgm:txPr/>
-    <dgm:style>
-      <a:lnRef idx="2">
-        <a:scrgbClr r="0" g="0" b="0"/>
-      </a:lnRef>
-      <a:fillRef idx="1">
-        <a:scrgbClr r="0" g="0" b="0"/>
-      </a:fillRef>
-      <a:effectRef idx="0">
-        <a:scrgbClr r="0" g="0" b="0"/>
-      </a:effectRef>
-      <a:fontRef idx="minor">
-        <a:schemeClr val="lt1"/>
-      </a:fontRef>
-    </dgm:style>
-  </dgm:styleLbl>
-  <dgm:styleLbl name="asst3">
-    <dgm:scene3d>
-      <a:camera prst="orthographicFront"/>
-      <a:lightRig rig="threePt" dir="t"/>
-    </dgm:scene3d>
-    <dgm:sp3d/>
-    <dgm:txPr/>
-    <dgm:style>
-      <a:lnRef idx="2">
-        <a:scrgbClr r="0" g="0" b="0"/>
-      </a:lnRef>
-      <a:fillRef idx="1">
-        <a:scrgbClr r="0" g="0" b="0"/>
-      </a:fillRef>
-      <a:effectRef idx="0">
-        <a:scrgbClr r="0" g="0" b="0"/>
-      </a:effectRef>
-      <a:fontRef idx="minor">
-        <a:schemeClr val="lt1"/>
-      </a:fontRef>
-    </dgm:style>
-  </dgm:styleLbl>
-  <dgm:styleLbl name="asst4">
-    <dgm:scene3d>
-      <a:camera prst="orthographicFront"/>
-      <a:lightRig rig="threePt" dir="t"/>
-    </dgm:scene3d>
-    <dgm:sp3d/>
-    <dgm:txPr/>
-    <dgm:style>
-      <a:lnRef idx="2">
-        <a:scrgbClr r="0" g="0" b="0"/>
-      </a:lnRef>
-      <a:fillRef idx="1">
-        <a:scrgbClr r="0" g="0" b="0"/>
-      </a:fillRef>
-      <a:effectRef idx="0">
-        <a:scrgbClr r="0" g="0" b="0"/>
-      </a:effectRef>
-      <a:fontRef idx="minor">
-        <a:schemeClr val="lt1"/>
-      </a:fontRef>
-    </dgm:style>
-  </dgm:styleLbl>
-  <dgm:styleLbl name="parChTrans2D1">
-    <dgm:scene3d>
-      <a:camera prst="orthographicFront"/>
-      <a:lightRig rig="threePt" dir="t"/>
-    </dgm:scene3d>
-    <dgm:sp3d/>
-    <dgm:txPr/>
-    <dgm:style>
-      <a:lnRef idx="2">
-        <a:scrgbClr r="0" g="0" b="0"/>
-      </a:lnRef>
-      <a:fillRef idx="1">
-        <a:scrgbClr r="0" g="0" b="0"/>
-      </a:fillRef>
-      <a:effectRef idx="0">
-        <a:scrgbClr r="0" g="0" b="0"/>
-      </a:effectRef>
-      <a:fontRef idx="minor">
-        <a:schemeClr val="lt1"/>
-      </a:fontRef>
-    </dgm:style>
-  </dgm:styleLbl>
-  <dgm:styleLbl name="parChTrans2D2">
-    <dgm:scene3d>
-      <a:camera prst="orthographicFront"/>
-      <a:lightRig rig="threePt" dir="t"/>
-    </dgm:scene3d>
-    <dgm:sp3d/>
-    <dgm:txPr/>
-    <dgm:style>
-      <a:lnRef idx="2">
-        <a:scrgbClr r="0" g="0" b="0"/>
-      </a:lnRef>
-      <a:fillRef idx="1">
-        <a:scrgbClr r="0" g="0" b="0"/>
-      </a:fillRef>
-      <a:effectRef idx="0">
-        <a:scrgbClr r="0" g="0" b="0"/>
-      </a:effectRef>
-      <a:fontRef idx="minor">
-        <a:schemeClr val="lt1"/>
-      </a:fontRef>
-    </dgm:style>
-  </dgm:styleLbl>
-  <dgm:styleLbl name="parChTrans2D3">
-    <dgm:scene3d>
-      <a:camera prst="orthographicFront"/>
-      <a:lightRig rig="threePt" dir="t"/>
-    </dgm:scene3d>
-    <dgm:sp3d/>
-    <dgm:txPr/>
-    <dgm:style>
-      <a:lnRef idx="2">
-        <a:scrgbClr r="0" g="0" b="0"/>
-      </a:lnRef>
-      <a:fillRef idx="1">
-        <a:scrgbClr r="0" g="0" b="0"/>
-      </a:fillRef>
-      <a:effectRef idx="0">
-        <a:scrgbClr r="0" g="0" b="0"/>
-      </a:effectRef>
-      <a:fontRef idx="minor">
-        <a:schemeClr val="lt1"/>
-      </a:fontRef>
-    </dgm:style>
-  </dgm:styleLbl>
-  <dgm:styleLbl name="parChTrans2D4">
-    <dgm:scene3d>
-      <a:camera prst="orthographicFront"/>
-      <a:lightRig rig="threePt" dir="t"/>
-    </dgm:scene3d>
-    <dgm:sp3d/>
-    <dgm:txPr/>
-    <dgm:style>
-      <a:lnRef idx="2">
-        <a:scrgbClr r="0" g="0" b="0"/>
-      </a:lnRef>
-      <a:fillRef idx="1">
-        <a:scrgbClr r="0" g="0" b="0"/>
-      </a:fillRef>
-      <a:effectRef idx="0">
-        <a:scrgbClr r="0" g="0" b="0"/>
-      </a:effectRef>
-      <a:fontRef idx="minor">
-        <a:schemeClr val="lt1"/>
-      </a:fontRef>
-    </dgm:style>
-  </dgm:styleLbl>
-  <dgm:styleLbl name="parChTrans1D1">
-    <dgm:scene3d>
-      <a:camera prst="orthographicFront"/>
-      <a:lightRig rig="threePt" dir="t"/>
-    </dgm:scene3d>
-    <dgm:sp3d/>
-    <dgm:txPr/>
-    <dgm:style>
-      <a:lnRef idx="2">
-        <a:scrgbClr r="0" g="0" b="0"/>
-      </a:lnRef>
-      <a:fillRef idx="0">
-        <a:scrgbClr r="0" g="0" b="0"/>
-      </a:fillRef>
-      <a:effectRef idx="0">
-        <a:scrgbClr r="0" g="0" b="0"/>
-      </a:effectRef>
-      <a:fontRef idx="minor"/>
-    </dgm:style>
-  </dgm:styleLbl>
-  <dgm:styleLbl name="parChTrans1D2">
-    <dgm:scene3d>
-      <a:camera prst="orthographicFront"/>
-      <a:lightRig rig="threePt" dir="t"/>
-    </dgm:scene3d>
-    <dgm:sp3d/>
-    <dgm:txPr/>
-    <dgm:style>
-      <a:lnRef idx="2">
-        <a:scrgbClr r="0" g="0" b="0"/>
-      </a:lnRef>
-      <a:fillRef idx="0">
-        <a:scrgbClr r="0" g="0" b="0"/>
-      </a:fillRef>
-      <a:effectRef idx="0">
-        <a:scrgbClr r="0" g="0" b="0"/>
-      </a:effectRef>
-      <a:fontRef idx="minor"/>
-    </dgm:style>
-  </dgm:styleLbl>
-  <dgm:styleLbl name="parChTrans1D3">
-    <dgm:scene3d>
-      <a:camera prst="orthographicFront"/>
-      <a:lightRig rig="threePt" dir="t"/>
-    </dgm:scene3d>
-    <dgm:sp3d/>
-    <dgm:txPr/>
-    <dgm:style>
-      <a:lnRef idx="2">
-        <a:scrgbClr r="0" g="0" b="0"/>
-      </a:lnRef>
-      <a:fillRef idx="0">
-        <a:scrgbClr r="0" g="0" b="0"/>
-      </a:fillRef>
-      <a:effectRef idx="0">
-        <a:scrgbClr r="0" g="0" b="0"/>
-      </a:effectRef>
-      <a:fontRef idx="minor"/>
-    </dgm:style>
-  </dgm:styleLbl>
-  <dgm:styleLbl name="parChTrans1D4">
-    <dgm:scene3d>
-      <a:camera prst="orthographicFront"/>
-      <a:lightRig rig="threePt" dir="t"/>
-    </dgm:scene3d>
-    <dgm:sp3d/>
-    <dgm:txPr/>
-    <dgm:style>
-      <a:lnRef idx="2">
-        <a:scrgbClr r="0" g="0" b="0"/>
-      </a:lnRef>
-      <a:fillRef idx="0">
-        <a:scrgbClr r="0" g="0" b="0"/>
-      </a:fillRef>
-      <a:effectRef idx="0">
-        <a:scrgbClr r="0" g="0" b="0"/>
-      </a:effectRef>
-      <a:fontRef idx="minor"/>
-    </dgm:style>
-  </dgm:styleLbl>
-  <dgm:styleLbl name="fgAcc1">
-    <dgm:scene3d>
-      <a:camera prst="orthographicFront"/>
-      <a:lightRig rig="threePt" dir="t"/>
-    </dgm:scene3d>
-    <dgm:sp3d/>
-    <dgm:txPr/>
-    <dgm:style>
-      <a:lnRef idx="2">
-        <a:scrgbClr r="0" g="0" b="0"/>
-      </a:lnRef>
-      <a:fillRef idx="1">
-        <a:scrgbClr r="0" g="0" b="0"/>
-      </a:fillRef>
-      <a:effectRef idx="0">
-        <a:scrgbClr r="0" g="0" b="0"/>
-      </a:effectRef>
-      <a:fontRef idx="minor"/>
-    </dgm:style>
-  </dgm:styleLbl>
-  <dgm:styleLbl name="conFgAcc1">
-    <dgm:scene3d>
-      <a:camera prst="orthographicFront"/>
-      <a:lightRig rig="threePt" dir="t"/>
-    </dgm:scene3d>
-    <dgm:sp3d/>
-    <dgm:txPr/>
-    <dgm:style>
-      <a:lnRef idx="2">
-        <a:scrgbClr r="0" g="0" b="0"/>
-      </a:lnRef>
-      <a:fillRef idx="1">
-        <a:scrgbClr r="0" g="0" b="0"/>
-      </a:fillRef>
-      <a:effectRef idx="0">
-        <a:scrgbClr r="0" g="0" b="0"/>
-      </a:effectRef>
-      <a:fontRef idx="minor"/>
-    </dgm:style>
-  </dgm:styleLbl>
-  <dgm:styleLbl name="alignAcc1">
-    <dgm:scene3d>
-      <a:camera prst="orthographicFront"/>
-      <a:lightRig rig="threePt" dir="t"/>
-    </dgm:scene3d>
-    <dgm:sp3d/>
-    <dgm:txPr/>
-    <dgm:style>
-      <a:lnRef idx="2">
-        <a:scrgbClr r="0" g="0" b="0"/>
-      </a:lnRef>
-      <a:fillRef idx="1">
-        <a:scrgbClr r="0" g="0" b="0"/>
-      </a:fillRef>
-      <a:effectRef idx="0">
-        <a:scrgbClr r="0" g="0" b="0"/>
-      </a:effectRef>
-      <a:fontRef idx="minor"/>
-    </dgm:style>
-  </dgm:styleLbl>
-  <dgm:styleLbl name="trAlignAcc1">
-    <dgm:scene3d>
-      <a:camera prst="orthographicFront"/>
-      <a:lightRig rig="threePt" dir="t"/>
-    </dgm:scene3d>
-    <dgm:sp3d/>
-    <dgm:txPr/>
-    <dgm:style>
-      <a:lnRef idx="1">
-        <a:scrgbClr r="0" g="0" b="0"/>
-      </a:lnRef>
-      <a:fillRef idx="1">
-        <a:scrgbClr r="0" g="0" b="0"/>
-      </a:fillRef>
-      <a:effectRef idx="0">
-        <a:scrgbClr r="0" g="0" b="0"/>
-      </a:effectRef>
-      <a:fontRef idx="minor"/>
-    </dgm:style>
-  </dgm:styleLbl>
-  <dgm:styleLbl name="bgAcc1">
-    <dgm:scene3d>
-      <a:camera prst="orthographicFront"/>
-      <a:lightRig rig="threePt" dir="t"/>
-    </dgm:scene3d>
-    <dgm:sp3d/>
-    <dgm:txPr/>
-    <dgm:style>
-      <a:lnRef idx="2">
-        <a:scrgbClr r="0" g="0" b="0"/>
-      </a:lnRef>
-      <a:fillRef idx="1">
-        <a:scrgbClr r="0" g="0" b="0"/>
-      </a:fillRef>
-      <a:effectRef idx="0">
-        <a:scrgbClr r="0" g="0" b="0"/>
-      </a:effectRef>
-      <a:fontRef idx="minor"/>
-    </dgm:style>
-  </dgm:styleLbl>
-  <dgm:styleLbl name="solidFgAcc1">
-    <dgm:scene3d>
-      <a:camera prst="orthographicFront"/>
-      <a:lightRig rig="threePt" dir="t"/>
-    </dgm:scene3d>
-    <dgm:sp3d/>
-    <dgm:txPr/>
-    <dgm:style>
-      <a:lnRef idx="2">
-        <a:scrgbClr r="0" g="0" b="0"/>
-      </a:lnRef>
-      <a:fillRef idx="1">
-        <a:scrgbClr r="0" g="0" b="0"/>
-      </a:fillRef>
-      <a:effectRef idx="0">
-        <a:scrgbClr r="0" g="0" b="0"/>
-      </a:effectRef>
-      <a:fontRef idx="minor"/>
-    </dgm:style>
-  </dgm:styleLbl>
-  <dgm:styleLbl name="solidAlignAcc1">
-    <dgm:scene3d>
-      <a:camera prst="orthographicFront"/>
-      <a:lightRig rig="threePt" dir="t"/>
-    </dgm:scene3d>
-    <dgm:sp3d/>
-    <dgm:txPr/>
-    <dgm:style>
-      <a:lnRef idx="2">
-        <a:scrgbClr r="0" g="0" b="0"/>
-      </a:lnRef>
-      <a:fillRef idx="1">
-        <a:scrgbClr r="0" g="0" b="0"/>
-      </a:fillRef>
-      <a:effectRef idx="0">
-        <a:scrgbClr r="0" g="0" b="0"/>
-      </a:effectRef>
-      <a:fontRef idx="minor"/>
-    </dgm:style>
-  </dgm:styleLbl>
-  <dgm:styleLbl name="solidBgAcc1">
-    <dgm:scene3d>
-      <a:camera prst="orthographicFront"/>
-      <a:lightRig rig="threePt" dir="t"/>
-    </dgm:scene3d>
-    <dgm:sp3d/>
-    <dgm:txPr/>
-    <dgm:style>
-      <a:lnRef idx="2">
-        <a:scrgbClr r="0" g="0" b="0"/>
-      </a:lnRef>
-      <a:fillRef idx="1">
-        <a:scrgbClr r="0" g="0" b="0"/>
-      </a:fillRef>
-      <a:effectRef idx="0">
-        <a:scrgbClr r="0" g="0" b="0"/>
-      </a:effectRef>
-      <a:fontRef idx="minor"/>
-    </dgm:style>
-  </dgm:styleLbl>
-  <dgm:styleLbl name="fgAccFollowNode1">
-    <dgm:scene3d>
-      <a:camera prst="orthographicFront"/>
-      <a:lightRig rig="threePt" dir="t"/>
-    </dgm:scene3d>
-    <dgm:sp3d/>
-    <dgm:txPr/>
-    <dgm:style>
-      <a:lnRef idx="2">
-        <a:scrgbClr r="0" g="0" b="0"/>
-      </a:lnRef>
-      <a:fillRef idx="1">
-        <a:scrgbClr r="0" g="0" b="0"/>
-      </a:fillRef>
-      <a:effectRef idx="0">
-        <a:scrgbClr r="0" g="0" b="0"/>
-      </a:effectRef>
-      <a:fontRef idx="minor"/>
-    </dgm:style>
-  </dgm:styleLbl>
-  <dgm:styleLbl name="alignAccFollowNode1">
-    <dgm:scene3d>
-      <a:camera prst="orthographicFront"/>
-      <a:lightRig rig="threePt" dir="t"/>
-    </dgm:scene3d>
-    <dgm:sp3d/>
-    <dgm:txPr/>
-    <dgm:style>
-      <a:lnRef idx="2">
-        <a:scrgbClr r="0" g="0" b="0"/>
-      </a:lnRef>
-      <a:fillRef idx="1">
-        <a:scrgbClr r="0" g="0" b="0"/>
-      </a:fillRef>
-      <a:effectRef idx="0">
-        <a:scrgbClr r="0" g="0" b="0"/>
-      </a:effectRef>
-      <a:fontRef idx="minor"/>
-    </dgm:style>
-  </dgm:styleLbl>
-  <dgm:styleLbl name="bgAccFollowNode1">
-    <dgm:scene3d>
-      <a:camera prst="orthographicFront"/>
-      <a:lightRig rig="threePt" dir="t"/>
-    </dgm:scene3d>
-    <dgm:sp3d/>
-    <dgm:txPr/>
-    <dgm:style>
-      <a:lnRef idx="2">
-        <a:scrgbClr r="0" g="0" b="0"/>
-      </a:lnRef>
-      <a:fillRef idx="1">
-        <a:scrgbClr r="0" g="0" b="0"/>
-      </a:fillRef>
-      <a:effectRef idx="0">
-        <a:scrgbClr r="0" g="0" b="0"/>
-      </a:effectRef>
-      <a:fontRef idx="minor"/>
-    </dgm:style>
-  </dgm:styleLbl>
-  <dgm:styleLbl name="fgAcc0">
-    <dgm:scene3d>
-      <a:camera prst="orthographicFront"/>
-      <a:lightRig rig="threePt" dir="t"/>
-    </dgm:scene3d>
-    <dgm:sp3d/>
-    <dgm:txPr/>
-    <dgm:style>
-      <a:lnRef idx="2">
-        <a:scrgbClr r="0" g="0" b="0"/>
-      </a:lnRef>
-      <a:fillRef idx="1">
-        <a:scrgbClr r="0" g="0" b="0"/>
-      </a:fillRef>
-      <a:effectRef idx="0">
-        <a:scrgbClr r="0" g="0" b="0"/>
-      </a:effectRef>
-      <a:fontRef idx="minor"/>
-    </dgm:style>
-  </dgm:styleLbl>
-  <dgm:styleLbl name="fgAcc2">
-    <dgm:scene3d>
-      <a:camera prst="orthographicFront"/>
-      <a:lightRig rig="threePt" dir="t"/>
-    </dgm:scene3d>
-    <dgm:sp3d/>
-    <dgm:txPr/>
-    <dgm:style>
-      <a:lnRef idx="2">
-        <a:scrgbClr r="0" g="0" b="0"/>
-      </a:lnRef>
-      <a:fillRef idx="1">
-        <a:scrgbClr r="0" g="0" b="0"/>
-      </a:fillRef>
-      <a:effectRef idx="0">
-        <a:scrgbClr r="0" g="0" b="0"/>
-      </a:effectRef>
-      <a:fontRef idx="minor"/>
-    </dgm:style>
-  </dgm:styleLbl>
-  <dgm:styleLbl name="fgAcc3">
-    <dgm:scene3d>
-      <a:camera prst="orthographicFront"/>
-      <a:lightRig rig="threePt" dir="t"/>
-    </dgm:scene3d>
-    <dgm:sp3d/>
-    <dgm:txPr/>
-    <dgm:style>
-      <a:lnRef idx="2">
-        <a:scrgbClr r="0" g="0" b="0"/>
-      </a:lnRef>
-      <a:fillRef idx="1">
-        <a:scrgbClr r="0" g="0" b="0"/>
-      </a:fillRef>
-      <a:effectRef idx="0">
-        <a:scrgbClr r="0" g="0" b="0"/>
-      </a:effectRef>
-      <a:fontRef idx="minor"/>
-    </dgm:style>
-  </dgm:styleLbl>
-  <dgm:styleLbl name="fgAcc4">
-    <dgm:scene3d>
-      <a:camera prst="orthographicFront"/>
-      <a:lightRig rig="threePt" dir="t"/>
-    </dgm:scene3d>
-    <dgm:sp3d/>
-    <dgm:txPr/>
-    <dgm:style>
-      <a:lnRef idx="2">
-        <a:scrgbClr r="0" g="0" b="0"/>
-      </a:lnRef>
-      <a:fillRef idx="1">
-        <a:scrgbClr r="0" g="0" b="0"/>
-      </a:fillRef>
-      <a:effectRef idx="0">
-        <a:scrgbClr r="0" g="0" b="0"/>
-      </a:effectRef>
-      <a:fontRef idx="minor"/>
-    </dgm:style>
-  </dgm:styleLbl>
-  <dgm:styleLbl name="bgShp">
-    <dgm:scene3d>
-      <a:camera prst="orthographicFront"/>
-      <a:lightRig rig="threePt" dir="t"/>
-    </dgm:scene3d>
-    <dgm:sp3d/>
-    <dgm:txPr/>
-    <dgm:style>
-      <a:lnRef idx="0">
-        <a:scrgbClr r="0" g="0" b="0"/>
-      </a:lnRef>
-      <a:fillRef idx="1">
-        <a:scrgbClr r="0" g="0" b="0"/>
-      </a:fillRef>
-      <a:effectRef idx="0">
-        <a:scrgbClr r="0" g="0" b="0"/>
-      </a:effectRef>
-      <a:fontRef idx="minor"/>
-    </dgm:style>
-  </dgm:styleLbl>
-  <dgm:styleLbl name="dkBgShp">
-    <dgm:scene3d>
-      <a:camera prst="orthographicFront"/>
-      <a:lightRig rig="threePt" dir="t"/>
-    </dgm:scene3d>
-    <dgm:sp3d/>
-    <dgm:txPr/>
-    <dgm:style>
-      <a:lnRef idx="0">
-        <a:scrgbClr r="0" g="0" b="0"/>
-      </a:lnRef>
-      <a:fillRef idx="1">
-        <a:scrgbClr r="0" g="0" b="0"/>
-      </a:fillRef>
-      <a:effectRef idx="0">
-        <a:scrgbClr r="0" g="0" b="0"/>
-      </a:effectRef>
-      <a:fontRef idx="minor"/>
-    </dgm:style>
-  </dgm:styleLbl>
-  <dgm:styleLbl name="trBgShp">
-    <dgm:scene3d>
-      <a:camera prst="orthographicFront"/>
-      <a:lightRig rig="threePt" dir="t"/>
-    </dgm:scene3d>
-    <dgm:sp3d/>
-    <dgm:txPr/>
-    <dgm:style>
-      <a:lnRef idx="0">
-        <a:scrgbClr r="0" g="0" b="0"/>
-      </a:lnRef>
-      <a:fillRef idx="1">
-        <a:scrgbClr r="0" g="0" b="0"/>
-      </a:fillRef>
-      <a:effectRef idx="0">
-        <a:scrgbClr r="0" g="0" b="0"/>
-      </a:effectRef>
-      <a:fontRef idx="minor"/>
-    </dgm:style>
-  </dgm:styleLbl>
-  <dgm:styleLbl name="fgShp">
-    <dgm:scene3d>
-      <a:camera prst="orthographicFront"/>
-      <a:lightRig rig="threePt" dir="t"/>
-    </dgm:scene3d>
-    <dgm:sp3d/>
-    <dgm:txPr/>
-    <dgm:style>
-      <a:lnRef idx="2">
-        <a:scrgbClr r="0" g="0" b="0"/>
-      </a:lnRef>
-      <a:fillRef idx="1">
-        <a:scrgbClr r="0" g="0" b="0"/>
-      </a:fillRef>
-      <a:effectRef idx="0">
-        <a:scrgbClr r="0" g="0" b="0"/>
-      </a:effectRef>
-      <a:fontRef idx="minor"/>
-    </dgm:style>
-  </dgm:styleLbl>
-  <dgm:styleLbl name="revTx">
-    <dgm:scene3d>
-      <a:camera prst="orthographicFront"/>
-      <a:lightRig rig="threePt" dir="t"/>
-    </dgm:scene3d>
-    <dgm:sp3d/>
-    <dgm:txPr/>
-    <dgm:style>
-      <a:lnRef idx="0">
-        <a:scrgbClr r="0" g="0" b="0"/>
-      </a:lnRef>
-      <a:fillRef idx="0">
-        <a:scrgbClr r="0" g="0" b="0"/>
-      </a:fillRef>
-      <a:effectRef idx="0">
-        <a:scrgbClr r="0" g="0" b="0"/>
-      </a:effectRef>
-      <a:fontRef idx="minor"/>
-    </dgm:style>
-  </dgm:styleLbl>
-</dgm:styleDef>
-</file>
-
 <file path=ppt/slideLayouts/slideLayout1.xml><?xml version="1.0" encoding="utf-8"?>
 <p:sldLayout xmlns:a="http://schemas.openxmlformats.org/drawingml/2006/main" xmlns:r="http://schemas.openxmlformats.org/officeDocument/2006/relationships" xmlns:p="http://schemas.openxmlformats.org/presentationml/2006/main" showMasterSp="0" type="title" preserve="1">
   <p:cSld name="Title Slide">
@@ -3252,7 +270,7 @@
         </p:nvSpPr>
         <p:spPr>
           <a:xfrm>
-            <a:off x="1100051" y="4455620"/>
+            <a:off x="1100051" y="4455621"/>
             <a:ext cx="10058400" cy="1143000"/>
           </a:xfrm>
         </p:spPr>
@@ -3418,7 +436,7 @@
     </p:spTree>
     <p:extLst>
       <p:ext uri="{BB962C8B-B14F-4D97-AF65-F5344CB8AC3E}">
-        <p14:creationId xmlns:p14="http://schemas.microsoft.com/office/powerpoint/2010/main" val="2640618543"/>
+        <p14:creationId xmlns:p14="http://schemas.microsoft.com/office/powerpoint/2010/main" val="416200327"/>
       </p:ext>
     </p:extLst>
   </p:cSld>
@@ -3588,7 +606,7 @@
     </p:spTree>
     <p:extLst>
       <p:ext uri="{BB962C8B-B14F-4D97-AF65-F5344CB8AC3E}">
-        <p14:creationId xmlns:p14="http://schemas.microsoft.com/office/powerpoint/2010/main" val="2332229849"/>
+        <p14:creationId xmlns:p14="http://schemas.microsoft.com/office/powerpoint/2010/main" val="3059867018"/>
       </p:ext>
     </p:extLst>
   </p:cSld>
@@ -3703,8 +721,8 @@
         </p:nvSpPr>
         <p:spPr>
           <a:xfrm>
-            <a:off x="8724900" y="414778"/>
-            <a:ext cx="2628900" cy="5757421"/>
+            <a:off x="8724900" y="412302"/>
+            <a:ext cx="2628900" cy="5759898"/>
           </a:xfrm>
         </p:spPr>
         <p:txBody>
@@ -3731,8 +749,8 @@
         </p:nvSpPr>
         <p:spPr>
           <a:xfrm>
-            <a:off x="838200" y="414778"/>
-            <a:ext cx="7734300" cy="5757422"/>
+            <a:off x="838200" y="412302"/>
+            <a:ext cx="7734300" cy="5759898"/>
           </a:xfrm>
         </p:spPr>
         <p:txBody>
@@ -3844,7 +862,7 @@
     </p:spTree>
     <p:extLst>
       <p:ext uri="{BB962C8B-B14F-4D97-AF65-F5344CB8AC3E}">
-        <p14:creationId xmlns:p14="http://schemas.microsoft.com/office/powerpoint/2010/main" val="2951504597"/>
+        <p14:creationId xmlns:p14="http://schemas.microsoft.com/office/powerpoint/2010/main" val="917678566"/>
       </p:ext>
     </p:extLst>
   </p:cSld>
@@ -3884,11 +902,7 @@
         <p:spPr/>
         <p:txBody>
           <a:bodyPr/>
-          <a:lstStyle>
-            <a:lvl1pPr marL="0">
-              <a:defRPr/>
-            </a:lvl1pPr>
-          </a:lstStyle>
+          <a:lstStyle/>
           <a:p>
             <a:r>
               <a:rPr lang="en-US"/>
@@ -4018,7 +1032,7 @@
     </p:spTree>
     <p:extLst>
       <p:ext uri="{BB962C8B-B14F-4D97-AF65-F5344CB8AC3E}">
-        <p14:creationId xmlns:p14="http://schemas.microsoft.com/office/powerpoint/2010/main" val="2994293500"/>
+        <p14:creationId xmlns:p14="http://schemas.microsoft.com/office/powerpoint/2010/main" val="2467076156"/>
       </p:ext>
     </p:extLst>
   </p:cSld>
@@ -4399,7 +1413,7 @@
     </p:spTree>
     <p:extLst>
       <p:ext uri="{BB962C8B-B14F-4D97-AF65-F5344CB8AC3E}">
-        <p14:creationId xmlns:p14="http://schemas.microsoft.com/office/powerpoint/2010/main" val="2334665786"/>
+        <p14:creationId xmlns:p14="http://schemas.microsoft.com/office/powerpoint/2010/main" val="4019936100"/>
       </p:ext>
     </p:extLst>
   </p:cSld>
@@ -4466,7 +1480,7 @@
         </p:nvSpPr>
         <p:spPr>
           <a:xfrm>
-            <a:off x="1097279" y="1845734"/>
+            <a:off x="1097278" y="1845734"/>
             <a:ext cx="4937760" cy="4023360"/>
           </a:xfrm>
         </p:spPr>
@@ -4636,7 +1650,7 @@
     </p:spTree>
     <p:extLst>
       <p:ext uri="{BB962C8B-B14F-4D97-AF65-F5344CB8AC3E}">
-        <p14:creationId xmlns:p14="http://schemas.microsoft.com/office/powerpoint/2010/main" val="2791684058"/>
+        <p14:creationId xmlns:p14="http://schemas.microsoft.com/office/powerpoint/2010/main" val="714159567"/>
       </p:ext>
     </p:extLst>
   </p:cSld>
@@ -5015,7 +2029,7 @@
     </p:spTree>
     <p:extLst>
       <p:ext uri="{BB962C8B-B14F-4D97-AF65-F5344CB8AC3E}">
-        <p14:creationId xmlns:p14="http://schemas.microsoft.com/office/powerpoint/2010/main" val="918444245"/>
+        <p14:creationId xmlns:p14="http://schemas.microsoft.com/office/powerpoint/2010/main" val="965273946"/>
       </p:ext>
     </p:extLst>
   </p:cSld>
@@ -5133,7 +2147,7 @@
     </p:spTree>
     <p:extLst>
       <p:ext uri="{BB962C8B-B14F-4D97-AF65-F5344CB8AC3E}">
-        <p14:creationId xmlns:p14="http://schemas.microsoft.com/office/powerpoint/2010/main" val="3314321439"/>
+        <p14:creationId xmlns:p14="http://schemas.microsoft.com/office/powerpoint/2010/main" val="4052464783"/>
       </p:ext>
     </p:extLst>
   </p:cSld>
@@ -5312,7 +2326,7 @@
     </p:spTree>
     <p:extLst>
       <p:ext uri="{BB962C8B-B14F-4D97-AF65-F5344CB8AC3E}">
-        <p14:creationId xmlns:p14="http://schemas.microsoft.com/office/powerpoint/2010/main" val="1613277416"/>
+        <p14:creationId xmlns:p14="http://schemas.microsoft.com/office/powerpoint/2010/main" val="1618699993"/>
       </p:ext>
     </p:extLst>
   </p:cSld>
@@ -5679,7 +2693,7 @@
     </p:spTree>
     <p:extLst>
       <p:ext uri="{BB962C8B-B14F-4D97-AF65-F5344CB8AC3E}">
-        <p14:creationId xmlns:p14="http://schemas.microsoft.com/office/powerpoint/2010/main" val="1821880209"/>
+        <p14:creationId xmlns:p14="http://schemas.microsoft.com/office/powerpoint/2010/main" val="1464870660"/>
       </p:ext>
     </p:extLst>
   </p:cSld>
@@ -5795,7 +2809,7 @@
         <p:spPr>
           <a:xfrm>
             <a:off x="1097280" y="5074920"/>
-            <a:ext cx="10113264" cy="822960"/>
+            <a:ext cx="10113645" cy="822960"/>
           </a:xfrm>
         </p:spPr>
         <p:txBody>
@@ -5835,23 +2849,18 @@
             <a:off x="15" y="0"/>
             <a:ext cx="12191985" cy="4915076"/>
           </a:xfrm>
-          <a:blipFill>
-            <a:blip r:embed="rId2"/>
-            <a:stretch>
-              <a:fillRect/>
-            </a:stretch>
-          </a:blipFill>
+          <a:solidFill>
+            <a:schemeClr val="bg2">
+              <a:lumMod val="90000"/>
+            </a:schemeClr>
+          </a:solidFill>
         </p:spPr>
         <p:txBody>
           <a:bodyPr lIns="457200" tIns="457200" anchor="t"/>
           <a:lstStyle>
             <a:lvl1pPr marL="0" indent="0">
               <a:buNone/>
-              <a:defRPr sz="3200">
-                <a:solidFill>
-                  <a:schemeClr val="bg1"/>
-                </a:solidFill>
-              </a:defRPr>
+              <a:defRPr sz="3200"/>
             </a:lvl1pPr>
             <a:lvl2pPr marL="457200" indent="0">
               <a:buNone/>
@@ -5907,7 +2916,7 @@
         </p:nvSpPr>
         <p:spPr>
           <a:xfrm>
-            <a:off x="1097280" y="5907023"/>
+            <a:off x="1097280" y="5907024"/>
             <a:ext cx="10113264" cy="594360"/>
           </a:xfrm>
         </p:spPr>
@@ -6040,7 +3049,7 @@
     </p:spTree>
     <p:extLst>
       <p:ext uri="{BB962C8B-B14F-4D97-AF65-F5344CB8AC3E}">
-        <p14:creationId xmlns:p14="http://schemas.microsoft.com/office/powerpoint/2010/main" val="2395282594"/>
+        <p14:creationId xmlns:p14="http://schemas.microsoft.com/office/powerpoint/2010/main" val="1292948287"/>
       </p:ext>
     </p:extLst>
   </p:cSld>
@@ -6118,8 +3127,8 @@
         </p:nvSpPr>
         <p:spPr>
           <a:xfrm>
-            <a:off x="0" y="6334316"/>
-            <a:ext cx="12192001" cy="65998"/>
+            <a:off x="15" y="6334316"/>
+            <a:ext cx="12191985" cy="66484"/>
           </a:xfrm>
           <a:prstGeom prst="rect">
             <a:avLst/>
@@ -6397,23 +3406,23 @@
     </p:spTree>
     <p:extLst>
       <p:ext uri="{BB962C8B-B14F-4D97-AF65-F5344CB8AC3E}">
-        <p14:creationId xmlns:p14="http://schemas.microsoft.com/office/powerpoint/2010/main" val="838862835"/>
+        <p14:creationId xmlns:p14="http://schemas.microsoft.com/office/powerpoint/2010/main" val="3643050593"/>
       </p:ext>
     </p:extLst>
   </p:cSld>
   <p:clrMap bg1="lt1" tx1="dk1" bg2="lt2" tx2="dk2" accent1="accent1" accent2="accent2" accent3="accent3" accent4="accent4" accent5="accent5" accent6="accent6" hlink="hlink" folHlink="folHlink"/>
   <p:sldLayoutIdLst>
-    <p:sldLayoutId id="2147483661" r:id="rId1"/>
-    <p:sldLayoutId id="2147483662" r:id="rId2"/>
-    <p:sldLayoutId id="2147483663" r:id="rId3"/>
-    <p:sldLayoutId id="2147483664" r:id="rId4"/>
-    <p:sldLayoutId id="2147483665" r:id="rId5"/>
-    <p:sldLayoutId id="2147483666" r:id="rId6"/>
-    <p:sldLayoutId id="2147483667" r:id="rId7"/>
-    <p:sldLayoutId id="2147483668" r:id="rId8"/>
-    <p:sldLayoutId id="2147483669" r:id="rId9"/>
-    <p:sldLayoutId id="2147483670" r:id="rId10"/>
-    <p:sldLayoutId id="2147483671" r:id="rId11"/>
+    <p:sldLayoutId id="2147483715" r:id="rId1"/>
+    <p:sldLayoutId id="2147483716" r:id="rId2"/>
+    <p:sldLayoutId id="2147483717" r:id="rId3"/>
+    <p:sldLayoutId id="2147483718" r:id="rId4"/>
+    <p:sldLayoutId id="2147483719" r:id="rId5"/>
+    <p:sldLayoutId id="2147483720" r:id="rId6"/>
+    <p:sldLayoutId id="2147483721" r:id="rId7"/>
+    <p:sldLayoutId id="2147483722" r:id="rId8"/>
+    <p:sldLayoutId id="2147483723" r:id="rId9"/>
+    <p:sldLayoutId id="2147483724" r:id="rId10"/>
+    <p:sldLayoutId id="2147483725" r:id="rId11"/>
   </p:sldLayoutIdLst>
   <p:txStyles>
     <p:titleStyle>
@@ -6786,6 +3795,14 @@
 <file path=ppt/slides/slide1.xml><?xml version="1.0" encoding="utf-8"?>
 <p:sld xmlns:a="http://schemas.openxmlformats.org/drawingml/2006/main" xmlns:r="http://schemas.openxmlformats.org/officeDocument/2006/relationships" xmlns:p="http://schemas.openxmlformats.org/presentationml/2006/main">
   <p:cSld>
+    <p:bg>
+      <p:bgPr>
+        <a:solidFill>
+          <a:schemeClr val="bg1"/>
+        </a:solidFill>
+        <a:effectLst/>
+      </p:bgPr>
+    </p:bg>
     <p:spTree>
       <p:nvGrpSpPr>
         <p:cNvPr id="1" name=""/>
@@ -6800,6 +3817,66 @@
           <a:chExt cx="0" cy="0"/>
         </a:xfrm>
       </p:grpSpPr>
+      <p:sp useBgFill="1">
+        <p:nvSpPr>
+          <p:cNvPr id="8" name="Rectangle 7">
+            <a:extLst>
+              <a:ext uri="{FF2B5EF4-FFF2-40B4-BE49-F238E27FC236}">
+                <a16:creationId xmlns:a16="http://schemas.microsoft.com/office/drawing/2014/main" id="{FBDCECDC-EEE3-4128-AA5E-82A8C08796E8}"/>
+              </a:ext>
+              <a:ext uri="{C183D7F6-B498-43B3-948B-1728B52AA6E4}">
+                <adec:decorative xmlns:adec="http://schemas.microsoft.com/office/drawing/2017/decorative" val="1"/>
+              </a:ext>
+            </a:extLst>
+          </p:cNvPr>
+          <p:cNvSpPr>
+            <a:spLocks noGrp="1" noRot="1" noChangeAspect="1" noMove="1" noResize="1" noEditPoints="1" noAdjustHandles="1" noChangeArrowheads="1" noChangeShapeType="1" noTextEdit="1"/>
+          </p:cNvSpPr>
+          <p:nvPr>
+            <p:extLst>
+              <p:ext uri="{386F3935-93C4-4BCD-93E2-E3B085C9AB24}">
+                <p16:designElem xmlns:p16="http://schemas.microsoft.com/office/powerpoint/2015/main" val="1"/>
+              </p:ext>
+            </p:extLst>
+          </p:nvPr>
+        </p:nvSpPr>
+        <p:spPr>
+          <a:xfrm>
+            <a:off x="1507" y="0"/>
+            <a:ext cx="12192000" cy="6858000"/>
+          </a:xfrm>
+          <a:prstGeom prst="rect">
+            <a:avLst/>
+          </a:prstGeom>
+          <a:ln>
+            <a:noFill/>
+          </a:ln>
+        </p:spPr>
+        <p:style>
+          <a:lnRef idx="2">
+            <a:schemeClr val="accent1">
+              <a:shade val="50000"/>
+            </a:schemeClr>
+          </a:lnRef>
+          <a:fillRef idx="1">
+            <a:schemeClr val="accent1"/>
+          </a:fillRef>
+          <a:effectRef idx="0">
+            <a:schemeClr val="accent1"/>
+          </a:effectRef>
+          <a:fontRef idx="minor">
+            <a:schemeClr val="lt1"/>
+          </a:fontRef>
+        </p:style>
+        <p:txBody>
+          <a:bodyPr rtlCol="0" anchor="ctr"/>
+          <a:lstStyle/>
+          <a:p>
+            <a:pPr algn="ctr"/>
+            <a:endParaRPr lang="en-US"/>
+          </a:p>
+        </p:txBody>
+      </p:sp>
       <p:sp>
         <p:nvSpPr>
           <p:cNvPr id="2" name="Title 1">
@@ -6816,15 +3893,84 @@
             <p:ph type="ctrTitle"/>
           </p:nvPr>
         </p:nvSpPr>
-        <p:spPr/>
+        <p:spPr>
+          <a:xfrm>
+            <a:off x="1097280" y="758952"/>
+            <a:ext cx="10058400" cy="3892168"/>
+          </a:xfrm>
+        </p:spPr>
+        <p:txBody>
+          <a:bodyPr>
+            <a:normAutofit/>
+          </a:bodyPr>
+          <a:lstStyle/>
+          <a:p>
+            <a:r>
+              <a:rPr lang="en-US" dirty="0"/>
+              <a:t>Project 5: I2C Reading an Analog Temperature Sensor with an ADC</a:t>
+            </a:r>
+          </a:p>
+        </p:txBody>
+      </p:sp>
+      <p:sp>
+        <p:nvSpPr>
+          <p:cNvPr id="10" name="Rectangle 9">
+            <a:extLst>
+              <a:ext uri="{FF2B5EF4-FFF2-40B4-BE49-F238E27FC236}">
+                <a16:creationId xmlns:a16="http://schemas.microsoft.com/office/drawing/2014/main" id="{4260EDE0-989C-4E16-AF94-F652294D828E}"/>
+              </a:ext>
+              <a:ext uri="{C183D7F6-B498-43B3-948B-1728B52AA6E4}">
+                <adec:decorative xmlns:adec="http://schemas.microsoft.com/office/drawing/2017/decorative" val="1"/>
+              </a:ext>
+            </a:extLst>
+          </p:cNvPr>
+          <p:cNvSpPr>
+            <a:spLocks noGrp="1" noRot="1" noChangeAspect="1" noMove="1" noResize="1" noEditPoints="1" noAdjustHandles="1" noChangeArrowheads="1" noChangeShapeType="1" noTextEdit="1"/>
+          </p:cNvSpPr>
+          <p:nvPr>
+            <p:extLst>
+              <p:ext uri="{386F3935-93C4-4BCD-93E2-E3B085C9AB24}">
+                <p16:designElem xmlns:p16="http://schemas.microsoft.com/office/powerpoint/2015/main" val="1"/>
+              </p:ext>
+            </p:extLst>
+          </p:nvPr>
+        </p:nvSpPr>
+        <p:spPr bwMode="white">
+          <a:xfrm>
+            <a:off x="1507" y="4953000"/>
+            <a:ext cx="12188952" cy="1905000"/>
+          </a:xfrm>
+          <a:prstGeom prst="rect">
+            <a:avLst/>
+          </a:prstGeom>
+          <a:solidFill>
+            <a:schemeClr val="accent2"/>
+          </a:solidFill>
+          <a:ln>
+            <a:noFill/>
+          </a:ln>
+        </p:spPr>
+        <p:style>
+          <a:lnRef idx="2">
+            <a:schemeClr val="accent1">
+              <a:shade val="50000"/>
+            </a:schemeClr>
+          </a:lnRef>
+          <a:fillRef idx="1">
+            <a:schemeClr val="accent1"/>
+          </a:fillRef>
+          <a:effectRef idx="0">
+            <a:schemeClr val="accent1"/>
+          </a:effectRef>
+          <a:fontRef idx="minor">
+            <a:schemeClr val="lt1"/>
+          </a:fontRef>
+        </p:style>
         <p:txBody>
           <a:bodyPr/>
           <a:lstStyle/>
           <a:p>
-            <a:r>
-              <a:rPr lang="en-US" dirty="0"/>
-              <a:t>Project 4: I2C Compatible Peripherals (LCD and LED Bar)</a:t>
-            </a:r>
+            <a:endParaRPr lang="en-US"/>
           </a:p>
         </p:txBody>
       </p:sp>
@@ -6844,15 +3990,88 @@
             <p:ph type="subTitle" idx="1"/>
           </p:nvPr>
         </p:nvSpPr>
-        <p:spPr/>
+        <p:spPr>
+          <a:xfrm>
+            <a:off x="1100051" y="5225240"/>
+            <a:ext cx="10058400" cy="1143000"/>
+          </a:xfrm>
+        </p:spPr>
+        <p:txBody>
+          <a:bodyPr>
+            <a:normAutofit/>
+          </a:bodyPr>
+          <a:lstStyle/>
+          <a:p>
+            <a:r>
+              <a:rPr lang="en-US">
+                <a:solidFill>
+                  <a:srgbClr val="FFFFFF"/>
+                </a:solidFill>
+              </a:rPr>
+              <a:t>Beau Coburn &amp; Aaron Foster</a:t>
+            </a:r>
+          </a:p>
+        </p:txBody>
+      </p:sp>
+      <p:sp>
+        <p:nvSpPr>
+          <p:cNvPr id="12" name="Rectangle 11">
+            <a:extLst>
+              <a:ext uri="{FF2B5EF4-FFF2-40B4-BE49-F238E27FC236}">
+                <a16:creationId xmlns:a16="http://schemas.microsoft.com/office/drawing/2014/main" id="{1F3985C0-E548-44D2-B30E-F3E42DADE133}"/>
+              </a:ext>
+              <a:ext uri="{C183D7F6-B498-43B3-948B-1728B52AA6E4}">
+                <adec:decorative xmlns:adec="http://schemas.microsoft.com/office/drawing/2017/decorative" val="1"/>
+              </a:ext>
+            </a:extLst>
+          </p:cNvPr>
+          <p:cNvSpPr>
+            <a:spLocks noGrp="1" noRot="1" noChangeAspect="1" noMove="1" noResize="1" noEditPoints="1" noAdjustHandles="1" noChangeArrowheads="1" noChangeShapeType="1" noTextEdit="1"/>
+          </p:cNvSpPr>
+          <p:nvPr>
+            <p:extLst>
+              <p:ext uri="{386F3935-93C4-4BCD-93E2-E3B085C9AB24}">
+                <p16:designElem xmlns:p16="http://schemas.microsoft.com/office/powerpoint/2015/main" val="1"/>
+              </p:ext>
+            </p:extLst>
+          </p:nvPr>
+        </p:nvSpPr>
+        <p:spPr>
+          <a:xfrm>
+            <a:off x="1507" y="4906176"/>
+            <a:ext cx="12188952" cy="64008"/>
+          </a:xfrm>
+          <a:prstGeom prst="rect">
+            <a:avLst/>
+          </a:prstGeom>
+          <a:solidFill>
+            <a:schemeClr val="accent1"/>
+          </a:solidFill>
+          <a:ln>
+            <a:noFill/>
+          </a:ln>
+        </p:spPr>
+        <p:style>
+          <a:lnRef idx="2">
+            <a:schemeClr val="accent1">
+              <a:shade val="50000"/>
+            </a:schemeClr>
+          </a:lnRef>
+          <a:fillRef idx="1">
+            <a:schemeClr val="accent1"/>
+          </a:fillRef>
+          <a:effectRef idx="0">
+            <a:schemeClr val="accent1"/>
+          </a:effectRef>
+          <a:fontRef idx="minor">
+            <a:schemeClr val="lt1"/>
+          </a:fontRef>
+        </p:style>
         <p:txBody>
           <a:bodyPr/>
           <a:lstStyle/>
           <a:p>
-            <a:r>
-              <a:rPr lang="en-US" dirty="0"/>
-              <a:t>Beau Coburn &amp; Aaron Foster</a:t>
-            </a:r>
+            <a:endParaRPr lang="en-US"/>
           </a:p>
         </p:txBody>
       </p:sp>
@@ -6896,10 +4115,10 @@
       </p:grpSpPr>
       <p:sp useBgFill="1">
         <p:nvSpPr>
-          <p:cNvPr id="19" name="Rectangle 18">
+          <p:cNvPr id="8" name="Rectangle 7">
             <a:extLst>
               <a:ext uri="{FF2B5EF4-FFF2-40B4-BE49-F238E27FC236}">
-                <a16:creationId xmlns:a16="http://schemas.microsoft.com/office/drawing/2014/main" id="{E5958DBC-F4DA-42A8-8C52-860179790ECD}"/>
+                <a16:creationId xmlns:a16="http://schemas.microsoft.com/office/drawing/2014/main" id="{35230A27-1553-42F8-99D7-829868E13715}"/>
               </a:ext>
               <a:ext uri="{C183D7F6-B498-43B3-948B-1728B52AA6E4}">
                 <adec:decorative xmlns:adec="http://schemas.microsoft.com/office/drawing/2017/decorative" val="1"/>
@@ -6920,7 +4139,7 @@
         <p:spPr>
           <a:xfrm>
             <a:off x="0" y="0"/>
-            <a:ext cx="12192001" cy="6334316"/>
+            <a:ext cx="12188952" cy="6858000"/>
           </a:xfrm>
           <a:prstGeom prst="rect">
             <a:avLst/>
@@ -6956,10 +4175,73 @@
       </p:sp>
       <p:sp>
         <p:nvSpPr>
+          <p:cNvPr id="10" name="Rectangle 9">
+            <a:extLst>
+              <a:ext uri="{FF2B5EF4-FFF2-40B4-BE49-F238E27FC236}">
+                <a16:creationId xmlns:a16="http://schemas.microsoft.com/office/drawing/2014/main" id="{A772232D-B4D6-429F-B3D1-2D9891B85E08}"/>
+              </a:ext>
+              <a:ext uri="{C183D7F6-B498-43B3-948B-1728B52AA6E4}">
+                <adec:decorative xmlns:adec="http://schemas.microsoft.com/office/drawing/2017/decorative" val="1"/>
+              </a:ext>
+            </a:extLst>
+          </p:cNvPr>
+          <p:cNvSpPr>
+            <a:spLocks noGrp="1" noRot="1" noChangeAspect="1" noMove="1" noResize="1" noEditPoints="1" noAdjustHandles="1" noChangeArrowheads="1" noChangeShapeType="1" noTextEdit="1"/>
+          </p:cNvSpPr>
+          <p:nvPr>
+            <p:extLst>
+              <p:ext uri="{386F3935-93C4-4BCD-93E2-E3B085C9AB24}">
+                <p16:designElem xmlns:p16="http://schemas.microsoft.com/office/powerpoint/2015/main" val="1"/>
+              </p:ext>
+            </p:extLst>
+          </p:nvPr>
+        </p:nvSpPr>
+        <p:spPr bwMode="ltGray">
+          <a:xfrm>
+            <a:off x="321564" y="320040"/>
+            <a:ext cx="11548872" cy="6217920"/>
+          </a:xfrm>
+          <a:prstGeom prst="rect">
+            <a:avLst/>
+          </a:prstGeom>
+          <a:solidFill>
+            <a:schemeClr val="bg2"/>
+          </a:solidFill>
+          <a:ln w="127000" cap="sq" cmpd="thinThick">
+            <a:noFill/>
+          </a:ln>
+        </p:spPr>
+        <p:style>
+          <a:lnRef idx="2">
+            <a:schemeClr val="accent1">
+              <a:shade val="50000"/>
+            </a:schemeClr>
+          </a:lnRef>
+          <a:fillRef idx="1">
+            <a:schemeClr val="accent1"/>
+          </a:fillRef>
+          <a:effectRef idx="0">
+            <a:schemeClr val="accent1"/>
+          </a:effectRef>
+          <a:fontRef idx="minor">
+            <a:schemeClr val="lt1"/>
+          </a:fontRef>
+        </p:style>
+        <p:txBody>
+          <a:bodyPr rtlCol="0" anchor="ctr"/>
+          <a:lstStyle/>
+          <a:p>
+            <a:pPr algn="ctr"/>
+            <a:endParaRPr lang="en-US"/>
+          </a:p>
+        </p:txBody>
+      </p:sp>
+      <p:sp>
+        <p:nvSpPr>
           <p:cNvPr id="2" name="Title 1">
             <a:extLst>
               <a:ext uri="{FF2B5EF4-FFF2-40B4-BE49-F238E27FC236}">
-                <a16:creationId xmlns:a16="http://schemas.microsoft.com/office/drawing/2014/main" id="{C372E0A1-A3DD-6992-040B-65A715BC27B2}"/>
+                <a16:creationId xmlns:a16="http://schemas.microsoft.com/office/drawing/2014/main" id="{40235AF2-2319-48AA-9479-673AA45618CD}"/>
               </a:ext>
             </a:extLst>
           </p:cNvPr>
@@ -6972,75 +4254,30 @@
         </p:nvSpPr>
         <p:spPr>
           <a:xfrm>
-            <a:off x="5144679" y="634946"/>
-            <a:ext cx="6405063" cy="1450757"/>
-          </a:xfrm>
-        </p:spPr>
-        <p:txBody>
-          <a:bodyPr>
+            <a:off x="965030" y="963997"/>
+            <a:ext cx="3254691" cy="4938361"/>
+          </a:xfrm>
+        </p:spPr>
+        <p:txBody>
+          <a:bodyPr anchor="ctr">
             <a:normAutofit/>
           </a:bodyPr>
           <a:lstStyle/>
           <a:p>
-            <a:r>
-              <a:rPr lang="en-US" dirty="0">
-                <a:ea typeface="Calibri Light"/>
-                <a:cs typeface="Calibri Light"/>
-              </a:rPr>
-              <a:t>Issues</a:t>
-            </a:r>
-            <a:br>
-              <a:rPr lang="en-US" sz="2000" dirty="0">
-                <a:ea typeface="Calibri Light"/>
-                <a:cs typeface="Calibri Light"/>
-              </a:rPr>
-            </a:br>
-            <a:r>
-              <a:rPr lang="en-US" sz="2000" dirty="0">
-                <a:ea typeface="Calibri Light"/>
-                <a:cs typeface="Calibri Light"/>
-              </a:rPr>
-              <a:t>Memory</a:t>
-            </a:r>
-          </a:p>
-        </p:txBody>
-      </p:sp>
-      <p:pic>
-        <p:nvPicPr>
-          <p:cNvPr id="5" name="Picture 4" descr="A screenshot of a computer&#10;&#10;AI-generated content may be incorrect.">
+            <a:pPr algn="r"/>
+            <a:r>
+              <a:rPr lang="en-US" sz="4400"/>
+              <a:t>Final Result</a:t>
+            </a:r>
+          </a:p>
+        </p:txBody>
+      </p:sp>
+      <p:cxnSp>
+        <p:nvCxnSpPr>
+          <p:cNvPr id="12" name="Straight Connector 11">
             <a:extLst>
               <a:ext uri="{FF2B5EF4-FFF2-40B4-BE49-F238E27FC236}">
-                <a16:creationId xmlns:a16="http://schemas.microsoft.com/office/drawing/2014/main" id="{9CB3BB00-549B-C6B0-707C-4075C2041A20}"/>
-              </a:ext>
-            </a:extLst>
-          </p:cNvPr>
-          <p:cNvPicPr>
-            <a:picLocks noChangeAspect="1"/>
-          </p:cNvPicPr>
-          <p:nvPr/>
-        </p:nvPicPr>
-        <p:blipFill>
-          <a:blip r:embed="rId2"/>
-          <a:stretch>
-            <a:fillRect/>
-          </a:stretch>
-        </p:blipFill>
-        <p:spPr>
-          <a:xfrm>
-            <a:off x="1927961" y="4033185"/>
-            <a:ext cx="8333504" cy="1969888"/>
-          </a:xfrm>
-          <a:prstGeom prst="rect">
-            <a:avLst/>
-          </a:prstGeom>
-        </p:spPr>
-      </p:pic>
-      <p:cxnSp>
-        <p:nvCxnSpPr>
-          <p:cNvPr id="21" name="Straight Connector 20">
-            <a:extLst>
-              <a:ext uri="{FF2B5EF4-FFF2-40B4-BE49-F238E27FC236}">
-                <a16:creationId xmlns:a16="http://schemas.microsoft.com/office/drawing/2014/main" id="{79FCC9A9-2031-4283-9B27-34B62BB7F305}"/>
+                <a16:creationId xmlns:a16="http://schemas.microsoft.com/office/drawing/2014/main" id="{02CC3441-26B3-4381-B3DF-8AE3C288BC0D}"/>
               </a:ext>
               <a:ext uri="{C183D7F6-B498-43B3-948B-1728B52AA6E4}">
                 <adec:decorative xmlns:adec="http://schemas.microsoft.com/office/drawing/2017/decorative" val="1"/>
@@ -7060,19 +4297,15 @@
         </p:nvCxnSpPr>
         <p:spPr>
           <a:xfrm>
-            <a:off x="5181247" y="2086188"/>
-            <a:ext cx="5852160" cy="0"/>
+            <a:off x="4650251" y="2057399"/>
+            <a:ext cx="0" cy="2743200"/>
           </a:xfrm>
           <a:prstGeom prst="line">
             <a:avLst/>
           </a:prstGeom>
-          <a:ln w="6350">
+          <a:ln w="19050">
             <a:solidFill>
-              <a:schemeClr val="tx1">
-                <a:lumMod val="50000"/>
-                <a:lumOff val="50000"/>
-                <a:alpha val="90000"/>
-              </a:schemeClr>
+              <a:schemeClr val="tx2"/>
             </a:solidFill>
           </a:ln>
         </p:spPr>
@@ -7091,45 +4324,15 @@
           </a:fontRef>
         </p:style>
       </p:cxnSp>
-      <p:pic>
-        <p:nvPicPr>
-          <p:cNvPr id="6" name="Picture 5" descr="A screenshot of a computer program&#10;&#10;AI-generated content may be incorrect.">
+      <p:sp>
+        <p:nvSpPr>
+          <p:cNvPr id="3" name="Content Placeholder 2">
             <a:extLst>
               <a:ext uri="{FF2B5EF4-FFF2-40B4-BE49-F238E27FC236}">
-                <a16:creationId xmlns:a16="http://schemas.microsoft.com/office/drawing/2014/main" id="{08B33A48-397D-268E-2D57-94E3C8474C79}"/>
+                <a16:creationId xmlns:a16="http://schemas.microsoft.com/office/drawing/2014/main" id="{E1EFADA3-3A20-2CB0-FE37-BF462141D5AA}"/>
               </a:ext>
             </a:extLst>
           </p:cNvPr>
-          <p:cNvPicPr>
-            <a:picLocks noChangeAspect="1"/>
-          </p:cNvPicPr>
-          <p:nvPr/>
-        </p:nvPicPr>
-        <p:blipFill>
-          <a:blip r:embed="rId3"/>
-          <a:stretch>
-            <a:fillRect/>
-          </a:stretch>
-        </p:blipFill>
-        <p:spPr>
-          <a:xfrm>
-            <a:off x="224244" y="2527411"/>
-            <a:ext cx="4530692" cy="1154571"/>
-          </a:xfrm>
-          <a:prstGeom prst="rect">
-            <a:avLst/>
-          </a:prstGeom>
-        </p:spPr>
-      </p:pic>
-      <p:sp>
-        <p:nvSpPr>
-          <p:cNvPr id="3" name="Content Placeholder 2">
-            <a:extLst>
-              <a:ext uri="{FF2B5EF4-FFF2-40B4-BE49-F238E27FC236}">
-                <a16:creationId xmlns:a16="http://schemas.microsoft.com/office/drawing/2014/main" id="{1936577C-DB57-32AC-9ED3-04D648FD9F7D}"/>
-              </a:ext>
-            </a:extLst>
-          </p:cNvPr>
           <p:cNvSpPr>
             <a:spLocks noGrp="1"/>
           </p:cNvSpPr>
@@ -7139,285 +4342,62 @@
         </p:nvSpPr>
         <p:spPr>
           <a:xfrm>
-            <a:off x="5144679" y="2198914"/>
-            <a:ext cx="6405063" cy="3670180"/>
-          </a:xfrm>
-        </p:spPr>
-        <p:txBody>
-          <a:bodyPr vert="horz" lIns="0" tIns="45720" rIns="0" bIns="45720" rtlCol="0">
+            <a:off x="5134882" y="963507"/>
+            <a:ext cx="6135097" cy="4938851"/>
+          </a:xfrm>
+        </p:spPr>
+        <p:txBody>
+          <a:bodyPr anchor="ctr">
             <a:normAutofit/>
           </a:bodyPr>
           <a:lstStyle/>
           <a:p>
-            <a:pPr>
-              <a:buChar char="-"/>
+            <a:pPr marL="201168" lvl="1" indent="0">
+              <a:buNone/>
             </a:pPr>
             <a:r>
-              <a:rPr lang="en-US" dirty="0">
-                <a:ea typeface="Calibri"/>
-                <a:cs typeface="Calibri"/>
-              </a:rPr>
-              <a:t>MSP430FR2310 has 1KB ram</a:t>
-            </a:r>
-          </a:p>
-          <a:p>
-            <a:pPr>
-              <a:buChar char="-"/>
-            </a:pPr>
-            <a:r>
-              <a:rPr lang="en-US" dirty="0">
-                <a:ea typeface="Calibri"/>
-                <a:cs typeface="Calibri"/>
-              </a:rPr>
-              <a:t>Executable memory</a:t>
-            </a:r>
-          </a:p>
-          <a:p>
-            <a:pPr>
-              <a:buChar char="-"/>
-            </a:pPr>
-            <a:r>
-              <a:rPr lang="en-US" dirty="0">
-                <a:ea typeface="Calibri"/>
-                <a:cs typeface="Calibri"/>
-              </a:rPr>
-              <a:t>Fixed by changing compiler settings and initialization streamlines</a:t>
-            </a:r>
-          </a:p>
-        </p:txBody>
-      </p:sp>
-      <p:sp>
-        <p:nvSpPr>
-          <p:cNvPr id="23" name="Rectangle 22">
-            <a:extLst>
-              <a:ext uri="{FF2B5EF4-FFF2-40B4-BE49-F238E27FC236}">
-                <a16:creationId xmlns:a16="http://schemas.microsoft.com/office/drawing/2014/main" id="{51DDD252-D7C8-4CE5-9C61-D60D722BC217}"/>
-              </a:ext>
-              <a:ext uri="{C183D7F6-B498-43B3-948B-1728B52AA6E4}">
-                <adec:decorative xmlns:adec="http://schemas.microsoft.com/office/drawing/2017/decorative" val="1"/>
-              </a:ext>
-            </a:extLst>
-          </p:cNvPr>
-          <p:cNvSpPr>
-            <a:spLocks noGrp="1" noRot="1" noChangeAspect="1" noMove="1" noResize="1" noEditPoints="1" noAdjustHandles="1" noChangeArrowheads="1" noChangeShapeType="1" noTextEdit="1"/>
-          </p:cNvSpPr>
-          <p:nvPr>
-            <p:extLst>
-              <p:ext uri="{386F3935-93C4-4BCD-93E2-E3B085C9AB24}">
-                <p16:designElem xmlns:p16="http://schemas.microsoft.com/office/powerpoint/2015/main" val="1"/>
-              </p:ext>
-            </p:extLst>
-          </p:nvPr>
-        </p:nvSpPr>
-        <p:spPr>
-          <a:xfrm>
-            <a:off x="15" y="6334316"/>
-            <a:ext cx="12191985" cy="66484"/>
-          </a:xfrm>
-          <a:prstGeom prst="rect">
-            <a:avLst/>
-          </a:prstGeom>
-          <a:solidFill>
-            <a:schemeClr val="accent1"/>
-          </a:solidFill>
-          <a:ln>
-            <a:noFill/>
-          </a:ln>
-        </p:spPr>
-        <p:style>
-          <a:lnRef idx="2">
-            <a:schemeClr val="accent1">
-              <a:shade val="50000"/>
-            </a:schemeClr>
-          </a:lnRef>
-          <a:fillRef idx="1">
-            <a:schemeClr val="accent1"/>
-          </a:fillRef>
-          <a:effectRef idx="0">
-            <a:schemeClr val="accent1"/>
-          </a:effectRef>
-          <a:fontRef idx="minor">
-            <a:schemeClr val="lt1"/>
-          </a:fontRef>
-        </p:style>
-        <p:txBody>
-          <a:bodyPr/>
-          <a:lstStyle/>
-          <a:p>
-            <a:endParaRPr lang="en-US"/>
-          </a:p>
-        </p:txBody>
-      </p:sp>
-      <p:sp>
-        <p:nvSpPr>
-          <p:cNvPr id="25" name="Rectangle 24">
-            <a:extLst>
-              <a:ext uri="{FF2B5EF4-FFF2-40B4-BE49-F238E27FC236}">
-                <a16:creationId xmlns:a16="http://schemas.microsoft.com/office/drawing/2014/main" id="{2FBD75F5-C49C-4F6A-8D43-7A5939C23307}"/>
-              </a:ext>
-              <a:ext uri="{C183D7F6-B498-43B3-948B-1728B52AA6E4}">
-                <adec:decorative xmlns:adec="http://schemas.microsoft.com/office/drawing/2017/decorative" val="1"/>
-              </a:ext>
-            </a:extLst>
-          </p:cNvPr>
-          <p:cNvSpPr>
-            <a:spLocks noGrp="1" noRot="1" noChangeAspect="1" noMove="1" noResize="1" noEditPoints="1" noAdjustHandles="1" noChangeArrowheads="1" noChangeShapeType="1" noTextEdit="1"/>
-          </p:cNvSpPr>
-          <p:nvPr>
-            <p:extLst>
-              <p:ext uri="{386F3935-93C4-4BCD-93E2-E3B085C9AB24}">
-                <p16:designElem xmlns:p16="http://schemas.microsoft.com/office/powerpoint/2015/main" val="1"/>
-              </p:ext>
-            </p:extLst>
-          </p:nvPr>
-        </p:nvSpPr>
-        <p:spPr>
-          <a:xfrm>
-            <a:off x="1" y="6400800"/>
-            <a:ext cx="12192000" cy="457200"/>
-          </a:xfrm>
-          <a:prstGeom prst="rect">
-            <a:avLst/>
-          </a:prstGeom>
-          <a:solidFill>
-            <a:schemeClr val="accent2"/>
-          </a:solidFill>
-          <a:ln>
-            <a:noFill/>
-          </a:ln>
-        </p:spPr>
-        <p:style>
-          <a:lnRef idx="2">
-            <a:schemeClr val="accent1">
-              <a:shade val="50000"/>
-            </a:schemeClr>
-          </a:lnRef>
-          <a:fillRef idx="1">
-            <a:schemeClr val="accent1"/>
-          </a:fillRef>
-          <a:effectRef idx="0">
-            <a:schemeClr val="accent1"/>
-          </a:effectRef>
-          <a:fontRef idx="minor">
-            <a:schemeClr val="lt1"/>
-          </a:fontRef>
-        </p:style>
-        <p:txBody>
-          <a:bodyPr/>
-          <a:lstStyle/>
-          <a:p>
-            <a:endParaRPr lang="en-US"/>
+              <a:rPr lang="en-US" dirty="0"/>
+              <a:t>Master-slave communications that is capable of:</a:t>
+            </a:r>
+          </a:p>
+          <a:p>
+            <a:pPr lvl="2"/>
+            <a:r>
+              <a:rPr lang="en-US" sz="1800" dirty="0"/>
+              <a:t>Reading an analog temperature sensor</a:t>
+            </a:r>
+          </a:p>
+          <a:p>
+            <a:pPr lvl="2"/>
+            <a:r>
+              <a:rPr lang="en-US" sz="1800" dirty="0"/>
+              <a:t>Constantly displaying the average temperature value over time</a:t>
+            </a:r>
+          </a:p>
+          <a:p>
+            <a:pPr lvl="2"/>
+            <a:r>
+              <a:rPr lang="en-US" sz="1800" dirty="0"/>
+              <a:t>LED bar patterns </a:t>
+            </a:r>
+          </a:p>
+          <a:p>
+            <a:pPr lvl="2"/>
+            <a:r>
+              <a:rPr lang="en-US" sz="1800" dirty="0"/>
+              <a:t>Displaying the current master state on an LCD screen</a:t>
+            </a:r>
+          </a:p>
+          <a:p>
+            <a:pPr lvl="1"/>
+            <a:endParaRPr lang="en-US" dirty="0"/>
           </a:p>
         </p:txBody>
       </p:sp>
     </p:spTree>
     <p:extLst>
       <p:ext uri="{BB962C8B-B14F-4D97-AF65-F5344CB8AC3E}">
-        <p14:creationId xmlns:p14="http://schemas.microsoft.com/office/powerpoint/2010/main" val="772029492"/>
-      </p:ext>
-    </p:extLst>
-  </p:cSld>
-  <p:clrMapOvr>
-    <a:masterClrMapping/>
-  </p:clrMapOvr>
-</p:sld>
-</file>
-
-<file path=ppt/slides/slide11.xml><?xml version="1.0" encoding="utf-8"?>
-<p:sld xmlns:a="http://schemas.openxmlformats.org/drawingml/2006/main" xmlns:r="http://schemas.openxmlformats.org/officeDocument/2006/relationships" xmlns:p="http://schemas.openxmlformats.org/presentationml/2006/main">
-  <p:cSld>
-    <p:bg>
-      <p:bgPr>
-        <a:solidFill>
-          <a:schemeClr val="bg1"/>
-        </a:solidFill>
-        <a:effectLst/>
-      </p:bgPr>
-    </p:bg>
-    <p:spTree>
-      <p:nvGrpSpPr>
-        <p:cNvPr id="1" name=""/>
-        <p:cNvGrpSpPr/>
-        <p:nvPr/>
-      </p:nvGrpSpPr>
-      <p:grpSpPr>
-        <a:xfrm>
-          <a:off x="0" y="0"/>
-          <a:ext cx="0" cy="0"/>
-          <a:chOff x="0" y="0"/>
-          <a:chExt cx="0" cy="0"/>
-        </a:xfrm>
-      </p:grpSpPr>
-      <p:sp>
-        <p:nvSpPr>
-          <p:cNvPr id="2" name="Title 1">
-            <a:extLst>
-              <a:ext uri="{FF2B5EF4-FFF2-40B4-BE49-F238E27FC236}">
-                <a16:creationId xmlns:a16="http://schemas.microsoft.com/office/drawing/2014/main" id="{5F1D66B1-6005-5AC7-36F7-84B33FA5083C}"/>
-              </a:ext>
-            </a:extLst>
-          </p:cNvPr>
-          <p:cNvSpPr>
-            <a:spLocks noGrp="1"/>
-          </p:cNvSpPr>
-          <p:nvPr>
-            <p:ph type="title"/>
-          </p:nvPr>
-        </p:nvSpPr>
-        <p:spPr>
-          <a:xfrm>
-            <a:off x="1097280" y="286603"/>
-            <a:ext cx="10058400" cy="1450757"/>
-          </a:xfrm>
-        </p:spPr>
-        <p:txBody>
-          <a:bodyPr>
-            <a:normAutofit/>
-          </a:bodyPr>
-          <a:lstStyle/>
-          <a:p>
-            <a:r>
-              <a:rPr lang="en-US" dirty="0"/>
-              <a:t>Result</a:t>
-            </a:r>
-          </a:p>
-        </p:txBody>
-      </p:sp>
-      <p:graphicFrame>
-        <p:nvGraphicFramePr>
-          <p:cNvPr id="5" name="Content Placeholder 2">
-            <a:extLst>
-              <a:ext uri="{FF2B5EF4-FFF2-40B4-BE49-F238E27FC236}">
-                <a16:creationId xmlns:a16="http://schemas.microsoft.com/office/drawing/2014/main" id="{A92636C5-B780-C4B9-1B60-76A6CE43F2F8}"/>
-              </a:ext>
-            </a:extLst>
-          </p:cNvPr>
-          <p:cNvGraphicFramePr>
-            <a:graphicFrameLocks noGrp="1"/>
-          </p:cNvGraphicFramePr>
-          <p:nvPr>
-            <p:ph idx="1"/>
-            <p:extLst>
-              <p:ext uri="{D42A27DB-BD31-4B8C-83A1-F6EECF244321}">
-                <p14:modId xmlns:p14="http://schemas.microsoft.com/office/powerpoint/2010/main" val="1588302197"/>
-              </p:ext>
-            </p:extLst>
-          </p:nvPr>
-        </p:nvGraphicFramePr>
-        <p:xfrm>
-          <a:off x="1096963" y="2098515"/>
-          <a:ext cx="10058400" cy="3786080"/>
-        </p:xfrm>
-        <a:graphic>
-          <a:graphicData uri="http://schemas.openxmlformats.org/drawingml/2006/diagram">
-            <dgm:relIds xmlns:dgm="http://schemas.openxmlformats.org/drawingml/2006/diagram" xmlns:r="http://schemas.openxmlformats.org/officeDocument/2006/relationships" r:dm="rId2" r:lo="rId3" r:qs="rId4" r:cs="rId5"/>
-          </a:graphicData>
-        </a:graphic>
-      </p:graphicFrame>
-    </p:spTree>
-    <p:extLst>
-      <p:ext uri="{BB962C8B-B14F-4D97-AF65-F5344CB8AC3E}">
-        <p14:creationId xmlns:p14="http://schemas.microsoft.com/office/powerpoint/2010/main" val="1911525198"/>
+        <p14:creationId xmlns:p14="http://schemas.microsoft.com/office/powerpoint/2010/main" val="1092480459"/>
       </p:ext>
     </p:extLst>
   </p:cSld>
@@ -7495,47 +4475,36 @@
           <a:p>
             <a:r>
               <a:rPr lang="en-US" dirty="0"/>
-              <a:t>- MSP430FR2355 as main controller</a:t>
-            </a:r>
-          </a:p>
-          <a:p>
+              <a:t>Read an analog temperature sensor and display the value on the LCD</a:t>
+            </a:r>
+          </a:p>
+          <a:p>
+            <a:pPr lvl="1"/>
             <a:r>
               <a:rPr lang="en-US" dirty="0"/>
-              <a:t>- Locked system controlled by 4x4 keypad</a:t>
-            </a:r>
-          </a:p>
-          <a:p>
+              <a:t>Main controller to sample an analog temperature sensor’s output and produce a moving average of n-samples (user selectable)</a:t>
+            </a:r>
+          </a:p>
+          <a:p>
+            <a:pPr lvl="1"/>
             <a:r>
               <a:rPr lang="en-US" dirty="0"/>
-              <a:t>- Two MSP430FR2310 as Peripherals controlled by I2C</a:t>
-            </a:r>
-          </a:p>
-          <a:p>
+              <a:t>LCD displays sensor output in Celsius</a:t>
+            </a:r>
+          </a:p>
+          <a:p>
+            <a:pPr lvl="1"/>
             <a:r>
               <a:rPr lang="en-US" dirty="0"/>
-              <a:t>- Controller sends data over I2C to control actions on peripheral MSPs</a:t>
-            </a:r>
-          </a:p>
-          <a:p>
+              <a:t>LED bar does not change, but speed functionality removed</a:t>
+            </a:r>
+          </a:p>
+          <a:p>
+            <a:pPr lvl="1"/>
             <a:r>
               <a:rPr lang="en-US" dirty="0"/>
-              <a:t>- Peripherals control LED Bar and LCD screen</a:t>
-            </a:r>
-          </a:p>
-          <a:p>
-            <a:r>
-              <a:rPr lang="en-US" dirty="0"/>
-              <a:t>- Patterns on LED Bar</a:t>
-            </a:r>
-          </a:p>
-          <a:p>
-            <a:r>
-              <a:rPr lang="en-US" dirty="0"/>
-              <a:t>- Name of pattern on LCD</a:t>
-            </a:r>
-          </a:p>
-          <a:p>
-            <a:endParaRPr lang="en-US" dirty="0"/>
+              <a:t>Locked state, unlocked, user input via keypad the same.</a:t>
+            </a:r>
           </a:p>
         </p:txBody>
       </p:sp>
@@ -7579,10 +4548,10 @@
       </p:grpSpPr>
       <p:sp>
         <p:nvSpPr>
-          <p:cNvPr id="10" name="Rectangle 9">
+          <p:cNvPr id="12" name="Rectangle 11">
             <a:extLst>
               <a:ext uri="{FF2B5EF4-FFF2-40B4-BE49-F238E27FC236}">
-                <a16:creationId xmlns:a16="http://schemas.microsoft.com/office/drawing/2014/main" id="{4E4490D0-3672-446A-AC12-B4830333BDDD}"/>
+                <a16:creationId xmlns:a16="http://schemas.microsoft.com/office/drawing/2014/main" id="{4A8FFEA1-1B69-4F42-B552-0CCF7259687D}"/>
               </a:ext>
               <a:ext uri="{C183D7F6-B498-43B3-948B-1728B52AA6E4}">
                 <adec:decorative xmlns:adec="http://schemas.microsoft.com/office/drawing/2017/decorative" val="1"/>
@@ -7641,10 +4610,10 @@
       </p:sp>
       <p:sp>
         <p:nvSpPr>
-          <p:cNvPr id="12" name="Rectangle 11">
+          <p:cNvPr id="14" name="Rectangle 13">
             <a:extLst>
               <a:ext uri="{FF2B5EF4-FFF2-40B4-BE49-F238E27FC236}">
-                <a16:creationId xmlns:a16="http://schemas.microsoft.com/office/drawing/2014/main" id="{39CB82C2-DF65-4EC1-8280-F201D50F570B}"/>
+                <a16:creationId xmlns:a16="http://schemas.microsoft.com/office/drawing/2014/main" id="{AA3C9226-5EC8-460B-82D7-72AA994DF95E}"/>
               </a:ext>
               <a:ext uri="{C183D7F6-B498-43B3-948B-1728B52AA6E4}">
                 <adec:decorative xmlns:adec="http://schemas.microsoft.com/office/drawing/2017/decorative" val="1"/>
@@ -7703,10 +4672,10 @@
       </p:sp>
       <p:cxnSp>
         <p:nvCxnSpPr>
-          <p:cNvPr id="14" name="Straight Connector 13">
+          <p:cNvPr id="16" name="Straight Connector 15">
             <a:extLst>
               <a:ext uri="{FF2B5EF4-FFF2-40B4-BE49-F238E27FC236}">
-                <a16:creationId xmlns:a16="http://schemas.microsoft.com/office/drawing/2014/main" id="{7E1D4427-852B-4B37-8E76-0E9F1810BA2A}"/>
+                <a16:creationId xmlns:a16="http://schemas.microsoft.com/office/drawing/2014/main" id="{62A90A9D-33DF-408E-BF4C-F82588935C96}"/>
               </a:ext>
               <a:ext uri="{C183D7F6-B498-43B3-948B-1728B52AA6E4}">
                 <adec:decorative xmlns:adec="http://schemas.microsoft.com/office/drawing/2017/decorative" val="1"/>
@@ -7758,10 +4727,10 @@
       </p:cxnSp>
       <p:sp useBgFill="1">
         <p:nvSpPr>
-          <p:cNvPr id="16" name="Rectangle 15">
+          <p:cNvPr id="18" name="Rectangle 17">
             <a:extLst>
               <a:ext uri="{FF2B5EF4-FFF2-40B4-BE49-F238E27FC236}">
-                <a16:creationId xmlns:a16="http://schemas.microsoft.com/office/drawing/2014/main" id="{FA4CD5CB-D209-4D70-8CA4-629731C59219}"/>
+                <a16:creationId xmlns:a16="http://schemas.microsoft.com/office/drawing/2014/main" id="{E6AA15AE-DAFE-4E1E-B05F-F57962FD3A2F}"/>
               </a:ext>
               <a:ext uri="{C183D7F6-B498-43B3-948B-1728B52AA6E4}">
                 <adec:decorative xmlns:adec="http://schemas.microsoft.com/office/drawing/2017/decorative" val="1"/>
@@ -7860,10 +4829,10 @@
       </p:sp>
       <p:pic>
         <p:nvPicPr>
-          <p:cNvPr id="5" name="Content Placeholder 4" descr="A diagram of a flowchart&#10;&#10;AI-generated content may be incorrect.">
+          <p:cNvPr id="7" name="Content Placeholder 6">
             <a:extLst>
               <a:ext uri="{FF2B5EF4-FFF2-40B4-BE49-F238E27FC236}">
-                <a16:creationId xmlns:a16="http://schemas.microsoft.com/office/drawing/2014/main" id="{982BD4BB-EE6F-7490-7C56-E0C6F9DF6134}"/>
+                <a16:creationId xmlns:a16="http://schemas.microsoft.com/office/drawing/2014/main" id="{0292B09D-BA3B-4120-A161-092430624C31}"/>
               </a:ext>
             </a:extLst>
           </p:cNvPr>
@@ -7875,21 +4844,15 @@
           </p:nvPr>
         </p:nvPicPr>
         <p:blipFill>
-          <a:blip r:embed="rId2">
-            <a:extLst>
-              <a:ext uri="{28A0092B-C50C-407E-A947-70E740481C1C}">
-                <a14:useLocalDpi xmlns:a14="http://schemas.microsoft.com/office/drawing/2010/main" val="0"/>
-              </a:ext>
-            </a:extLst>
-          </a:blip>
+          <a:blip r:embed="rId2"/>
           <a:stretch>
             <a:fillRect/>
           </a:stretch>
         </p:blipFill>
         <p:spPr>
           <a:xfrm>
-            <a:off x="633999" y="817005"/>
-            <a:ext cx="7248779" cy="4929169"/>
+            <a:off x="633999" y="808365"/>
+            <a:ext cx="6912217" cy="4717587"/>
           </a:xfrm>
           <a:prstGeom prst="rect">
             <a:avLst/>
@@ -7898,10 +4861,10 @@
       </p:pic>
       <p:cxnSp>
         <p:nvCxnSpPr>
-          <p:cNvPr id="18" name="Straight Connector 17">
+          <p:cNvPr id="20" name="Straight Connector 19">
             <a:extLst>
               <a:ext uri="{FF2B5EF4-FFF2-40B4-BE49-F238E27FC236}">
-                <a16:creationId xmlns:a16="http://schemas.microsoft.com/office/drawing/2014/main" id="{5C6A2BAE-B461-4B55-8E1F-0722ABDD1393}"/>
+                <a16:creationId xmlns:a16="http://schemas.microsoft.com/office/drawing/2014/main" id="{D07141D5-A57C-43F5-A655-5BA2D0D2AFF3}"/>
               </a:ext>
               <a:ext uri="{C183D7F6-B498-43B3-948B-1728B52AA6E4}">
                 <adec:decorative xmlns:adec="http://schemas.microsoft.com/office/drawing/2017/decorative" val="1"/>
@@ -7952,10 +4915,10 @@
       </p:cxnSp>
       <p:sp>
         <p:nvSpPr>
-          <p:cNvPr id="20" name="Rectangle 19">
+          <p:cNvPr id="22" name="Rectangle 21">
             <a:extLst>
               <a:ext uri="{FF2B5EF4-FFF2-40B4-BE49-F238E27FC236}">
-                <a16:creationId xmlns:a16="http://schemas.microsoft.com/office/drawing/2014/main" id="{B4C27B90-DF2B-4D00-BA07-18ED774CD2F1}"/>
+                <a16:creationId xmlns:a16="http://schemas.microsoft.com/office/drawing/2014/main" id="{D9DB1F97-BFF9-46CC-8EB4-BB63B98F13CA}"/>
               </a:ext>
               <a:ext uri="{C183D7F6-B498-43B3-948B-1728B52AA6E4}">
                 <adec:decorative xmlns:adec="http://schemas.microsoft.com/office/drawing/2017/decorative" val="1"/>
@@ -8014,10 +4977,10 @@
       </p:sp>
       <p:sp>
         <p:nvSpPr>
-          <p:cNvPr id="22" name="Rectangle 21">
+          <p:cNvPr id="24" name="Rectangle 23">
             <a:extLst>
               <a:ext uri="{FF2B5EF4-FFF2-40B4-BE49-F238E27FC236}">
-                <a16:creationId xmlns:a16="http://schemas.microsoft.com/office/drawing/2014/main" id="{593ACC25-C262-417A-8AA9-0641C772BDB6}"/>
+                <a16:creationId xmlns:a16="http://schemas.microsoft.com/office/drawing/2014/main" id="{88CAE6E3-39B4-4A16-97BC-9C376B9B7EAF}"/>
               </a:ext>
               <a:ext uri="{C183D7F6-B498-43B3-948B-1728B52AA6E4}">
                 <adec:decorative xmlns:adec="http://schemas.microsoft.com/office/drawing/2017/decorative" val="1"/>
@@ -8114,7 +5077,7 @@
       </p:grpSpPr>
       <p:sp>
         <p:nvSpPr>
-          <p:cNvPr id="31" name="Rectangle 30">
+          <p:cNvPr id="8" name="Rectangle 7">
             <a:extLst>
               <a:ext uri="{FF2B5EF4-FFF2-40B4-BE49-F238E27FC236}">
                 <a16:creationId xmlns:a16="http://schemas.microsoft.com/office/drawing/2014/main" id="{C2579DAE-C141-48DB-810E-C070C300819E}"/>
@@ -8176,7 +5139,7 @@
       </p:sp>
       <p:sp>
         <p:nvSpPr>
-          <p:cNvPr id="32" name="Rectangle 31">
+          <p:cNvPr id="10" name="Rectangle 9">
             <a:extLst>
               <a:ext uri="{FF2B5EF4-FFF2-40B4-BE49-F238E27FC236}">
                 <a16:creationId xmlns:a16="http://schemas.microsoft.com/office/drawing/2014/main" id="{02FD90C3-6350-4D5B-9738-6E94EDF30F74}"/>
@@ -8238,7 +5201,7 @@
       </p:sp>
       <p:sp>
         <p:nvSpPr>
-          <p:cNvPr id="38" name="Rectangle 37">
+          <p:cNvPr id="12" name="Rectangle 11">
             <a:extLst>
               <a:ext uri="{FF2B5EF4-FFF2-40B4-BE49-F238E27FC236}">
                 <a16:creationId xmlns:a16="http://schemas.microsoft.com/office/drawing/2014/main" id="{41497DE5-0939-4D1D-9350-0C5E1B209C68}"/>
@@ -8301,7 +5264,7 @@
       </p:sp>
       <p:sp>
         <p:nvSpPr>
-          <p:cNvPr id="40" name="Rectangle 39">
+          <p:cNvPr id="14" name="Rectangle 13">
             <a:extLst>
               <a:ext uri="{FF2B5EF4-FFF2-40B4-BE49-F238E27FC236}">
                 <a16:creationId xmlns:a16="http://schemas.microsoft.com/office/drawing/2014/main" id="{5CCC70ED-6C63-4537-B7EB-51990D6C0A6F}"/>
@@ -8361,7 +5324,7 @@
       </p:sp>
       <p:sp>
         <p:nvSpPr>
-          <p:cNvPr id="42" name="Rectangle 41">
+          <p:cNvPr id="16" name="Rectangle 15">
             <a:extLst>
               <a:ext uri="{FF2B5EF4-FFF2-40B4-BE49-F238E27FC236}">
                 <a16:creationId xmlns:a16="http://schemas.microsoft.com/office/drawing/2014/main" id="{B76E24C1-2968-40DC-A36E-F6B85F0F0752}"/>
@@ -8424,10 +5387,10 @@
       </p:sp>
       <p:pic>
         <p:nvPicPr>
-          <p:cNvPr id="7" name="Picture 6">
+          <p:cNvPr id="3" name="Picture 2">
             <a:extLst>
               <a:ext uri="{FF2B5EF4-FFF2-40B4-BE49-F238E27FC236}">
-                <a16:creationId xmlns:a16="http://schemas.microsoft.com/office/drawing/2014/main" id="{64BE8B57-3C65-99C8-4A06-C8009655E7F6}"/>
+                <a16:creationId xmlns:a16="http://schemas.microsoft.com/office/drawing/2014/main" id="{03519CBA-6B6B-6940-4AF8-1FB1E86E2AE2}"/>
               </a:ext>
             </a:extLst>
           </p:cNvPr>
@@ -8444,8 +5407,8 @@
         </p:blipFill>
         <p:spPr>
           <a:xfrm>
-            <a:off x="1976452" y="516738"/>
-            <a:ext cx="8235950" cy="5824523"/>
+            <a:off x="1866713" y="526160"/>
+            <a:ext cx="8455428" cy="5813108"/>
           </a:xfrm>
           <a:prstGeom prst="rect">
             <a:avLst/>
@@ -8533,43 +5496,48 @@
           </a:bodyPr>
           <a:lstStyle/>
           <a:p>
+            <a:pPr lvl="1"/>
             <a:r>
               <a:rPr lang="en-US" dirty="0"/>
-              <a:t>- Starts in locked state</a:t>
-            </a:r>
-          </a:p>
-          <a:p>
+              <a:t>Starts in locked state</a:t>
+            </a:r>
+          </a:p>
+          <a:p>
+            <a:pPr lvl="1"/>
             <a:r>
               <a:rPr lang="en-US" dirty="0"/>
-              <a:t>- RGB LED indicates system status</a:t>
-            </a:r>
-          </a:p>
-          <a:p>
+              <a:t>RGB LED indicates system status</a:t>
+            </a:r>
+          </a:p>
+          <a:p>
+            <a:pPr lvl="1"/>
             <a:r>
               <a:rPr lang="en-US" dirty="0"/>
-              <a:t>- Code “6969” to unlock</a:t>
-            </a:r>
-          </a:p>
-          <a:p>
+              <a:t>Code “6969” to unlock</a:t>
+            </a:r>
+          </a:p>
+          <a:p>
+            <a:pPr lvl="1"/>
             <a:r>
               <a:rPr lang="en-US" dirty="0"/>
-              <a:t>- Once unlocked, patterns can be selected</a:t>
-            </a:r>
-          </a:p>
-          <a:p>
+              <a:t>Constantly monitors temp sensor every 0.5s</a:t>
+            </a:r>
+          </a:p>
+          <a:p>
+            <a:pPr lvl="1"/>
             <a:r>
               <a:rPr lang="en-US" dirty="0"/>
-              <a:t>- Pattern info transmitted over I2C bus (Master)</a:t>
-            </a:r>
-          </a:p>
-          <a:p>
-            <a:pPr lvl="1"/>
+              <a:t>Once unlocked, system enters idle mode</a:t>
+            </a:r>
+          </a:p>
+          <a:p>
+            <a:pPr lvl="2"/>
             <a:r>
               <a:rPr lang="en-US" dirty="0">
                 <a:ea typeface="Calibri"/>
                 <a:cs typeface="Calibri"/>
               </a:rPr>
-              <a:t>First transmission to led bar slave</a:t>
+              <a:t>Waits for user input</a:t>
             </a:r>
           </a:p>
           <a:p>
@@ -8579,7 +5547,37 @@
                 <a:ea typeface="Calibri"/>
                 <a:cs typeface="Calibri"/>
               </a:rPr>
-              <a:t>Second transmission to LCD slave</a:t>
+              <a:t>User can select size of past average temp measurements</a:t>
+            </a:r>
+          </a:p>
+          <a:p>
+            <a:pPr lvl="1"/>
+            <a:r>
+              <a:rPr lang="en-US" dirty="0">
+                <a:ea typeface="Calibri"/>
+                <a:cs typeface="Calibri"/>
+              </a:rPr>
+              <a:t>LCD constantly displays updates to the average temperature sensor</a:t>
+            </a:r>
+          </a:p>
+          <a:p>
+            <a:pPr lvl="2"/>
+            <a:r>
+              <a:rPr lang="en-US" dirty="0">
+                <a:ea typeface="Calibri"/>
+                <a:cs typeface="Calibri"/>
+              </a:rPr>
+              <a:t>To 1 decimal place</a:t>
+            </a:r>
+          </a:p>
+          <a:p>
+            <a:pPr lvl="3"/>
+            <a:r>
+              <a:rPr lang="en-US" dirty="0">
+                <a:ea typeface="Calibri"/>
+                <a:cs typeface="Calibri"/>
+              </a:rPr>
+              <a:t>Multiple bytes per I2C transmission</a:t>
             </a:r>
           </a:p>
         </p:txBody>
@@ -8598,290 +5596,6 @@
 </file>
 
 <file path=ppt/slides/slide6.xml><?xml version="1.0" encoding="utf-8"?>
-<p:sld xmlns:a="http://schemas.openxmlformats.org/drawingml/2006/main" xmlns:r="http://schemas.openxmlformats.org/officeDocument/2006/relationships" xmlns:p="http://schemas.openxmlformats.org/presentationml/2006/main">
-  <p:cSld>
-    <p:spTree>
-      <p:nvGrpSpPr>
-        <p:cNvPr id="1" name=""/>
-        <p:cNvGrpSpPr/>
-        <p:nvPr/>
-      </p:nvGrpSpPr>
-      <p:grpSpPr>
-        <a:xfrm>
-          <a:off x="0" y="0"/>
-          <a:ext cx="0" cy="0"/>
-          <a:chOff x="0" y="0"/>
-          <a:chExt cx="0" cy="0"/>
-        </a:xfrm>
-      </p:grpSpPr>
-      <p:sp>
-        <p:nvSpPr>
-          <p:cNvPr id="2" name="Title 1">
-            <a:extLst>
-              <a:ext uri="{FF2B5EF4-FFF2-40B4-BE49-F238E27FC236}">
-                <a16:creationId xmlns:a16="http://schemas.microsoft.com/office/drawing/2014/main" id="{6D9060C2-4609-E2E0-7398-17BDF9E6B2EA}"/>
-              </a:ext>
-            </a:extLst>
-          </p:cNvPr>
-          <p:cNvSpPr>
-            <a:spLocks noGrp="1"/>
-          </p:cNvSpPr>
-          <p:nvPr>
-            <p:ph type="title"/>
-          </p:nvPr>
-        </p:nvSpPr>
-        <p:spPr/>
-        <p:txBody>
-          <a:bodyPr/>
-          <a:lstStyle/>
-          <a:p>
-            <a:r>
-              <a:rPr lang="en-US" dirty="0"/>
-              <a:t>LCD Peripheral</a:t>
-            </a:r>
-          </a:p>
-        </p:txBody>
-      </p:sp>
-      <p:sp>
-        <p:nvSpPr>
-          <p:cNvPr id="3" name="Content Placeholder 2">
-            <a:extLst>
-              <a:ext uri="{FF2B5EF4-FFF2-40B4-BE49-F238E27FC236}">
-                <a16:creationId xmlns:a16="http://schemas.microsoft.com/office/drawing/2014/main" id="{79E68E2B-EE24-6F19-74B3-229074D48840}"/>
-              </a:ext>
-            </a:extLst>
-          </p:cNvPr>
-          <p:cNvSpPr>
-            <a:spLocks noGrp="1"/>
-          </p:cNvSpPr>
-          <p:nvPr>
-            <p:ph idx="1"/>
-          </p:nvPr>
-        </p:nvSpPr>
-        <p:spPr/>
-        <p:txBody>
-          <a:bodyPr/>
-          <a:lstStyle/>
-          <a:p>
-            <a:r>
-              <a:rPr lang="en-US" dirty="0"/>
-              <a:t>- Contrast of screen can be adjusted</a:t>
-            </a:r>
-          </a:p>
-          <a:p>
-            <a:r>
-              <a:rPr lang="en-US" dirty="0"/>
-              <a:t>- Set to 4 bit mode</a:t>
-            </a:r>
-          </a:p>
-          <a:p>
-            <a:r>
-              <a:rPr lang="en-US" dirty="0"/>
-              <a:t>- 2 line, 5x8 character</a:t>
-            </a:r>
-          </a:p>
-          <a:p>
-            <a:r>
-              <a:rPr lang="en-US" dirty="0"/>
-              <a:t>- Screen cleared</a:t>
-            </a:r>
-          </a:p>
-          <a:p>
-            <a:r>
-              <a:rPr lang="en-US" dirty="0"/>
-              <a:t>- I2C Slave (Receives)</a:t>
-            </a:r>
-          </a:p>
-          <a:p>
-            <a:r>
-              <a:rPr lang="en-US" dirty="0"/>
-              <a:t>- Drives message or command to LCD</a:t>
-            </a:r>
-          </a:p>
-          <a:p>
-            <a:pPr lvl="1"/>
-            <a:r>
-              <a:rPr lang="en-US" dirty="0"/>
-              <a:t>LED Pattern</a:t>
-            </a:r>
-          </a:p>
-          <a:p>
-            <a:pPr lvl="1"/>
-            <a:r>
-              <a:rPr lang="en-US" dirty="0"/>
-              <a:t>Screen Clear</a:t>
-            </a:r>
-          </a:p>
-          <a:p>
-            <a:pPr lvl="1"/>
-            <a:r>
-              <a:rPr lang="en-US" dirty="0"/>
-              <a:t>Toggle Cursor</a:t>
-            </a:r>
-          </a:p>
-          <a:p>
-            <a:endParaRPr lang="en-US" dirty="0"/>
-          </a:p>
-        </p:txBody>
-      </p:sp>
-    </p:spTree>
-    <p:extLst>
-      <p:ext uri="{BB962C8B-B14F-4D97-AF65-F5344CB8AC3E}">
-        <p14:creationId xmlns:p14="http://schemas.microsoft.com/office/powerpoint/2010/main" val="2879997163"/>
-      </p:ext>
-    </p:extLst>
-  </p:cSld>
-  <p:clrMapOvr>
-    <a:masterClrMapping/>
-  </p:clrMapOvr>
-</p:sld>
-</file>
-
-<file path=ppt/slides/slide7.xml><?xml version="1.0" encoding="utf-8"?>
-<p:sld xmlns:a="http://schemas.openxmlformats.org/drawingml/2006/main" xmlns:r="http://schemas.openxmlformats.org/officeDocument/2006/relationships" xmlns:p="http://schemas.openxmlformats.org/presentationml/2006/main">
-  <p:cSld>
-    <p:spTree>
-      <p:nvGrpSpPr>
-        <p:cNvPr id="1" name=""/>
-        <p:cNvGrpSpPr/>
-        <p:nvPr/>
-      </p:nvGrpSpPr>
-      <p:grpSpPr>
-        <a:xfrm>
-          <a:off x="0" y="0"/>
-          <a:ext cx="0" cy="0"/>
-          <a:chOff x="0" y="0"/>
-          <a:chExt cx="0" cy="0"/>
-        </a:xfrm>
-      </p:grpSpPr>
-      <p:sp>
-        <p:nvSpPr>
-          <p:cNvPr id="2" name="Title 1">
-            <a:extLst>
-              <a:ext uri="{FF2B5EF4-FFF2-40B4-BE49-F238E27FC236}">
-                <a16:creationId xmlns:a16="http://schemas.microsoft.com/office/drawing/2014/main" id="{C7D03185-0D53-F14F-BB71-6CC6F45C72B4}"/>
-              </a:ext>
-            </a:extLst>
-          </p:cNvPr>
-          <p:cNvSpPr>
-            <a:spLocks noGrp="1"/>
-          </p:cNvSpPr>
-          <p:nvPr>
-            <p:ph type="title"/>
-          </p:nvPr>
-        </p:nvSpPr>
-        <p:spPr/>
-        <p:txBody>
-          <a:bodyPr/>
-          <a:lstStyle/>
-          <a:p>
-            <a:r>
-              <a:rPr lang="en-US" dirty="0"/>
-              <a:t>LED Bar Peripheral</a:t>
-            </a:r>
-          </a:p>
-        </p:txBody>
-      </p:sp>
-      <p:sp>
-        <p:nvSpPr>
-          <p:cNvPr id="3" name="Content Placeholder 2">
-            <a:extLst>
-              <a:ext uri="{FF2B5EF4-FFF2-40B4-BE49-F238E27FC236}">
-                <a16:creationId xmlns:a16="http://schemas.microsoft.com/office/drawing/2014/main" id="{0DBE5F9E-EB7B-D0FE-861A-CC1ED29037FC}"/>
-              </a:ext>
-            </a:extLst>
-          </p:cNvPr>
-          <p:cNvSpPr>
-            <a:spLocks noGrp="1"/>
-          </p:cNvSpPr>
-          <p:nvPr>
-            <p:ph idx="1"/>
-          </p:nvPr>
-        </p:nvSpPr>
-        <p:spPr/>
-        <p:txBody>
-          <a:bodyPr vert="horz" lIns="0" tIns="45720" rIns="0" bIns="45720" rtlCol="0" anchor="t">
-            <a:normAutofit/>
-          </a:bodyPr>
-          <a:lstStyle/>
-          <a:p>
-            <a:pPr>
-              <a:buChar char="-"/>
-            </a:pPr>
-            <a:r>
-              <a:rPr lang="en-US" sz="2800" dirty="0"/>
-              <a:t> Port initialization</a:t>
-            </a:r>
-            <a:endParaRPr lang="en-US"/>
-          </a:p>
-          <a:p>
-            <a:pPr>
-              <a:buChar char="-"/>
-            </a:pPr>
-            <a:r>
-              <a:rPr lang="en-US" sz="2800" dirty="0"/>
-              <a:t> Receives I2C transmission (slave)</a:t>
-            </a:r>
-            <a:endParaRPr lang="en-US" sz="2800" dirty="0">
-              <a:ea typeface="Calibri" panose="020F0502020204030204"/>
-              <a:cs typeface="Calibri" panose="020F0502020204030204"/>
-            </a:endParaRPr>
-          </a:p>
-          <a:p>
-            <a:pPr>
-              <a:buChar char="-"/>
-            </a:pPr>
-            <a:r>
-              <a:rPr lang="en-US" sz="2800" dirty="0"/>
-              <a:t> Drive received pattern</a:t>
-            </a:r>
-            <a:endParaRPr lang="en-US" sz="2800" dirty="0">
-              <a:ea typeface="Calibri" panose="020F0502020204030204"/>
-              <a:cs typeface="Calibri" panose="020F0502020204030204"/>
-            </a:endParaRPr>
-          </a:p>
-          <a:p>
-            <a:pPr>
-              <a:buChar char="-"/>
-            </a:pPr>
-            <a:r>
-              <a:rPr lang="en-US" sz="2800" dirty="0"/>
-              <a:t> Transition period can be changed based on transmission</a:t>
-            </a:r>
-            <a:endParaRPr lang="en-US" sz="2800" dirty="0">
-              <a:ea typeface="Calibri" panose="020F0502020204030204"/>
-              <a:cs typeface="Calibri" panose="020F0502020204030204"/>
-            </a:endParaRPr>
-          </a:p>
-          <a:p>
-            <a:pPr>
-              <a:buChar char="-"/>
-            </a:pPr>
-            <a:r>
-              <a:rPr lang="en-US" sz="2800" dirty="0"/>
-              <a:t> Same data as sent to LCD</a:t>
-            </a:r>
-            <a:endParaRPr lang="en-US" sz="2800" dirty="0">
-              <a:ea typeface="Calibri" panose="020F0502020204030204"/>
-              <a:cs typeface="Calibri" panose="020F0502020204030204"/>
-            </a:endParaRPr>
-          </a:p>
-        </p:txBody>
-      </p:sp>
-    </p:spTree>
-    <p:extLst>
-      <p:ext uri="{BB962C8B-B14F-4D97-AF65-F5344CB8AC3E}">
-        <p14:creationId xmlns:p14="http://schemas.microsoft.com/office/powerpoint/2010/main" val="86261443"/>
-      </p:ext>
-    </p:extLst>
-  </p:cSld>
-  <p:clrMapOvr>
-    <a:masterClrMapping/>
-  </p:clrMapOvr>
-</p:sld>
-</file>
-
-<file path=ppt/slides/slide8.xml><?xml version="1.0" encoding="utf-8"?>
 <p:sld xmlns:a="http://schemas.openxmlformats.org/drawingml/2006/main" xmlns:r="http://schemas.openxmlformats.org/officeDocument/2006/relationships" xmlns:p="http://schemas.openxmlformats.org/presentationml/2006/main">
   <p:cSld>
     <p:bg>
@@ -8908,196 +5622,45 @@
       </p:grpSpPr>
       <p:sp>
         <p:nvSpPr>
-          <p:cNvPr id="7" name="Rectangle 6">
+          <p:cNvPr id="2" name="Title 1">
             <a:extLst>
               <a:ext uri="{FF2B5EF4-FFF2-40B4-BE49-F238E27FC236}">
-                <a16:creationId xmlns:a16="http://schemas.microsoft.com/office/drawing/2014/main" id="{41497DE5-0939-4D1D-9350-0C5E1B209C68}"/>
-              </a:ext>
-              <a:ext uri="{C183D7F6-B498-43B3-948B-1728B52AA6E4}">
-                <adec:decorative xmlns:adec="http://schemas.microsoft.com/office/drawing/2017/decorative" val="1"/>
+                <a16:creationId xmlns:a16="http://schemas.microsoft.com/office/drawing/2014/main" id="{6D9060C2-4609-E2E0-7398-17BDF9E6B2EA}"/>
               </a:ext>
             </a:extLst>
           </p:cNvPr>
           <p:cNvSpPr>
-            <a:spLocks noGrp="1" noRot="1" noChangeAspect="1" noMove="1" noResize="1" noEditPoints="1" noAdjustHandles="1" noChangeArrowheads="1" noChangeShapeType="1" noTextEdit="1"/>
-          </p:cNvSpPr>
-          <p:nvPr>
-            <p:extLst>
-              <p:ext uri="{386F3935-93C4-4BCD-93E2-E3B085C9AB24}">
-                <p16:designElem xmlns:p16="http://schemas.microsoft.com/office/powerpoint/2015/main" val="1"/>
-              </p:ext>
-            </p:extLst>
-          </p:nvPr>
-        </p:nvSpPr>
-        <p:spPr>
-          <a:xfrm>
-            <a:off x="0" y="0"/>
-            <a:ext cx="12192000" cy="6858000"/>
-          </a:xfrm>
-          <a:prstGeom prst="rect">
-            <a:avLst/>
-          </a:prstGeom>
-          <a:solidFill>
-            <a:schemeClr val="accent2"/>
-          </a:solidFill>
-          <a:ln>
-            <a:noFill/>
-          </a:ln>
-        </p:spPr>
-        <p:style>
-          <a:lnRef idx="2">
-            <a:schemeClr val="accent1">
-              <a:shade val="50000"/>
-            </a:schemeClr>
-          </a:lnRef>
-          <a:fillRef idx="1">
-            <a:schemeClr val="accent1"/>
-          </a:fillRef>
-          <a:effectRef idx="0">
-            <a:schemeClr val="accent1"/>
-          </a:effectRef>
-          <a:fontRef idx="minor">
-            <a:schemeClr val="lt1"/>
-          </a:fontRef>
-        </p:style>
-        <p:txBody>
-          <a:bodyPr rtlCol="0" anchor="ctr"/>
-          <a:lstStyle/>
-          <a:p>
-            <a:pPr algn="ctr"/>
-            <a:endParaRPr lang="en-US"/>
-          </a:p>
-        </p:txBody>
-      </p:sp>
-      <p:sp>
-        <p:nvSpPr>
-          <p:cNvPr id="9" name="Rectangle 8">
+            <a:spLocks noGrp="1"/>
+          </p:cNvSpPr>
+          <p:nvPr>
+            <p:ph type="title"/>
+          </p:nvPr>
+        </p:nvSpPr>
+        <p:spPr>
+          <a:xfrm>
+            <a:off x="1097280" y="286603"/>
+            <a:ext cx="10058400" cy="1450757"/>
+          </a:xfrm>
+        </p:spPr>
+        <p:txBody>
+          <a:bodyPr>
+            <a:normAutofit/>
+          </a:bodyPr>
+          <a:lstStyle/>
+          <a:p>
+            <a:r>
+              <a:rPr lang="en-US" dirty="0"/>
+              <a:t>Analog Temperature Sensor</a:t>
+            </a:r>
+          </a:p>
+        </p:txBody>
+      </p:sp>
+      <p:pic>
+        <p:nvPicPr>
+          <p:cNvPr id="7" name="Picture 6">
             <a:extLst>
               <a:ext uri="{FF2B5EF4-FFF2-40B4-BE49-F238E27FC236}">
-                <a16:creationId xmlns:a16="http://schemas.microsoft.com/office/drawing/2014/main" id="{5CCC70ED-6C63-4537-B7EB-51990D6C0A6F}"/>
-              </a:ext>
-              <a:ext uri="{C183D7F6-B498-43B3-948B-1728B52AA6E4}">
-                <adec:decorative xmlns:adec="http://schemas.microsoft.com/office/drawing/2017/decorative" val="1"/>
-              </a:ext>
-            </a:extLst>
-          </p:cNvPr>
-          <p:cNvSpPr>
-            <a:spLocks noGrp="1" noRot="1" noChangeAspect="1" noMove="1" noResize="1" noEditPoints="1" noAdjustHandles="1" noChangeArrowheads="1" noChangeShapeType="1" noTextEdit="1"/>
-          </p:cNvSpPr>
-          <p:nvPr>
-            <p:extLst>
-              <p:ext uri="{386F3935-93C4-4BCD-93E2-E3B085C9AB24}">
-                <p16:designElem xmlns:p16="http://schemas.microsoft.com/office/powerpoint/2015/main" val="1"/>
-              </p:ext>
-            </p:extLst>
-          </p:nvPr>
-        </p:nvSpPr>
-        <p:spPr>
-          <a:xfrm>
-            <a:off x="458724" y="457200"/>
-            <a:ext cx="11274552" cy="5943600"/>
-          </a:xfrm>
-          <a:prstGeom prst="rect">
-            <a:avLst/>
-          </a:prstGeom>
-          <a:ln>
-            <a:noFill/>
-          </a:ln>
-        </p:spPr>
-        <p:style>
-          <a:lnRef idx="2">
-            <a:schemeClr val="accent1">
-              <a:shade val="50000"/>
-            </a:schemeClr>
-          </a:lnRef>
-          <a:fillRef idx="1">
-            <a:schemeClr val="accent1"/>
-          </a:fillRef>
-          <a:effectRef idx="0">
-            <a:schemeClr val="accent1"/>
-          </a:effectRef>
-          <a:fontRef idx="minor">
-            <a:schemeClr val="lt1"/>
-          </a:fontRef>
-        </p:style>
-        <p:txBody>
-          <a:bodyPr rtlCol="0" anchor="ctr"/>
-          <a:lstStyle/>
-          <a:p>
-            <a:pPr algn="ctr"/>
-            <a:endParaRPr lang="en-US"/>
-          </a:p>
-        </p:txBody>
-      </p:sp>
-      <p:sp>
-        <p:nvSpPr>
-          <p:cNvPr id="11" name="Rectangle 10">
-            <a:extLst>
-              <a:ext uri="{FF2B5EF4-FFF2-40B4-BE49-F238E27FC236}">
-                <a16:creationId xmlns:a16="http://schemas.microsoft.com/office/drawing/2014/main" id="{B76E24C1-2968-40DC-A36E-F6B85F0F0752}"/>
-              </a:ext>
-              <a:ext uri="{C183D7F6-B498-43B3-948B-1728B52AA6E4}">
-                <adec:decorative xmlns:adec="http://schemas.microsoft.com/office/drawing/2017/decorative" val="1"/>
-              </a:ext>
-            </a:extLst>
-          </p:cNvPr>
-          <p:cNvSpPr>
-            <a:spLocks noGrp="1" noRot="1" noChangeAspect="1" noMove="1" noResize="1" noEditPoints="1" noAdjustHandles="1" noChangeArrowheads="1" noChangeShapeType="1" noTextEdit="1"/>
-          </p:cNvSpPr>
-          <p:nvPr>
-            <p:extLst>
-              <p:ext uri="{386F3935-93C4-4BCD-93E2-E3B085C9AB24}">
-                <p16:designElem xmlns:p16="http://schemas.microsoft.com/office/powerpoint/2015/main" val="1"/>
-              </p:ext>
-            </p:extLst>
-          </p:nvPr>
-        </p:nvSpPr>
-        <p:spPr>
-          <a:xfrm>
-            <a:off x="522732" y="521208"/>
-            <a:ext cx="11146536" cy="5815584"/>
-          </a:xfrm>
-          <a:prstGeom prst="rect">
-            <a:avLst/>
-          </a:prstGeom>
-          <a:solidFill>
-            <a:srgbClr val="FFFFFF"/>
-          </a:solidFill>
-          <a:ln>
-            <a:noFill/>
-          </a:ln>
-        </p:spPr>
-        <p:style>
-          <a:lnRef idx="2">
-            <a:schemeClr val="accent1">
-              <a:shade val="50000"/>
-            </a:schemeClr>
-          </a:lnRef>
-          <a:fillRef idx="1">
-            <a:schemeClr val="accent1"/>
-          </a:fillRef>
-          <a:effectRef idx="0">
-            <a:schemeClr val="accent1"/>
-          </a:effectRef>
-          <a:fontRef idx="minor">
-            <a:schemeClr val="lt1"/>
-          </a:fontRef>
-        </p:style>
-        <p:txBody>
-          <a:bodyPr rtlCol="0" anchor="ctr"/>
-          <a:lstStyle/>
-          <a:p>
-            <a:pPr algn="ctr"/>
-            <a:endParaRPr lang="en-US"/>
-          </a:p>
-        </p:txBody>
-      </p:sp>
-      <p:pic>
-        <p:nvPicPr>
-          <p:cNvPr id="2" name="Picture 1" descr="A screenshot of a computer&#10;&#10;AI-generated content may be incorrect.">
-            <a:extLst>
-              <a:ext uri="{FF2B5EF4-FFF2-40B4-BE49-F238E27FC236}">
-                <a16:creationId xmlns:a16="http://schemas.microsoft.com/office/drawing/2014/main" id="{4538BC31-488E-5D5B-9B6A-53F82D1D73A7}"/>
+                <a16:creationId xmlns:a16="http://schemas.microsoft.com/office/drawing/2014/main" id="{A9386A09-0C9E-C597-95C6-F4193B891970}"/>
               </a:ext>
             </a:extLst>
           </p:cNvPr>
@@ -9114,18 +5677,423 @@
         </p:blipFill>
         <p:spPr>
           <a:xfrm>
-            <a:off x="943356" y="1061141"/>
-            <a:ext cx="10337292" cy="4729311"/>
+            <a:off x="1183017" y="2988862"/>
+            <a:ext cx="2376058" cy="1325924"/>
           </a:xfrm>
           <a:prstGeom prst="rect">
             <a:avLst/>
           </a:prstGeom>
         </p:spPr>
       </p:pic>
+      <p:pic>
+        <p:nvPicPr>
+          <p:cNvPr id="5" name="Picture 4" descr="A graph with a line drawn on it&#10;&#10;AI-generated content may be incorrect.">
+            <a:extLst>
+              <a:ext uri="{FF2B5EF4-FFF2-40B4-BE49-F238E27FC236}">
+                <a16:creationId xmlns:a16="http://schemas.microsoft.com/office/drawing/2014/main" id="{64D94D1C-0074-897C-7505-C6BEA9A4280B}"/>
+              </a:ext>
+            </a:extLst>
+          </p:cNvPr>
+          <p:cNvPicPr>
+            <a:picLocks noChangeAspect="1"/>
+          </p:cNvPicPr>
+          <p:nvPr/>
+        </p:nvPicPr>
+        <p:blipFill>
+          <a:blip r:embed="rId3"/>
+          <a:stretch>
+            <a:fillRect/>
+          </a:stretch>
+        </p:blipFill>
+        <p:spPr>
+          <a:xfrm>
+            <a:off x="3719942" y="2585569"/>
+            <a:ext cx="2376057" cy="2132510"/>
+          </a:xfrm>
+          <a:prstGeom prst="rect">
+            <a:avLst/>
+          </a:prstGeom>
+        </p:spPr>
+      </p:pic>
+      <p:sp>
+        <p:nvSpPr>
+          <p:cNvPr id="3" name="Content Placeholder 2">
+            <a:extLst>
+              <a:ext uri="{FF2B5EF4-FFF2-40B4-BE49-F238E27FC236}">
+                <a16:creationId xmlns:a16="http://schemas.microsoft.com/office/drawing/2014/main" id="{79E68E2B-EE24-6F19-74B3-229074D48840}"/>
+              </a:ext>
+            </a:extLst>
+          </p:cNvPr>
+          <p:cNvSpPr>
+            <a:spLocks noGrp="1"/>
+          </p:cNvSpPr>
+          <p:nvPr>
+            <p:ph idx="1"/>
+          </p:nvPr>
+        </p:nvSpPr>
+        <p:spPr>
+          <a:xfrm>
+            <a:off x="6351639" y="1845734"/>
+            <a:ext cx="4804041" cy="4023360"/>
+          </a:xfrm>
+        </p:spPr>
+        <p:txBody>
+          <a:bodyPr>
+            <a:normAutofit/>
+          </a:bodyPr>
+          <a:lstStyle/>
+          <a:p>
+            <a:pPr lvl="1"/>
+            <a:r>
+              <a:rPr lang="en-US" dirty="0"/>
+              <a:t>3.3V Input to CMOS integrated-circuit</a:t>
+            </a:r>
+          </a:p>
+          <a:p>
+            <a:pPr lvl="1"/>
+            <a:r>
+              <a:rPr lang="en-US" dirty="0"/>
+              <a:t>Analog output based on temperature</a:t>
+            </a:r>
+          </a:p>
+          <a:p>
+            <a:pPr lvl="1"/>
+            <a:r>
+              <a:rPr lang="en-US" dirty="0"/>
+              <a:t>MSP430 ADC module reads temperature sensor every 0.5s</a:t>
+            </a:r>
+          </a:p>
+          <a:p>
+            <a:pPr lvl="2"/>
+            <a:r>
+              <a:rPr lang="en-US" dirty="0"/>
+              <a:t>Saves temperature value into circular array to average user selected number of values</a:t>
+            </a:r>
+          </a:p>
+          <a:p>
+            <a:pPr marL="201168" lvl="1" indent="0">
+              <a:buNone/>
+            </a:pPr>
+            <a:endParaRPr lang="en-US" dirty="0"/>
+          </a:p>
+        </p:txBody>
+      </p:sp>
     </p:spTree>
     <p:extLst>
       <p:ext uri="{BB962C8B-B14F-4D97-AF65-F5344CB8AC3E}">
-        <p14:creationId xmlns:p14="http://schemas.microsoft.com/office/powerpoint/2010/main" val="209374199"/>
+        <p14:creationId xmlns:p14="http://schemas.microsoft.com/office/powerpoint/2010/main" val="2879997163"/>
+      </p:ext>
+    </p:extLst>
+  </p:cSld>
+  <p:clrMapOvr>
+    <a:masterClrMapping/>
+  </p:clrMapOvr>
+</p:sld>
+</file>
+
+<file path=ppt/slides/slide7.xml><?xml version="1.0" encoding="utf-8"?>
+<p:sld xmlns:a="http://schemas.openxmlformats.org/drawingml/2006/main" xmlns:r="http://schemas.openxmlformats.org/officeDocument/2006/relationships" xmlns:p="http://schemas.openxmlformats.org/presentationml/2006/main">
+  <p:cSld>
+    <p:spTree>
+      <p:nvGrpSpPr>
+        <p:cNvPr id="1" name="">
+          <a:extLst>
+            <a:ext uri="{FF2B5EF4-FFF2-40B4-BE49-F238E27FC236}">
+              <a16:creationId xmlns:a16="http://schemas.microsoft.com/office/drawing/2014/main" id="{29FC8090-90AF-AFAC-8F5E-759F896BD6B9}"/>
+            </a:ext>
+          </a:extLst>
+        </p:cNvPr>
+        <p:cNvGrpSpPr/>
+        <p:nvPr/>
+      </p:nvGrpSpPr>
+      <p:grpSpPr>
+        <a:xfrm>
+          <a:off x="0" y="0"/>
+          <a:ext cx="0" cy="0"/>
+          <a:chOff x="0" y="0"/>
+          <a:chExt cx="0" cy="0"/>
+        </a:xfrm>
+      </p:grpSpPr>
+      <p:sp>
+        <p:nvSpPr>
+          <p:cNvPr id="2" name="Title 1">
+            <a:extLst>
+              <a:ext uri="{FF2B5EF4-FFF2-40B4-BE49-F238E27FC236}">
+                <a16:creationId xmlns:a16="http://schemas.microsoft.com/office/drawing/2014/main" id="{09D93A21-60A7-FD96-A47F-03DF595494CD}"/>
+              </a:ext>
+            </a:extLst>
+          </p:cNvPr>
+          <p:cNvSpPr>
+            <a:spLocks noGrp="1"/>
+          </p:cNvSpPr>
+          <p:nvPr>
+            <p:ph type="title"/>
+          </p:nvPr>
+        </p:nvSpPr>
+        <p:spPr/>
+        <p:txBody>
+          <a:bodyPr/>
+          <a:lstStyle/>
+          <a:p>
+            <a:r>
+              <a:rPr lang="en-US" dirty="0"/>
+              <a:t>LCD Peripheral</a:t>
+            </a:r>
+          </a:p>
+        </p:txBody>
+      </p:sp>
+      <p:sp>
+        <p:nvSpPr>
+          <p:cNvPr id="3" name="Content Placeholder 2">
+            <a:extLst>
+              <a:ext uri="{FF2B5EF4-FFF2-40B4-BE49-F238E27FC236}">
+                <a16:creationId xmlns:a16="http://schemas.microsoft.com/office/drawing/2014/main" id="{44357725-B813-0F08-4879-93E33784199B}"/>
+              </a:ext>
+            </a:extLst>
+          </p:cNvPr>
+          <p:cNvSpPr>
+            <a:spLocks noGrp="1"/>
+          </p:cNvSpPr>
+          <p:nvPr>
+            <p:ph idx="1"/>
+          </p:nvPr>
+        </p:nvSpPr>
+        <p:spPr/>
+        <p:txBody>
+          <a:bodyPr>
+            <a:normAutofit/>
+          </a:bodyPr>
+          <a:lstStyle/>
+          <a:p>
+            <a:pPr lvl="1"/>
+            <a:r>
+              <a:rPr lang="en-US" dirty="0"/>
+              <a:t>Contrast of screen can be adjusted</a:t>
+            </a:r>
+          </a:p>
+          <a:p>
+            <a:pPr lvl="1"/>
+            <a:r>
+              <a:rPr lang="en-US" dirty="0"/>
+              <a:t>Set to 4 bit mode</a:t>
+            </a:r>
+          </a:p>
+          <a:p>
+            <a:pPr lvl="1"/>
+            <a:r>
+              <a:rPr lang="en-US" dirty="0"/>
+              <a:t>2 line, 5x8 character</a:t>
+            </a:r>
+          </a:p>
+          <a:p>
+            <a:pPr lvl="1"/>
+            <a:r>
+              <a:rPr lang="en-US" dirty="0"/>
+              <a:t>Screen cleared</a:t>
+            </a:r>
+          </a:p>
+          <a:p>
+            <a:pPr lvl="1"/>
+            <a:r>
+              <a:rPr lang="en-US" dirty="0"/>
+              <a:t>I2C Slave (Receives)</a:t>
+            </a:r>
+          </a:p>
+          <a:p>
+            <a:pPr lvl="1"/>
+            <a:r>
+              <a:rPr lang="en-US" dirty="0"/>
+              <a:t>Drives message or command to LCD</a:t>
+            </a:r>
+          </a:p>
+          <a:p>
+            <a:pPr lvl="2"/>
+            <a:r>
+              <a:rPr lang="en-US" dirty="0"/>
+              <a:t>LED Pattern</a:t>
+            </a:r>
+          </a:p>
+          <a:p>
+            <a:pPr lvl="2"/>
+            <a:r>
+              <a:rPr lang="en-US" dirty="0"/>
+              <a:t>Screen Clear</a:t>
+            </a:r>
+          </a:p>
+          <a:p>
+            <a:pPr lvl="2"/>
+            <a:r>
+              <a:rPr lang="en-US" dirty="0"/>
+              <a:t>Toggle Cursor</a:t>
+            </a:r>
+          </a:p>
+          <a:p>
+            <a:pPr lvl="1"/>
+            <a:r>
+              <a:rPr lang="en-US" dirty="0"/>
+              <a:t>Constantly displays average temperature from master controller</a:t>
+            </a:r>
+          </a:p>
+          <a:p>
+            <a:endParaRPr lang="en-US" dirty="0"/>
+          </a:p>
+        </p:txBody>
+      </p:sp>
+    </p:spTree>
+    <p:extLst>
+      <p:ext uri="{BB962C8B-B14F-4D97-AF65-F5344CB8AC3E}">
+        <p14:creationId xmlns:p14="http://schemas.microsoft.com/office/powerpoint/2010/main" val="3652241073"/>
+      </p:ext>
+    </p:extLst>
+  </p:cSld>
+  <p:clrMapOvr>
+    <a:masterClrMapping/>
+  </p:clrMapOvr>
+</p:sld>
+</file>
+
+<file path=ppt/slides/slide8.xml><?xml version="1.0" encoding="utf-8"?>
+<p:sld xmlns:a="http://schemas.openxmlformats.org/drawingml/2006/main" xmlns:r="http://schemas.openxmlformats.org/officeDocument/2006/relationships" xmlns:p="http://schemas.openxmlformats.org/presentationml/2006/main">
+  <p:cSld>
+    <p:spTree>
+      <p:nvGrpSpPr>
+        <p:cNvPr id="1" name=""/>
+        <p:cNvGrpSpPr/>
+        <p:nvPr/>
+      </p:nvGrpSpPr>
+      <p:grpSpPr>
+        <a:xfrm>
+          <a:off x="0" y="0"/>
+          <a:ext cx="0" cy="0"/>
+          <a:chOff x="0" y="0"/>
+          <a:chExt cx="0" cy="0"/>
+        </a:xfrm>
+      </p:grpSpPr>
+      <p:sp>
+        <p:nvSpPr>
+          <p:cNvPr id="2" name="Title 1">
+            <a:extLst>
+              <a:ext uri="{FF2B5EF4-FFF2-40B4-BE49-F238E27FC236}">
+                <a16:creationId xmlns:a16="http://schemas.microsoft.com/office/drawing/2014/main" id="{C7D03185-0D53-F14F-BB71-6CC6F45C72B4}"/>
+              </a:ext>
+            </a:extLst>
+          </p:cNvPr>
+          <p:cNvSpPr>
+            <a:spLocks noGrp="1"/>
+          </p:cNvSpPr>
+          <p:nvPr>
+            <p:ph type="title"/>
+          </p:nvPr>
+        </p:nvSpPr>
+        <p:spPr/>
+        <p:txBody>
+          <a:bodyPr/>
+          <a:lstStyle/>
+          <a:p>
+            <a:r>
+              <a:rPr lang="en-US" dirty="0"/>
+              <a:t>LED Bar Peripheral</a:t>
+            </a:r>
+          </a:p>
+        </p:txBody>
+      </p:sp>
+      <p:sp>
+        <p:nvSpPr>
+          <p:cNvPr id="3" name="Content Placeholder 2">
+            <a:extLst>
+              <a:ext uri="{FF2B5EF4-FFF2-40B4-BE49-F238E27FC236}">
+                <a16:creationId xmlns:a16="http://schemas.microsoft.com/office/drawing/2014/main" id="{0DBE5F9E-EB7B-D0FE-861A-CC1ED29037FC}"/>
+              </a:ext>
+            </a:extLst>
+          </p:cNvPr>
+          <p:cNvSpPr>
+            <a:spLocks noGrp="1"/>
+          </p:cNvSpPr>
+          <p:nvPr>
+            <p:ph idx="1"/>
+          </p:nvPr>
+        </p:nvSpPr>
+        <p:spPr/>
+        <p:txBody>
+          <a:bodyPr vert="horz" lIns="0" tIns="45720" rIns="0" bIns="45720" rtlCol="0" anchor="t">
+            <a:normAutofit/>
+          </a:bodyPr>
+          <a:lstStyle/>
+          <a:p>
+            <a:pPr>
+              <a:buChar char="-"/>
+            </a:pPr>
+            <a:r>
+              <a:rPr lang="en-US" sz="2800" dirty="0"/>
+              <a:t> Port initialization</a:t>
+            </a:r>
+            <a:endParaRPr lang="en-US" dirty="0"/>
+          </a:p>
+          <a:p>
+            <a:pPr>
+              <a:buChar char="-"/>
+            </a:pPr>
+            <a:r>
+              <a:rPr lang="en-US" sz="2800" dirty="0"/>
+              <a:t> Receives I2C transmission (slave)</a:t>
+            </a:r>
+            <a:endParaRPr lang="en-US" sz="2800" dirty="0">
+              <a:ea typeface="Calibri" panose="020F0502020204030204"/>
+              <a:cs typeface="Calibri" panose="020F0502020204030204"/>
+            </a:endParaRPr>
+          </a:p>
+          <a:p>
+            <a:pPr>
+              <a:buChar char="-"/>
+            </a:pPr>
+            <a:r>
+              <a:rPr lang="en-US" sz="2800" dirty="0"/>
+              <a:t> Drive received pattern</a:t>
+            </a:r>
+            <a:endParaRPr lang="en-US" sz="2800" dirty="0">
+              <a:ea typeface="Calibri" panose="020F0502020204030204"/>
+              <a:cs typeface="Calibri" panose="020F0502020204030204"/>
+            </a:endParaRPr>
+          </a:p>
+          <a:p>
+            <a:pPr>
+              <a:buChar char="-"/>
+            </a:pPr>
+            <a:r>
+              <a:rPr lang="en-US" sz="2800" dirty="0"/>
+              <a:t> Transition period can be changed based on transmission</a:t>
+            </a:r>
+            <a:endParaRPr lang="en-US" sz="2800" dirty="0">
+              <a:ea typeface="Calibri" panose="020F0502020204030204"/>
+              <a:cs typeface="Calibri" panose="020F0502020204030204"/>
+            </a:endParaRPr>
+          </a:p>
+          <a:p>
+            <a:pPr>
+              <a:buChar char="-"/>
+            </a:pPr>
+            <a:r>
+              <a:rPr lang="en-US" sz="2800" dirty="0">
+                <a:ea typeface="Calibri" panose="020F0502020204030204"/>
+                <a:cs typeface="Calibri" panose="020F0502020204030204"/>
+              </a:rPr>
+              <a:t> </a:t>
+            </a:r>
+            <a:r>
+              <a:rPr lang="en-US" sz="2800" dirty="0"/>
+              <a:t>Same data as sent to LCD</a:t>
+            </a:r>
+            <a:endParaRPr lang="en-US" sz="2800" dirty="0">
+              <a:ea typeface="Calibri" panose="020F0502020204030204"/>
+              <a:cs typeface="Calibri" panose="020F0502020204030204"/>
+            </a:endParaRPr>
+          </a:p>
+        </p:txBody>
+      </p:sp>
+    </p:spTree>
+    <p:extLst>
+      <p:ext uri="{BB962C8B-B14F-4D97-AF65-F5344CB8AC3E}">
+        <p14:creationId xmlns:p14="http://schemas.microsoft.com/office/powerpoint/2010/main" val="86261443"/>
       </p:ext>
     </p:extLst>
   </p:cSld>
@@ -9160,228 +6128,12 @@
           <a:chExt cx="0" cy="0"/>
         </a:xfrm>
       </p:grpSpPr>
-      <p:sp useBgFill="1">
-        <p:nvSpPr>
-          <p:cNvPr id="15" name="Rectangle 14">
+      <p:pic>
+        <p:nvPicPr>
+          <p:cNvPr id="2" name="Picture 1" descr="A screenshot of a computer&#10;&#10;AI-generated content may be incorrect.">
             <a:extLst>
               <a:ext uri="{FF2B5EF4-FFF2-40B4-BE49-F238E27FC236}">
-                <a16:creationId xmlns:a16="http://schemas.microsoft.com/office/drawing/2014/main" id="{3DE3B93A-6105-4E0D-ABE7-1711117A80FC}"/>
-              </a:ext>
-              <a:ext uri="{C183D7F6-B498-43B3-948B-1728B52AA6E4}">
-                <adec:decorative xmlns:adec="http://schemas.microsoft.com/office/drawing/2017/decorative" val="1"/>
-              </a:ext>
-            </a:extLst>
-          </p:cNvPr>
-          <p:cNvSpPr>
-            <a:spLocks noGrp="1" noRot="1" noChangeAspect="1" noMove="1" noResize="1" noEditPoints="1" noAdjustHandles="1" noChangeArrowheads="1" noChangeShapeType="1" noTextEdit="1"/>
-          </p:cNvSpPr>
-          <p:nvPr>
-            <p:extLst>
-              <p:ext uri="{386F3935-93C4-4BCD-93E2-E3B085C9AB24}">
-                <p16:designElem xmlns:p16="http://schemas.microsoft.com/office/powerpoint/2015/main" val="1"/>
-              </p:ext>
-            </p:extLst>
-          </p:nvPr>
-        </p:nvSpPr>
-        <p:spPr>
-          <a:xfrm>
-            <a:off x="0" y="0"/>
-            <a:ext cx="12192001" cy="6334316"/>
-          </a:xfrm>
-          <a:prstGeom prst="rect">
-            <a:avLst/>
-          </a:prstGeom>
-          <a:ln>
-            <a:noFill/>
-          </a:ln>
-        </p:spPr>
-        <p:style>
-          <a:lnRef idx="2">
-            <a:schemeClr val="accent1">
-              <a:shade val="50000"/>
-            </a:schemeClr>
-          </a:lnRef>
-          <a:fillRef idx="1">
-            <a:schemeClr val="accent1"/>
-          </a:fillRef>
-          <a:effectRef idx="0">
-            <a:schemeClr val="accent1"/>
-          </a:effectRef>
-          <a:fontRef idx="minor">
-            <a:schemeClr val="lt1"/>
-          </a:fontRef>
-        </p:style>
-        <p:txBody>
-          <a:bodyPr rtlCol="0" anchor="ctr"/>
-          <a:lstStyle/>
-          <a:p>
-            <a:pPr algn="ctr"/>
-            <a:endParaRPr lang="en-US"/>
-          </a:p>
-        </p:txBody>
-      </p:sp>
-      <p:sp>
-        <p:nvSpPr>
-          <p:cNvPr id="2" name="Title 1">
-            <a:extLst>
-              <a:ext uri="{FF2B5EF4-FFF2-40B4-BE49-F238E27FC236}">
-                <a16:creationId xmlns:a16="http://schemas.microsoft.com/office/drawing/2014/main" id="{844BE189-E3AD-38EF-1E48-30684092771F}"/>
-              </a:ext>
-            </a:extLst>
-          </p:cNvPr>
-          <p:cNvSpPr>
-            <a:spLocks noGrp="1"/>
-          </p:cNvSpPr>
-          <p:nvPr>
-            <p:ph type="title"/>
-          </p:nvPr>
-        </p:nvSpPr>
-        <p:spPr>
-          <a:xfrm>
-            <a:off x="642256" y="642257"/>
-            <a:ext cx="3417677" cy="5226837"/>
-          </a:xfrm>
-        </p:spPr>
-        <p:txBody>
-          <a:bodyPr anchor="t">
-            <a:normAutofit/>
-          </a:bodyPr>
-          <a:lstStyle/>
-          <a:p>
-            <a:r>
-              <a:rPr lang="en-US" dirty="0">
-                <a:ea typeface="Calibri Light"/>
-                <a:cs typeface="Calibri Light"/>
-              </a:rPr>
-              <a:t>Issues</a:t>
-            </a:r>
-            <a:br>
-              <a:rPr lang="en-US" dirty="0">
-                <a:ea typeface="Calibri Light"/>
-                <a:cs typeface="Calibri Light"/>
-              </a:rPr>
-            </a:br>
-            <a:r>
-              <a:rPr lang="en-US" sz="2000" dirty="0">
-                <a:ea typeface="Calibri Light"/>
-                <a:cs typeface="Calibri Light"/>
-              </a:rPr>
-              <a:t>I2C</a:t>
-            </a:r>
-            <a:endParaRPr lang="en-US" sz="2000" dirty="0"/>
-          </a:p>
-        </p:txBody>
-      </p:sp>
-      <p:sp>
-        <p:nvSpPr>
-          <p:cNvPr id="3" name="Content Placeholder 2">
-            <a:extLst>
-              <a:ext uri="{FF2B5EF4-FFF2-40B4-BE49-F238E27FC236}">
-                <a16:creationId xmlns:a16="http://schemas.microsoft.com/office/drawing/2014/main" id="{2A0017A7-D195-1968-AC1B-98EE76069A01}"/>
-              </a:ext>
-            </a:extLst>
-          </p:cNvPr>
-          <p:cNvSpPr>
-            <a:spLocks noGrp="1"/>
-          </p:cNvSpPr>
-          <p:nvPr>
-            <p:ph idx="1"/>
-          </p:nvPr>
-        </p:nvSpPr>
-        <p:spPr>
-          <a:xfrm>
-            <a:off x="4713512" y="642258"/>
-            <a:ext cx="6847117" cy="3091682"/>
-          </a:xfrm>
-        </p:spPr>
-        <p:txBody>
-          <a:bodyPr vert="horz" lIns="0" tIns="45720" rIns="0" bIns="45720" rtlCol="0">
-            <a:normAutofit/>
-          </a:bodyPr>
-          <a:lstStyle/>
-          <a:p>
-            <a:pPr>
-              <a:buChar char="-"/>
-            </a:pPr>
-            <a:r>
-              <a:rPr lang="en-US" dirty="0">
-                <a:ea typeface="Calibri"/>
-                <a:cs typeface="Calibri"/>
-              </a:rPr>
-              <a:t>SCL stayed low outside the transmission buffer</a:t>
-            </a:r>
-          </a:p>
-          <a:p>
-            <a:pPr>
-              <a:buChar char="-"/>
-            </a:pPr>
-            <a:r>
-              <a:rPr lang="en-US" dirty="0">
-                <a:ea typeface="Calibri"/>
-                <a:cs typeface="Calibri"/>
-              </a:rPr>
-              <a:t>Caused slaves to not respond to called address</a:t>
-            </a:r>
-          </a:p>
-          <a:p>
-            <a:pPr>
-              <a:buChar char="-"/>
-            </a:pPr>
-            <a:r>
-              <a:rPr lang="en-US" dirty="0">
-                <a:ea typeface="Calibri"/>
-                <a:cs typeface="Calibri"/>
-              </a:rPr>
-              <a:t>Hardware issue with breakout board</a:t>
-            </a:r>
-          </a:p>
-          <a:p>
-            <a:pPr>
-              <a:buChar char="-"/>
-            </a:pPr>
-            <a:r>
-              <a:rPr lang="en-US" dirty="0">
-                <a:ea typeface="Calibri"/>
-                <a:cs typeface="Calibri"/>
-              </a:rPr>
-              <a:t>Fixed by keeping logic analyzer connected</a:t>
-            </a:r>
-          </a:p>
-          <a:p>
-            <a:pPr marL="0" indent="0">
-              <a:buNone/>
-            </a:pPr>
-            <a:endParaRPr lang="en-US" dirty="0">
-              <a:ea typeface="Calibri"/>
-              <a:cs typeface="Calibri"/>
-            </a:endParaRPr>
-          </a:p>
-          <a:p>
-            <a:pPr>
-              <a:buChar char="-"/>
-            </a:pPr>
-            <a:endParaRPr lang="en-US" dirty="0">
-              <a:ea typeface="Calibri"/>
-              <a:cs typeface="Calibri"/>
-            </a:endParaRPr>
-          </a:p>
-          <a:p>
-            <a:pPr>
-              <a:buChar char="-"/>
-            </a:pPr>
-            <a:endParaRPr lang="en-US" dirty="0">
-              <a:ea typeface="Calibri"/>
-              <a:cs typeface="Calibri"/>
-            </a:endParaRPr>
-          </a:p>
-        </p:txBody>
-      </p:sp>
-      <p:pic>
-        <p:nvPicPr>
-          <p:cNvPr id="4" name="Picture 3" descr="A screenshot of a computer&#10;&#10;AI-generated content may be incorrect.">
-            <a:extLst>
-              <a:ext uri="{FF2B5EF4-FFF2-40B4-BE49-F238E27FC236}">
-                <a16:creationId xmlns:a16="http://schemas.microsoft.com/office/drawing/2014/main" id="{C5BC4D89-0A3E-3FDC-BD86-1A2E560378AA}"/>
+                <a16:creationId xmlns:a16="http://schemas.microsoft.com/office/drawing/2014/main" id="{4538BC31-488E-5D5B-9B6A-53F82D1D73A7}"/>
               </a:ext>
             </a:extLst>
           </p:cNvPr>
@@ -9398,142 +6150,18 @@
         </p:blipFill>
         <p:spPr>
           <a:xfrm>
-            <a:off x="342794" y="2637747"/>
-            <a:ext cx="11519758" cy="2195087"/>
+            <a:off x="943356" y="1061141"/>
+            <a:ext cx="10337292" cy="4729311"/>
           </a:xfrm>
           <a:prstGeom prst="rect">
             <a:avLst/>
           </a:prstGeom>
         </p:spPr>
       </p:pic>
-      <p:sp>
-        <p:nvSpPr>
-          <p:cNvPr id="16" name="Rectangle 15">
-            <a:extLst>
-              <a:ext uri="{FF2B5EF4-FFF2-40B4-BE49-F238E27FC236}">
-                <a16:creationId xmlns:a16="http://schemas.microsoft.com/office/drawing/2014/main" id="{1924D57B-FEC9-4779-B514-732685B876E8}"/>
-              </a:ext>
-              <a:ext uri="{C183D7F6-B498-43B3-948B-1728B52AA6E4}">
-                <adec:decorative xmlns:adec="http://schemas.microsoft.com/office/drawing/2017/decorative" val="1"/>
-              </a:ext>
-            </a:extLst>
-          </p:cNvPr>
-          <p:cNvSpPr>
-            <a:spLocks noGrp="1" noRot="1" noChangeAspect="1" noMove="1" noResize="1" noEditPoints="1" noAdjustHandles="1" noChangeArrowheads="1" noChangeShapeType="1" noTextEdit="1"/>
-          </p:cNvSpPr>
-          <p:nvPr>
-            <p:extLst>
-              <p:ext uri="{386F3935-93C4-4BCD-93E2-E3B085C9AB24}">
-                <p16:designElem xmlns:p16="http://schemas.microsoft.com/office/powerpoint/2015/main" val="1"/>
-              </p:ext>
-            </p:extLst>
-          </p:nvPr>
-        </p:nvSpPr>
-        <p:spPr>
-          <a:xfrm>
-            <a:off x="15" y="6334316"/>
-            <a:ext cx="12191985" cy="66484"/>
-          </a:xfrm>
-          <a:prstGeom prst="rect">
-            <a:avLst/>
-          </a:prstGeom>
-          <a:solidFill>
-            <a:schemeClr val="accent1"/>
-          </a:solidFill>
-          <a:ln>
-            <a:noFill/>
-          </a:ln>
-        </p:spPr>
-        <p:style>
-          <a:lnRef idx="2">
-            <a:schemeClr val="accent1">
-              <a:shade val="50000"/>
-            </a:schemeClr>
-          </a:lnRef>
-          <a:fillRef idx="1">
-            <a:schemeClr val="accent1"/>
-          </a:fillRef>
-          <a:effectRef idx="0">
-            <a:schemeClr val="accent1"/>
-          </a:effectRef>
-          <a:fontRef idx="minor">
-            <a:schemeClr val="lt1"/>
-          </a:fontRef>
-        </p:style>
-        <p:txBody>
-          <a:bodyPr/>
-          <a:lstStyle/>
-          <a:p>
-            <a:endParaRPr lang="en-US"/>
-          </a:p>
-        </p:txBody>
-      </p:sp>
-      <p:sp>
-        <p:nvSpPr>
-          <p:cNvPr id="17" name="Rectangle 16">
-            <a:extLst>
-              <a:ext uri="{FF2B5EF4-FFF2-40B4-BE49-F238E27FC236}">
-                <a16:creationId xmlns:a16="http://schemas.microsoft.com/office/drawing/2014/main" id="{55EFD2BD-6E0E-4450-A3FF-5D1EA322A38B}"/>
-              </a:ext>
-              <a:ext uri="{C183D7F6-B498-43B3-948B-1728B52AA6E4}">
-                <adec:decorative xmlns:adec="http://schemas.microsoft.com/office/drawing/2017/decorative" val="1"/>
-              </a:ext>
-            </a:extLst>
-          </p:cNvPr>
-          <p:cNvSpPr>
-            <a:spLocks noGrp="1" noRot="1" noChangeAspect="1" noMove="1" noResize="1" noEditPoints="1" noAdjustHandles="1" noChangeArrowheads="1" noChangeShapeType="1" noTextEdit="1"/>
-          </p:cNvSpPr>
-          <p:nvPr>
-            <p:extLst>
-              <p:ext uri="{386F3935-93C4-4BCD-93E2-E3B085C9AB24}">
-                <p16:designElem xmlns:p16="http://schemas.microsoft.com/office/powerpoint/2015/main" val="1"/>
-              </p:ext>
-            </p:extLst>
-          </p:nvPr>
-        </p:nvSpPr>
-        <p:spPr>
-          <a:xfrm>
-            <a:off x="1" y="6400800"/>
-            <a:ext cx="12192000" cy="457200"/>
-          </a:xfrm>
-          <a:prstGeom prst="rect">
-            <a:avLst/>
-          </a:prstGeom>
-          <a:solidFill>
-            <a:schemeClr val="accent2"/>
-          </a:solidFill>
-          <a:ln>
-            <a:noFill/>
-          </a:ln>
-        </p:spPr>
-        <p:style>
-          <a:lnRef idx="2">
-            <a:schemeClr val="accent1">
-              <a:shade val="50000"/>
-            </a:schemeClr>
-          </a:lnRef>
-          <a:fillRef idx="1">
-            <a:schemeClr val="accent1"/>
-          </a:fillRef>
-          <a:effectRef idx="0">
-            <a:schemeClr val="accent1"/>
-          </a:effectRef>
-          <a:fontRef idx="minor">
-            <a:schemeClr val="lt1"/>
-          </a:fontRef>
-        </p:style>
-        <p:txBody>
-          <a:bodyPr/>
-          <a:lstStyle/>
-          <a:p>
-            <a:endParaRPr lang="en-US"/>
-          </a:p>
-        </p:txBody>
-      </p:sp>
     </p:spTree>
     <p:extLst>
       <p:ext uri="{BB962C8B-B14F-4D97-AF65-F5344CB8AC3E}">
-        <p14:creationId xmlns:p14="http://schemas.microsoft.com/office/powerpoint/2010/main" val="3046048900"/>
+        <p14:creationId xmlns:p14="http://schemas.microsoft.com/office/powerpoint/2010/main" val="209374199"/>
       </p:ext>
     </p:extLst>
   </p:cSld>
@@ -9548,40 +6176,40 @@
   <a:themeElements>
     <a:clrScheme name="Retrospect">
       <a:dk1>
-        <a:srgbClr val="000000"/>
+        <a:sysClr val="windowText" lastClr="000000"/>
       </a:dk1>
       <a:lt1>
         <a:sysClr val="window" lastClr="FFFFFF"/>
       </a:lt1>
       <a:dk2>
-        <a:srgbClr val="637052"/>
+        <a:srgbClr val="455F51"/>
       </a:dk2>
       <a:lt2>
-        <a:srgbClr val="CCDDEA"/>
+        <a:srgbClr val="E2DFCC"/>
       </a:lt2>
       <a:accent1>
-        <a:srgbClr val="E48312"/>
+        <a:srgbClr val="99CB38"/>
       </a:accent1>
       <a:accent2>
-        <a:srgbClr val="BD582C"/>
+        <a:srgbClr val="63A537"/>
       </a:accent2>
       <a:accent3>
-        <a:srgbClr val="865640"/>
+        <a:srgbClr val="37A76F"/>
       </a:accent3>
       <a:accent4>
-        <a:srgbClr val="9B8357"/>
+        <a:srgbClr val="44C1A3"/>
       </a:accent4>
       <a:accent5>
-        <a:srgbClr val="C2BC80"/>
+        <a:srgbClr val="4EB3CF"/>
       </a:accent5>
       <a:accent6>
-        <a:srgbClr val="94A088"/>
+        <a:srgbClr val="51C3F9"/>
       </a:accent6>
       <a:hlink>
-        <a:srgbClr val="2998E3"/>
+        <a:srgbClr val="6B9F25"/>
       </a:hlink>
       <a:folHlink>
-        <a:srgbClr val="8C8C8C"/>
+        <a:srgbClr val="B26B02"/>
       </a:folHlink>
     </a:clrScheme>
     <a:fontScheme name="Retrospect">
@@ -9820,7 +6448,7 @@
   <a:extraClrSchemeLst/>
   <a:extLst>
     <a:ext uri="{05A4C25C-085E-4340-85A3-A5531E510DB2}">
-      <thm15:themeFamily xmlns:thm15="http://schemas.microsoft.com/office/thememl/2012/main" name="Retrospect" id="{5F128B03-DCCA-4EEB-AB3B-CF2899314A46}" vid="{3F1AAB62-24C6-49D2-8E01-B56FAC9A3DCD}"/>
+      <thm15:themeFamily xmlns:thm15="http://schemas.microsoft.com/office/thememl/2012/main" name="Retrospect" id="{5F128B03-DCCA-4EEB-AB3B-CF2899314A46}" vid="{D26EA377-59BD-4C9C-9D94-EE8416EE4C79}"/>
     </a:ext>
   </a:extLst>
 </a:theme>
